--- a/Documents/Firefighters.pptx
+++ b/Documents/Firefighters.pptx
@@ -1,16 +1,16 @@
 
 <file path=ppt/presentation.xml><?xml version="1.0" encoding="utf-8"?>
-<p:presentation xmlns:a="http://schemas.openxmlformats.org/drawingml/2006/main" xmlns:r="http://schemas.openxmlformats.org/officeDocument/2006/relationships" xmlns:p="http://schemas.openxmlformats.org/presentationml/2006/main" saveSubsetFonts="1">
+<p:presentation xmlns:a="http://schemas.openxmlformats.org/drawingml/2006/main" xmlns:r="http://schemas.openxmlformats.org/officeDocument/2006/relationships" xmlns:p="http://schemas.openxmlformats.org/presentationml/2006/main">
   <p:sldMasterIdLst>
-    <p:sldMasterId id="2147483660" r:id="rId1"/>
+    <p:sldMasterId id="2147483648" r:id="rId1"/>
   </p:sldMasterIdLst>
   <p:sldIdLst>
-    <p:sldId id="256" r:id="rId2"/>
-    <p:sldId id="257" r:id="rId3"/>
-    <p:sldId id="258" r:id="rId4"/>
-    <p:sldId id="259" r:id="rId5"/>
-    <p:sldId id="260" r:id="rId6"/>
-    <p:sldId id="261" r:id="rId7"/>
+    <p:sldId id="256" r:id="rId3"/>
+    <p:sldId id="257" r:id="rId4"/>
+    <p:sldId id="258" r:id="rId5"/>
+    <p:sldId id="259" r:id="rId6"/>
+    <p:sldId id="260" r:id="rId7"/>
+    <p:sldId id="261" r:id="rId8"/>
   </p:sldIdLst>
   <p:sldSz cx="12192000" cy="6858000"/>
   <p:notesSz cx="6858000" cy="9144000"/>
@@ -109,21 +109,7 @@
       </a:defRPr>
     </a:lvl9pPr>
   </p:defaultTextStyle>
-  <p:extLst>
-    <p:ext uri="{EFAFB233-063F-42B5-8137-9DF3F51BA10A}">
-      <p15:sldGuideLst xmlns:p15="http://schemas.microsoft.com/office/powerpoint/2012/main"/>
-    </p:ext>
-  </p:extLst>
 </p:presentation>
-</file>
-
-<file path=ppt/revisionInfo.xml><?xml version="1.0" encoding="utf-8"?>
-<p1510:revInfo xmlns:a="http://schemas.openxmlformats.org/drawingml/2006/main" xmlns:r="http://schemas.openxmlformats.org/officeDocument/2006/relationships" xmlns:p1510="http://schemas.microsoft.com/office/powerpoint/2015/10/main">
-  <p1510:revLst>
-    <p1510:client id="{AE3E52AA-C047-D99B-65B8-17ECFAE5E380}" v="208" dt="2025-06-07T07:38:06.560"/>
-    <p1510:client id="{BEBECDEA-595F-C83D-753E-C52D3508AD8A}" v="456" dt="2025-06-07T19:28:24.441"/>
-  </p1510:revLst>
-</p1510:revInfo>
 </file>
 
 <file path=ppt/slideLayouts/slideLayout1.xml><?xml version="1.0" encoding="utf-8"?>
@@ -211,8 +197,6 @@
               </a:solidFill>
               <a:prstDash val="solid"/>
               <a:miter lim="800000"/>
-              <a:headEnd/>
-              <a:tailEnd/>
             </a:ln>
             <a:extLst>
               <a:ext uri="{909E8E84-426E-40DD-AFC4-6F175D3DCCD1}">
@@ -279,8 +263,6 @@
               </a:solidFill>
               <a:prstDash val="solid"/>
               <a:miter lim="800000"/>
-              <a:headEnd/>
-              <a:tailEnd/>
             </a:ln>
             <a:extLst>
               <a:ext uri="{909E8E84-426E-40DD-AFC4-6F175D3DCCD1}">
@@ -352,8 +334,6 @@
               </a:solidFill>
               <a:prstDash val="dash"/>
               <a:miter lim="800000"/>
-              <a:headEnd/>
-              <a:tailEnd/>
             </a:ln>
             <a:extLst>
               <a:ext uri="{909E8E84-426E-40DD-AFC4-6F175D3DCCD1}">
@@ -415,8 +395,6 @@
               </a:solidFill>
               <a:prstDash val="solid"/>
               <a:miter lim="800000"/>
-              <a:headEnd/>
-              <a:tailEnd/>
             </a:ln>
             <a:extLst>
               <a:ext uri="{909E8E84-426E-40DD-AFC4-6F175D3DCCD1}">
@@ -468,8 +446,6 @@
               </a:solidFill>
               <a:prstDash val="solid"/>
               <a:miter lim="800000"/>
-              <a:headEnd/>
-              <a:tailEnd/>
             </a:ln>
             <a:extLst>
               <a:ext uri="{909E8E84-426E-40DD-AFC4-6F175D3DCCD1}">
@@ -531,8 +507,6 @@
               </a:solidFill>
               <a:prstDash val="solid"/>
               <a:miter lim="800000"/>
-              <a:headEnd/>
-              <a:tailEnd/>
             </a:ln>
             <a:extLst>
               <a:ext uri="{909E8E84-426E-40DD-AFC4-6F175D3DCCD1}">
@@ -589,8 +563,6 @@
               </a:solidFill>
               <a:prstDash val="solid"/>
               <a:miter lim="800000"/>
-              <a:headEnd/>
-              <a:tailEnd/>
             </a:ln>
             <a:extLst>
               <a:ext uri="{909E8E84-426E-40DD-AFC4-6F175D3DCCD1}">
@@ -642,8 +614,6 @@
               </a:solidFill>
               <a:prstDash val="solid"/>
               <a:miter lim="800000"/>
-              <a:headEnd/>
-              <a:tailEnd/>
             </a:ln>
             <a:extLst>
               <a:ext uri="{909E8E84-426E-40DD-AFC4-6F175D3DCCD1}">
@@ -700,8 +670,6 @@
               </a:solidFill>
               <a:prstDash val="dash"/>
               <a:miter lim="800000"/>
-              <a:headEnd/>
-              <a:tailEnd/>
             </a:ln>
             <a:extLst>
               <a:ext uri="{909E8E84-426E-40DD-AFC4-6F175D3DCCD1}">
@@ -753,8 +721,6 @@
               </a:solidFill>
               <a:prstDash val="dash"/>
               <a:miter lim="800000"/>
-              <a:headEnd/>
-              <a:tailEnd/>
             </a:ln>
             <a:extLst>
               <a:ext uri="{909E8E84-426E-40DD-AFC4-6F175D3DCCD1}">
@@ -811,8 +777,6 @@
               </a:solidFill>
               <a:prstDash val="dashDot"/>
               <a:miter lim="800000"/>
-              <a:headEnd/>
-              <a:tailEnd/>
             </a:ln>
             <a:extLst>
               <a:ext uri="{909E8E84-426E-40DD-AFC4-6F175D3DCCD1}">
@@ -864,8 +828,6 @@
               </a:solidFill>
               <a:prstDash val="dashDot"/>
               <a:miter lim="800000"/>
-              <a:headEnd/>
-              <a:tailEnd/>
             </a:ln>
             <a:extLst>
               <a:ext uri="{909E8E84-426E-40DD-AFC4-6F175D3DCCD1}">
@@ -922,8 +884,6 @@
               </a:solidFill>
               <a:prstDash val="solid"/>
               <a:miter lim="800000"/>
-              <a:headEnd/>
-              <a:tailEnd/>
             </a:ln>
             <a:extLst>
               <a:ext uri="{909E8E84-426E-40DD-AFC4-6F175D3DCCD1}">
@@ -980,8 +940,6 @@
               </a:solidFill>
               <a:prstDash val="solid"/>
               <a:miter lim="800000"/>
-              <a:headEnd/>
-              <a:tailEnd/>
             </a:ln>
             <a:extLst>
               <a:ext uri="{909E8E84-426E-40DD-AFC4-6F175D3DCCD1}">
@@ -1038,8 +996,6 @@
               </a:solidFill>
               <a:prstDash val="solid"/>
               <a:miter lim="800000"/>
-              <a:headEnd/>
-              <a:tailEnd/>
             </a:ln>
             <a:extLst>
               <a:ext uri="{909E8E84-426E-40DD-AFC4-6F175D3DCCD1}">
@@ -1091,8 +1047,6 @@
               </a:solidFill>
               <a:prstDash val="solid"/>
               <a:miter lim="800000"/>
-              <a:headEnd/>
-              <a:tailEnd/>
             </a:ln>
             <a:extLst>
               <a:ext uri="{909E8E84-426E-40DD-AFC4-6F175D3DCCD1}">
@@ -1144,8 +1098,6 @@
               </a:solidFill>
               <a:prstDash val="solid"/>
               <a:miter lim="800000"/>
-              <a:headEnd/>
-              <a:tailEnd/>
             </a:ln>
             <a:extLst>
               <a:ext uri="{909E8E84-426E-40DD-AFC4-6F175D3DCCD1}">
@@ -1197,8 +1149,6 @@
               </a:solidFill>
               <a:prstDash val="dash"/>
               <a:miter lim="800000"/>
-              <a:headEnd/>
-              <a:tailEnd/>
             </a:ln>
             <a:extLst>
               <a:ext uri="{909E8E84-426E-40DD-AFC4-6F175D3DCCD1}">
@@ -1250,8 +1200,6 @@
               </a:solidFill>
               <a:prstDash val="solid"/>
               <a:miter lim="800000"/>
-              <a:headEnd/>
-              <a:tailEnd/>
             </a:ln>
             <a:extLst>
               <a:ext uri="{909E8E84-426E-40DD-AFC4-6F175D3DCCD1}">
@@ -1431,6 +1379,7 @@
               <a:rPr lang="en-US" dirty="0"/>
               <a:t>Click to edit Master title style</a:t>
             </a:r>
+            <a:endParaRPr lang="en-US" dirty="0"/>
           </a:p>
         </p:txBody>
       </p:sp>
@@ -1441,7 +1390,7 @@
             <a:spLocks noGrp="1"/>
           </p:cNvSpPr>
           <p:nvPr>
-            <p:ph type="subTitle" idx="1"/>
+            <p:ph type="subTitle" idx="1" hasCustomPrompt="1"/>
           </p:nvPr>
         </p:nvSpPr>
         <p:spPr>
@@ -1504,6 +1453,7 @@
               <a:rPr lang="en-US" dirty="0"/>
               <a:t>Click to edit master subtitle style</a:t>
             </a:r>
+            <a:endParaRPr lang="en-US" dirty="0"/>
           </a:p>
         </p:txBody>
       </p:sp>
@@ -1533,8 +1483,6 @@
           <a:p>
             <a:fld id="{48A87A34-81AB-432B-8DAE-1953F412C126}" type="datetimeFigureOut">
               <a:rPr lang="en-US" dirty="0"/>
-              <a:pPr/>
-              <a:t>6/7/2025</a:t>
             </a:fld>
             <a:endParaRPr lang="en-US" dirty="0"/>
           </a:p>
@@ -1590,18 +1538,12 @@
           <a:p>
             <a:fld id="{6D22F896-40B5-4ADD-8801-0D06FADFA095}" type="slidenum">
               <a:rPr lang="en-US" dirty="0"/>
-              <a:t>‹#›</a:t>
             </a:fld>
             <a:endParaRPr lang="en-US" dirty="0"/>
           </a:p>
         </p:txBody>
       </p:sp>
     </p:spTree>
-    <p:extLst>
-      <p:ext uri="{BB962C8B-B14F-4D97-AF65-F5344CB8AC3E}">
-        <p14:creationId xmlns:p14="http://schemas.microsoft.com/office/powerpoint/2010/main" val="305476911"/>
-      </p:ext>
-    </p:extLst>
   </p:cSld>
   <p:clrMapOvr>
     <a:masterClrMapping/>
@@ -1679,8 +1621,6 @@
               </a:solidFill>
               <a:prstDash val="solid"/>
               <a:miter lim="800000"/>
-              <a:headEnd/>
-              <a:tailEnd/>
             </a:ln>
             <a:extLst>
               <a:ext uri="{909E8E84-426E-40DD-AFC4-6F175D3DCCD1}">
@@ -1732,8 +1672,6 @@
               </a:solidFill>
               <a:prstDash val="solid"/>
               <a:miter lim="800000"/>
-              <a:headEnd/>
-              <a:tailEnd/>
             </a:ln>
             <a:extLst>
               <a:ext uri="{909E8E84-426E-40DD-AFC4-6F175D3DCCD1}">
@@ -1785,8 +1723,6 @@
               </a:solidFill>
               <a:prstDash val="solid"/>
               <a:miter lim="800000"/>
-              <a:headEnd/>
-              <a:tailEnd/>
             </a:ln>
             <a:extLst>
               <a:ext uri="{909E8E84-426E-40DD-AFC4-6F175D3DCCD1}">
@@ -1838,8 +1774,6 @@
               </a:solidFill>
               <a:prstDash val="dash"/>
               <a:miter lim="800000"/>
-              <a:headEnd/>
-              <a:tailEnd/>
             </a:ln>
             <a:extLst>
               <a:ext uri="{909E8E84-426E-40DD-AFC4-6F175D3DCCD1}">
@@ -1891,8 +1825,6 @@
               </a:solidFill>
               <a:prstDash val="dash"/>
               <a:miter lim="800000"/>
-              <a:headEnd/>
-              <a:tailEnd/>
             </a:ln>
             <a:extLst>
               <a:ext uri="{909E8E84-426E-40DD-AFC4-6F175D3DCCD1}">
@@ -1944,8 +1876,6 @@
               </a:solidFill>
               <a:prstDash val="dash"/>
               <a:miter lim="800000"/>
-              <a:headEnd/>
-              <a:tailEnd/>
             </a:ln>
             <a:extLst>
               <a:ext uri="{909E8E84-426E-40DD-AFC4-6F175D3DCCD1}">
@@ -1997,8 +1927,6 @@
               </a:solidFill>
               <a:prstDash val="solid"/>
               <a:miter lim="800000"/>
-              <a:headEnd/>
-              <a:tailEnd/>
             </a:ln>
             <a:extLst>
               <a:ext uri="{909E8E84-426E-40DD-AFC4-6F175D3DCCD1}">
@@ -2050,8 +1978,6 @@
               </a:solidFill>
               <a:prstDash val="solid"/>
               <a:miter lim="800000"/>
-              <a:headEnd/>
-              <a:tailEnd/>
             </a:ln>
             <a:extLst>
               <a:ext uri="{909E8E84-426E-40DD-AFC4-6F175D3DCCD1}">
@@ -2103,8 +2029,6 @@
               </a:solidFill>
               <a:prstDash val="solid"/>
               <a:miter lim="800000"/>
-              <a:headEnd/>
-              <a:tailEnd/>
             </a:ln>
             <a:extLst>
               <a:ext uri="{909E8E84-426E-40DD-AFC4-6F175D3DCCD1}">
@@ -2156,8 +2080,6 @@
               </a:solidFill>
               <a:prstDash val="solid"/>
               <a:miter lim="800000"/>
-              <a:headEnd/>
-              <a:tailEnd/>
             </a:ln>
             <a:extLst>
               <a:ext uri="{909E8E84-426E-40DD-AFC4-6F175D3DCCD1}">
@@ -2209,8 +2131,6 @@
               </a:solidFill>
               <a:prstDash val="solid"/>
               <a:miter lim="800000"/>
-              <a:headEnd/>
-              <a:tailEnd/>
             </a:ln>
             <a:extLst>
               <a:ext uri="{909E8E84-426E-40DD-AFC4-6F175D3DCCD1}">
@@ -2262,8 +2182,6 @@
               </a:solidFill>
               <a:prstDash val="solid"/>
               <a:miter lim="800000"/>
-              <a:headEnd/>
-              <a:tailEnd/>
             </a:ln>
             <a:extLst>
               <a:ext uri="{909E8E84-426E-40DD-AFC4-6F175D3DCCD1}">
@@ -2315,8 +2233,6 @@
               </a:solidFill>
               <a:prstDash val="solid"/>
               <a:miter lim="800000"/>
-              <a:headEnd/>
-              <a:tailEnd/>
             </a:ln>
             <a:extLst>
               <a:ext uri="{909E8E84-426E-40DD-AFC4-6F175D3DCCD1}">
@@ -2368,8 +2284,6 @@
               </a:solidFill>
               <a:prstDash val="solid"/>
               <a:miter lim="800000"/>
-              <a:headEnd/>
-              <a:tailEnd/>
             </a:ln>
             <a:extLst>
               <a:ext uri="{909E8E84-426E-40DD-AFC4-6F175D3DCCD1}">
@@ -2421,8 +2335,6 @@
               </a:solidFill>
               <a:prstDash val="solid"/>
               <a:miter lim="800000"/>
-              <a:headEnd/>
-              <a:tailEnd/>
             </a:ln>
             <a:extLst>
               <a:ext uri="{909E8E84-426E-40DD-AFC4-6F175D3DCCD1}">
@@ -2474,8 +2386,6 @@
               </a:solidFill>
               <a:prstDash val="dashDot"/>
               <a:miter lim="800000"/>
-              <a:headEnd/>
-              <a:tailEnd/>
             </a:ln>
             <a:extLst>
               <a:ext uri="{909E8E84-426E-40DD-AFC4-6F175D3DCCD1}">
@@ -2527,8 +2437,6 @@
               </a:solidFill>
               <a:prstDash val="lgDash"/>
               <a:miter lim="800000"/>
-              <a:headEnd/>
-              <a:tailEnd/>
             </a:ln>
             <a:extLst>
               <a:ext uri="{909E8E84-426E-40DD-AFC4-6F175D3DCCD1}">
@@ -2580,8 +2488,6 @@
               </a:solidFill>
               <a:prstDash val="solid"/>
               <a:miter lim="800000"/>
-              <a:headEnd/>
-              <a:tailEnd/>
             </a:ln>
             <a:extLst>
               <a:ext uri="{909E8E84-426E-40DD-AFC4-6F175D3DCCD1}">
@@ -2633,8 +2539,6 @@
               </a:solidFill>
               <a:prstDash val="solid"/>
               <a:miter lim="800000"/>
-              <a:headEnd/>
-              <a:tailEnd/>
             </a:ln>
             <a:extLst>
               <a:ext uri="{909E8E84-426E-40DD-AFC4-6F175D3DCCD1}">
@@ -2686,8 +2590,6 @@
               </a:solidFill>
               <a:prstDash val="solid"/>
               <a:miter lim="800000"/>
-              <a:headEnd/>
-              <a:tailEnd/>
             </a:ln>
             <a:extLst>
               <a:ext uri="{909E8E84-426E-40DD-AFC4-6F175D3DCCD1}">
@@ -2739,8 +2641,6 @@
               </a:solidFill>
               <a:prstDash val="solid"/>
               <a:miter lim="800000"/>
-              <a:headEnd/>
-              <a:tailEnd/>
             </a:ln>
             <a:extLst>
               <a:ext uri="{909E8E84-426E-40DD-AFC4-6F175D3DCCD1}">
@@ -2915,6 +2815,7 @@
               <a:rPr lang="en-US" dirty="0"/>
               <a:t>Click to edit Master title style</a:t>
             </a:r>
+            <a:endParaRPr lang="en-US" dirty="0"/>
           </a:p>
         </p:txBody>
       </p:sp>
@@ -2943,6 +2844,7 @@
               <a:rPr lang="en-US" dirty="0"/>
               <a:t>Edit Master text styles</a:t>
             </a:r>
+            <a:endParaRPr lang="en-US" dirty="0"/>
           </a:p>
           <a:p>
             <a:pPr lvl="1"/>
@@ -2950,6 +2852,7 @@
               <a:rPr lang="en-US" dirty="0"/>
               <a:t>Second level</a:t>
             </a:r>
+            <a:endParaRPr lang="en-US" dirty="0"/>
           </a:p>
           <a:p>
             <a:pPr lvl="2"/>
@@ -2957,6 +2860,7 @@
               <a:rPr lang="en-US" dirty="0"/>
               <a:t>Third level</a:t>
             </a:r>
+            <a:endParaRPr lang="en-US" dirty="0"/>
           </a:p>
           <a:p>
             <a:pPr lvl="3"/>
@@ -2964,6 +2868,7 @@
               <a:rPr lang="en-US" dirty="0"/>
               <a:t>Fourth level</a:t>
             </a:r>
+            <a:endParaRPr lang="en-US" dirty="0"/>
           </a:p>
           <a:p>
             <a:pPr lvl="4"/>
@@ -2971,6 +2876,7 @@
               <a:rPr lang="en-US" dirty="0"/>
               <a:t>Fifth level</a:t>
             </a:r>
+            <a:endParaRPr lang="en-US" dirty="0"/>
           </a:p>
         </p:txBody>
       </p:sp>
@@ -2991,7 +2897,6 @@
           <a:p>
             <a:fld id="{48A87A34-81AB-432B-8DAE-1953F412C126}" type="datetimeFigureOut">
               <a:rPr lang="en-US" dirty="0"/>
-              <a:t>6/7/2025</a:t>
             </a:fld>
             <a:endParaRPr lang="en-US" dirty="0"/>
           </a:p>
@@ -3033,18 +2938,12 @@
           <a:p>
             <a:fld id="{6D22F896-40B5-4ADD-8801-0D06FADFA095}" type="slidenum">
               <a:rPr lang="en-US" dirty="0"/>
-              <a:t>‹#›</a:t>
             </a:fld>
             <a:endParaRPr lang="en-US" dirty="0"/>
           </a:p>
         </p:txBody>
       </p:sp>
     </p:spTree>
-    <p:extLst>
-      <p:ext uri="{BB962C8B-B14F-4D97-AF65-F5344CB8AC3E}">
-        <p14:creationId xmlns:p14="http://schemas.microsoft.com/office/powerpoint/2010/main" val="322037108"/>
-      </p:ext>
-    </p:extLst>
   </p:cSld>
   <p:clrMapOvr>
     <a:masterClrMapping/>
@@ -3122,8 +3021,6 @@
               </a:solidFill>
               <a:prstDash val="solid"/>
               <a:miter lim="800000"/>
-              <a:headEnd/>
-              <a:tailEnd/>
             </a:ln>
             <a:extLst>
               <a:ext uri="{909E8E84-426E-40DD-AFC4-6F175D3DCCD1}">
@@ -3175,8 +3072,6 @@
               </a:solidFill>
               <a:prstDash val="solid"/>
               <a:miter lim="800000"/>
-              <a:headEnd/>
-              <a:tailEnd/>
             </a:ln>
             <a:extLst>
               <a:ext uri="{909E8E84-426E-40DD-AFC4-6F175D3DCCD1}">
@@ -3228,8 +3123,6 @@
               </a:solidFill>
               <a:prstDash val="solid"/>
               <a:miter lim="800000"/>
-              <a:headEnd/>
-              <a:tailEnd/>
             </a:ln>
             <a:extLst>
               <a:ext uri="{909E8E84-426E-40DD-AFC4-6F175D3DCCD1}">
@@ -3281,8 +3174,6 @@
               </a:solidFill>
               <a:prstDash val="dash"/>
               <a:miter lim="800000"/>
-              <a:headEnd/>
-              <a:tailEnd/>
             </a:ln>
             <a:extLst>
               <a:ext uri="{909E8E84-426E-40DD-AFC4-6F175D3DCCD1}">
@@ -3334,8 +3225,6 @@
               </a:solidFill>
               <a:prstDash val="dash"/>
               <a:miter lim="800000"/>
-              <a:headEnd/>
-              <a:tailEnd/>
             </a:ln>
             <a:extLst>
               <a:ext uri="{909E8E84-426E-40DD-AFC4-6F175D3DCCD1}">
@@ -3387,8 +3276,6 @@
               </a:solidFill>
               <a:prstDash val="dash"/>
               <a:miter lim="800000"/>
-              <a:headEnd/>
-              <a:tailEnd/>
             </a:ln>
             <a:extLst>
               <a:ext uri="{909E8E84-426E-40DD-AFC4-6F175D3DCCD1}">
@@ -3440,8 +3327,6 @@
               </a:solidFill>
               <a:prstDash val="solid"/>
               <a:miter lim="800000"/>
-              <a:headEnd/>
-              <a:tailEnd/>
             </a:ln>
             <a:extLst>
               <a:ext uri="{909E8E84-426E-40DD-AFC4-6F175D3DCCD1}">
@@ -3493,8 +3378,6 @@
               </a:solidFill>
               <a:prstDash val="solid"/>
               <a:miter lim="800000"/>
-              <a:headEnd/>
-              <a:tailEnd/>
             </a:ln>
             <a:extLst>
               <a:ext uri="{909E8E84-426E-40DD-AFC4-6F175D3DCCD1}">
@@ -3546,8 +3429,6 @@
               </a:solidFill>
               <a:prstDash val="solid"/>
               <a:miter lim="800000"/>
-              <a:headEnd/>
-              <a:tailEnd/>
             </a:ln>
             <a:extLst>
               <a:ext uri="{909E8E84-426E-40DD-AFC4-6F175D3DCCD1}">
@@ -3599,8 +3480,6 @@
               </a:solidFill>
               <a:prstDash val="solid"/>
               <a:miter lim="800000"/>
-              <a:headEnd/>
-              <a:tailEnd/>
             </a:ln>
             <a:extLst>
               <a:ext uri="{909E8E84-426E-40DD-AFC4-6F175D3DCCD1}">
@@ -3652,8 +3531,6 @@
               </a:solidFill>
               <a:prstDash val="solid"/>
               <a:miter lim="800000"/>
-              <a:headEnd/>
-              <a:tailEnd/>
             </a:ln>
             <a:extLst>
               <a:ext uri="{909E8E84-426E-40DD-AFC4-6F175D3DCCD1}">
@@ -3705,8 +3582,6 @@
               </a:solidFill>
               <a:prstDash val="solid"/>
               <a:miter lim="800000"/>
-              <a:headEnd/>
-              <a:tailEnd/>
             </a:ln>
             <a:extLst>
               <a:ext uri="{909E8E84-426E-40DD-AFC4-6F175D3DCCD1}">
@@ -3758,8 +3633,6 @@
               </a:solidFill>
               <a:prstDash val="solid"/>
               <a:miter lim="800000"/>
-              <a:headEnd/>
-              <a:tailEnd/>
             </a:ln>
             <a:extLst>
               <a:ext uri="{909E8E84-426E-40DD-AFC4-6F175D3DCCD1}">
@@ -3811,8 +3684,6 @@
               </a:solidFill>
               <a:prstDash val="solid"/>
               <a:miter lim="800000"/>
-              <a:headEnd/>
-              <a:tailEnd/>
             </a:ln>
             <a:extLst>
               <a:ext uri="{909E8E84-426E-40DD-AFC4-6F175D3DCCD1}">
@@ -3864,8 +3735,6 @@
               </a:solidFill>
               <a:prstDash val="solid"/>
               <a:miter lim="800000"/>
-              <a:headEnd/>
-              <a:tailEnd/>
             </a:ln>
             <a:extLst>
               <a:ext uri="{909E8E84-426E-40DD-AFC4-6F175D3DCCD1}">
@@ -3917,8 +3786,6 @@
               </a:solidFill>
               <a:prstDash val="dashDot"/>
               <a:miter lim="800000"/>
-              <a:headEnd/>
-              <a:tailEnd/>
             </a:ln>
             <a:extLst>
               <a:ext uri="{909E8E84-426E-40DD-AFC4-6F175D3DCCD1}">
@@ -3970,8 +3837,6 @@
               </a:solidFill>
               <a:prstDash val="lgDash"/>
               <a:miter lim="800000"/>
-              <a:headEnd/>
-              <a:tailEnd/>
             </a:ln>
             <a:extLst>
               <a:ext uri="{909E8E84-426E-40DD-AFC4-6F175D3DCCD1}">
@@ -4023,8 +3888,6 @@
               </a:solidFill>
               <a:prstDash val="solid"/>
               <a:miter lim="800000"/>
-              <a:headEnd/>
-              <a:tailEnd/>
             </a:ln>
             <a:extLst>
               <a:ext uri="{909E8E84-426E-40DD-AFC4-6F175D3DCCD1}">
@@ -4076,8 +3939,6 @@
               </a:solidFill>
               <a:prstDash val="solid"/>
               <a:miter lim="800000"/>
-              <a:headEnd/>
-              <a:tailEnd/>
             </a:ln>
             <a:extLst>
               <a:ext uri="{909E8E84-426E-40DD-AFC4-6F175D3DCCD1}">
@@ -4129,8 +3990,6 @@
               </a:solidFill>
               <a:prstDash val="solid"/>
               <a:miter lim="800000"/>
-              <a:headEnd/>
-              <a:tailEnd/>
             </a:ln>
             <a:extLst>
               <a:ext uri="{909E8E84-426E-40DD-AFC4-6F175D3DCCD1}">
@@ -4182,8 +4041,6 @@
               </a:solidFill>
               <a:prstDash val="solid"/>
               <a:miter lim="800000"/>
-              <a:headEnd/>
-              <a:tailEnd/>
             </a:ln>
             <a:extLst>
               <a:ext uri="{909E8E84-426E-40DD-AFC4-6F175D3DCCD1}">
@@ -4361,6 +4218,7 @@
               <a:rPr lang="en-US" dirty="0"/>
               <a:t>Click to edit Master title style</a:t>
             </a:r>
+            <a:endParaRPr lang="en-US" dirty="0"/>
           </a:p>
         </p:txBody>
       </p:sp>
@@ -4389,6 +4247,7 @@
               <a:rPr lang="en-US" dirty="0"/>
               <a:t>Edit Master text styles</a:t>
             </a:r>
+            <a:endParaRPr lang="en-US" dirty="0"/>
           </a:p>
           <a:p>
             <a:pPr lvl="1"/>
@@ -4396,6 +4255,7 @@
               <a:rPr lang="en-US" dirty="0"/>
               <a:t>Second level</a:t>
             </a:r>
+            <a:endParaRPr lang="en-US" dirty="0"/>
           </a:p>
           <a:p>
             <a:pPr lvl="2"/>
@@ -4403,6 +4263,7 @@
               <a:rPr lang="en-US" dirty="0"/>
               <a:t>Third level</a:t>
             </a:r>
+            <a:endParaRPr lang="en-US" dirty="0"/>
           </a:p>
           <a:p>
             <a:pPr lvl="3"/>
@@ -4410,6 +4271,7 @@
               <a:rPr lang="en-US" dirty="0"/>
               <a:t>Fourth level</a:t>
             </a:r>
+            <a:endParaRPr lang="en-US" dirty="0"/>
           </a:p>
           <a:p>
             <a:pPr lvl="4"/>
@@ -4417,6 +4279,7 @@
               <a:rPr lang="en-US" dirty="0"/>
               <a:t>Fifth level</a:t>
             </a:r>
+            <a:endParaRPr lang="en-US" dirty="0"/>
           </a:p>
         </p:txBody>
       </p:sp>
@@ -4442,7 +4305,6 @@
           <a:p>
             <a:fld id="{48A87A34-81AB-432B-8DAE-1953F412C126}" type="datetimeFigureOut">
               <a:rPr lang="en-US" dirty="0"/>
-              <a:t>6/7/2025</a:t>
             </a:fld>
             <a:endParaRPr lang="en-US" dirty="0"/>
           </a:p>
@@ -4494,18 +4356,12 @@
           <a:p>
             <a:fld id="{6D22F896-40B5-4ADD-8801-0D06FADFA095}" type="slidenum">
               <a:rPr lang="en-US" dirty="0"/>
-              <a:t>‹#›</a:t>
             </a:fld>
             <a:endParaRPr lang="en-US" dirty="0"/>
           </a:p>
         </p:txBody>
       </p:sp>
     </p:spTree>
-    <p:extLst>
-      <p:ext uri="{BB962C8B-B14F-4D97-AF65-F5344CB8AC3E}">
-        <p14:creationId xmlns:p14="http://schemas.microsoft.com/office/powerpoint/2010/main" val="934217500"/>
-      </p:ext>
-    </p:extLst>
   </p:cSld>
   <p:clrMapOvr>
     <a:masterClrMapping/>
@@ -4583,8 +4439,6 @@
               </a:solidFill>
               <a:prstDash val="solid"/>
               <a:miter lim="800000"/>
-              <a:headEnd/>
-              <a:tailEnd/>
             </a:ln>
             <a:extLst>
               <a:ext uri="{909E8E84-426E-40DD-AFC4-6F175D3DCCD1}">
@@ -4636,8 +4490,6 @@
               </a:solidFill>
               <a:prstDash val="solid"/>
               <a:miter lim="800000"/>
-              <a:headEnd/>
-              <a:tailEnd/>
             </a:ln>
             <a:extLst>
               <a:ext uri="{909E8E84-426E-40DD-AFC4-6F175D3DCCD1}">
@@ -4689,8 +4541,6 @@
               </a:solidFill>
               <a:prstDash val="solid"/>
               <a:miter lim="800000"/>
-              <a:headEnd/>
-              <a:tailEnd/>
             </a:ln>
             <a:extLst>
               <a:ext uri="{909E8E84-426E-40DD-AFC4-6F175D3DCCD1}">
@@ -4742,8 +4592,6 @@
               </a:solidFill>
               <a:prstDash val="dash"/>
               <a:miter lim="800000"/>
-              <a:headEnd/>
-              <a:tailEnd/>
             </a:ln>
             <a:extLst>
               <a:ext uri="{909E8E84-426E-40DD-AFC4-6F175D3DCCD1}">
@@ -4795,8 +4643,6 @@
               </a:solidFill>
               <a:prstDash val="dash"/>
               <a:miter lim="800000"/>
-              <a:headEnd/>
-              <a:tailEnd/>
             </a:ln>
             <a:extLst>
               <a:ext uri="{909E8E84-426E-40DD-AFC4-6F175D3DCCD1}">
@@ -4848,8 +4694,6 @@
               </a:solidFill>
               <a:prstDash val="dash"/>
               <a:miter lim="800000"/>
-              <a:headEnd/>
-              <a:tailEnd/>
             </a:ln>
             <a:extLst>
               <a:ext uri="{909E8E84-426E-40DD-AFC4-6F175D3DCCD1}">
@@ -4901,8 +4745,6 @@
               </a:solidFill>
               <a:prstDash val="solid"/>
               <a:miter lim="800000"/>
-              <a:headEnd/>
-              <a:tailEnd/>
             </a:ln>
             <a:extLst>
               <a:ext uri="{909E8E84-426E-40DD-AFC4-6F175D3DCCD1}">
@@ -4954,8 +4796,6 @@
               </a:solidFill>
               <a:prstDash val="solid"/>
               <a:miter lim="800000"/>
-              <a:headEnd/>
-              <a:tailEnd/>
             </a:ln>
             <a:extLst>
               <a:ext uri="{909E8E84-426E-40DD-AFC4-6F175D3DCCD1}">
@@ -5007,8 +4847,6 @@
               </a:solidFill>
               <a:prstDash val="solid"/>
               <a:miter lim="800000"/>
-              <a:headEnd/>
-              <a:tailEnd/>
             </a:ln>
             <a:extLst>
               <a:ext uri="{909E8E84-426E-40DD-AFC4-6F175D3DCCD1}">
@@ -5060,8 +4898,6 @@
               </a:solidFill>
               <a:prstDash val="solid"/>
               <a:miter lim="800000"/>
-              <a:headEnd/>
-              <a:tailEnd/>
             </a:ln>
             <a:extLst>
               <a:ext uri="{909E8E84-426E-40DD-AFC4-6F175D3DCCD1}">
@@ -5113,8 +4949,6 @@
               </a:solidFill>
               <a:prstDash val="solid"/>
               <a:miter lim="800000"/>
-              <a:headEnd/>
-              <a:tailEnd/>
             </a:ln>
             <a:extLst>
               <a:ext uri="{909E8E84-426E-40DD-AFC4-6F175D3DCCD1}">
@@ -5166,8 +5000,6 @@
               </a:solidFill>
               <a:prstDash val="solid"/>
               <a:miter lim="800000"/>
-              <a:headEnd/>
-              <a:tailEnd/>
             </a:ln>
             <a:extLst>
               <a:ext uri="{909E8E84-426E-40DD-AFC4-6F175D3DCCD1}">
@@ -5219,8 +5051,6 @@
               </a:solidFill>
               <a:prstDash val="solid"/>
               <a:miter lim="800000"/>
-              <a:headEnd/>
-              <a:tailEnd/>
             </a:ln>
             <a:extLst>
               <a:ext uri="{909E8E84-426E-40DD-AFC4-6F175D3DCCD1}">
@@ -5272,8 +5102,6 @@
               </a:solidFill>
               <a:prstDash val="solid"/>
               <a:miter lim="800000"/>
-              <a:headEnd/>
-              <a:tailEnd/>
             </a:ln>
             <a:extLst>
               <a:ext uri="{909E8E84-426E-40DD-AFC4-6F175D3DCCD1}">
@@ -5325,8 +5153,6 @@
               </a:solidFill>
               <a:prstDash val="solid"/>
               <a:miter lim="800000"/>
-              <a:headEnd/>
-              <a:tailEnd/>
             </a:ln>
             <a:extLst>
               <a:ext uri="{909E8E84-426E-40DD-AFC4-6F175D3DCCD1}">
@@ -5378,8 +5204,6 @@
               </a:solidFill>
               <a:prstDash val="dashDot"/>
               <a:miter lim="800000"/>
-              <a:headEnd/>
-              <a:tailEnd/>
             </a:ln>
             <a:extLst>
               <a:ext uri="{909E8E84-426E-40DD-AFC4-6F175D3DCCD1}">
@@ -5431,8 +5255,6 @@
               </a:solidFill>
               <a:prstDash val="lgDash"/>
               <a:miter lim="800000"/>
-              <a:headEnd/>
-              <a:tailEnd/>
             </a:ln>
             <a:extLst>
               <a:ext uri="{909E8E84-426E-40DD-AFC4-6F175D3DCCD1}">
@@ -5484,8 +5306,6 @@
               </a:solidFill>
               <a:prstDash val="solid"/>
               <a:miter lim="800000"/>
-              <a:headEnd/>
-              <a:tailEnd/>
             </a:ln>
             <a:extLst>
               <a:ext uri="{909E8E84-426E-40DD-AFC4-6F175D3DCCD1}">
@@ -5537,8 +5357,6 @@
               </a:solidFill>
               <a:prstDash val="solid"/>
               <a:miter lim="800000"/>
-              <a:headEnd/>
-              <a:tailEnd/>
             </a:ln>
             <a:extLst>
               <a:ext uri="{909E8E84-426E-40DD-AFC4-6F175D3DCCD1}">
@@ -5590,8 +5408,6 @@
               </a:solidFill>
               <a:prstDash val="solid"/>
               <a:miter lim="800000"/>
-              <a:headEnd/>
-              <a:tailEnd/>
             </a:ln>
             <a:extLst>
               <a:ext uri="{909E8E84-426E-40DD-AFC4-6F175D3DCCD1}">
@@ -5643,8 +5459,6 @@
               </a:solidFill>
               <a:prstDash val="solid"/>
               <a:miter lim="800000"/>
-              <a:headEnd/>
-              <a:tailEnd/>
             </a:ln>
             <a:extLst>
               <a:ext uri="{909E8E84-426E-40DD-AFC4-6F175D3DCCD1}">
@@ -5819,6 +5633,7 @@
               <a:rPr lang="en-US" dirty="0"/>
               <a:t>Click to edit Master title style</a:t>
             </a:r>
+            <a:endParaRPr lang="en-US" dirty="0"/>
           </a:p>
         </p:txBody>
       </p:sp>
@@ -5847,6 +5662,7 @@
               <a:rPr lang="en-US" dirty="0"/>
               <a:t>Edit Master text styles</a:t>
             </a:r>
+            <a:endParaRPr lang="en-US" dirty="0"/>
           </a:p>
           <a:p>
             <a:pPr lvl="1"/>
@@ -5854,6 +5670,7 @@
               <a:rPr lang="en-US" dirty="0"/>
               <a:t>Second level</a:t>
             </a:r>
+            <a:endParaRPr lang="en-US" dirty="0"/>
           </a:p>
           <a:p>
             <a:pPr lvl="2"/>
@@ -5861,6 +5678,7 @@
               <a:rPr lang="en-US" dirty="0"/>
               <a:t>Third level</a:t>
             </a:r>
+            <a:endParaRPr lang="en-US" dirty="0"/>
           </a:p>
           <a:p>
             <a:pPr lvl="3"/>
@@ -5868,6 +5686,7 @@
               <a:rPr lang="en-US" dirty="0"/>
               <a:t>Fourth level</a:t>
             </a:r>
+            <a:endParaRPr lang="en-US" dirty="0"/>
           </a:p>
           <a:p>
             <a:pPr lvl="4"/>
@@ -5875,6 +5694,7 @@
               <a:rPr lang="en-US" dirty="0"/>
               <a:t>Fifth level</a:t>
             </a:r>
+            <a:endParaRPr lang="en-US" dirty="0"/>
           </a:p>
         </p:txBody>
       </p:sp>
@@ -5895,7 +5715,6 @@
           <a:p>
             <a:fld id="{48A87A34-81AB-432B-8DAE-1953F412C126}" type="datetimeFigureOut">
               <a:rPr lang="en-US" dirty="0"/>
-              <a:t>6/7/2025</a:t>
             </a:fld>
             <a:endParaRPr lang="en-US" dirty="0"/>
           </a:p>
@@ -5937,18 +5756,12 @@
           <a:p>
             <a:fld id="{6D22F896-40B5-4ADD-8801-0D06FADFA095}" type="slidenum">
               <a:rPr lang="en-US" dirty="0"/>
-              <a:t>‹#›</a:t>
             </a:fld>
             <a:endParaRPr lang="en-US" dirty="0"/>
           </a:p>
         </p:txBody>
       </p:sp>
     </p:spTree>
-    <p:extLst>
-      <p:ext uri="{BB962C8B-B14F-4D97-AF65-F5344CB8AC3E}">
-        <p14:creationId xmlns:p14="http://schemas.microsoft.com/office/powerpoint/2010/main" val="2901824381"/>
-      </p:ext>
-    </p:extLst>
   </p:cSld>
   <p:clrMapOvr>
     <a:masterClrMapping/>
@@ -6041,8 +5854,6 @@
               </a:solidFill>
               <a:prstDash val="solid"/>
               <a:miter lim="800000"/>
-              <a:headEnd/>
-              <a:tailEnd/>
             </a:ln>
             <a:extLst>
               <a:ext uri="{909E8E84-426E-40DD-AFC4-6F175D3DCCD1}">
@@ -6109,8 +5920,6 @@
               </a:solidFill>
               <a:prstDash val="solid"/>
               <a:miter lim="800000"/>
-              <a:headEnd/>
-              <a:tailEnd/>
             </a:ln>
             <a:extLst>
               <a:ext uri="{909E8E84-426E-40DD-AFC4-6F175D3DCCD1}">
@@ -6182,8 +5991,6 @@
               </a:solidFill>
               <a:prstDash val="dash"/>
               <a:miter lim="800000"/>
-              <a:headEnd/>
-              <a:tailEnd/>
             </a:ln>
             <a:extLst>
               <a:ext uri="{909E8E84-426E-40DD-AFC4-6F175D3DCCD1}">
@@ -6245,8 +6052,6 @@
               </a:solidFill>
               <a:prstDash val="solid"/>
               <a:miter lim="800000"/>
-              <a:headEnd/>
-              <a:tailEnd/>
             </a:ln>
             <a:extLst>
               <a:ext uri="{909E8E84-426E-40DD-AFC4-6F175D3DCCD1}">
@@ -6298,8 +6103,6 @@
               </a:solidFill>
               <a:prstDash val="solid"/>
               <a:miter lim="800000"/>
-              <a:headEnd/>
-              <a:tailEnd/>
             </a:ln>
             <a:extLst>
               <a:ext uri="{909E8E84-426E-40DD-AFC4-6F175D3DCCD1}">
@@ -6361,8 +6164,6 @@
               </a:solidFill>
               <a:prstDash val="solid"/>
               <a:miter lim="800000"/>
-              <a:headEnd/>
-              <a:tailEnd/>
             </a:ln>
             <a:extLst>
               <a:ext uri="{909E8E84-426E-40DD-AFC4-6F175D3DCCD1}">
@@ -6419,8 +6220,6 @@
               </a:solidFill>
               <a:prstDash val="solid"/>
               <a:miter lim="800000"/>
-              <a:headEnd/>
-              <a:tailEnd/>
             </a:ln>
             <a:extLst>
               <a:ext uri="{909E8E84-426E-40DD-AFC4-6F175D3DCCD1}">
@@ -6472,8 +6271,6 @@
               </a:solidFill>
               <a:prstDash val="solid"/>
               <a:miter lim="800000"/>
-              <a:headEnd/>
-              <a:tailEnd/>
             </a:ln>
             <a:extLst>
               <a:ext uri="{909E8E84-426E-40DD-AFC4-6F175D3DCCD1}">
@@ -6530,8 +6327,6 @@
               </a:solidFill>
               <a:prstDash val="dash"/>
               <a:miter lim="800000"/>
-              <a:headEnd/>
-              <a:tailEnd/>
             </a:ln>
             <a:extLst>
               <a:ext uri="{909E8E84-426E-40DD-AFC4-6F175D3DCCD1}">
@@ -6583,8 +6378,6 @@
               </a:solidFill>
               <a:prstDash val="dash"/>
               <a:miter lim="800000"/>
-              <a:headEnd/>
-              <a:tailEnd/>
             </a:ln>
             <a:extLst>
               <a:ext uri="{909E8E84-426E-40DD-AFC4-6F175D3DCCD1}">
@@ -6641,8 +6434,6 @@
               </a:solidFill>
               <a:prstDash val="dashDot"/>
               <a:miter lim="800000"/>
-              <a:headEnd/>
-              <a:tailEnd/>
             </a:ln>
             <a:extLst>
               <a:ext uri="{909E8E84-426E-40DD-AFC4-6F175D3DCCD1}">
@@ -6694,8 +6485,6 @@
               </a:solidFill>
               <a:prstDash val="dashDot"/>
               <a:miter lim="800000"/>
-              <a:headEnd/>
-              <a:tailEnd/>
             </a:ln>
             <a:extLst>
               <a:ext uri="{909E8E84-426E-40DD-AFC4-6F175D3DCCD1}">
@@ -6752,8 +6541,6 @@
               </a:solidFill>
               <a:prstDash val="solid"/>
               <a:miter lim="800000"/>
-              <a:headEnd/>
-              <a:tailEnd/>
             </a:ln>
             <a:extLst>
               <a:ext uri="{909E8E84-426E-40DD-AFC4-6F175D3DCCD1}">
@@ -6810,8 +6597,6 @@
               </a:solidFill>
               <a:prstDash val="solid"/>
               <a:miter lim="800000"/>
-              <a:headEnd/>
-              <a:tailEnd/>
             </a:ln>
             <a:extLst>
               <a:ext uri="{909E8E84-426E-40DD-AFC4-6F175D3DCCD1}">
@@ -6868,8 +6653,6 @@
               </a:solidFill>
               <a:prstDash val="solid"/>
               <a:miter lim="800000"/>
-              <a:headEnd/>
-              <a:tailEnd/>
             </a:ln>
             <a:extLst>
               <a:ext uri="{909E8E84-426E-40DD-AFC4-6F175D3DCCD1}">
@@ -6921,8 +6704,6 @@
               </a:solidFill>
               <a:prstDash val="solid"/>
               <a:miter lim="800000"/>
-              <a:headEnd/>
-              <a:tailEnd/>
             </a:ln>
             <a:extLst>
               <a:ext uri="{909E8E84-426E-40DD-AFC4-6F175D3DCCD1}">
@@ -6974,8 +6755,6 @@
               </a:solidFill>
               <a:prstDash val="solid"/>
               <a:miter lim="800000"/>
-              <a:headEnd/>
-              <a:tailEnd/>
             </a:ln>
             <a:extLst>
               <a:ext uri="{909E8E84-426E-40DD-AFC4-6F175D3DCCD1}">
@@ -7027,8 +6806,6 @@
               </a:solidFill>
               <a:prstDash val="dash"/>
               <a:miter lim="800000"/>
-              <a:headEnd/>
-              <a:tailEnd/>
             </a:ln>
             <a:extLst>
               <a:ext uri="{909E8E84-426E-40DD-AFC4-6F175D3DCCD1}">
@@ -7080,8 +6857,6 @@
               </a:solidFill>
               <a:prstDash val="solid"/>
               <a:miter lim="800000"/>
-              <a:headEnd/>
-              <a:tailEnd/>
             </a:ln>
             <a:extLst>
               <a:ext uri="{909E8E84-426E-40DD-AFC4-6F175D3DCCD1}">
@@ -7258,6 +7033,7 @@
               <a:rPr lang="en-US" dirty="0"/>
               <a:t>Click to edit Master title style</a:t>
             </a:r>
+            <a:endParaRPr lang="en-US" dirty="0"/>
           </a:p>
         </p:txBody>
       </p:sp>
@@ -7377,6 +7153,7 @@
               <a:rPr lang="en-US" dirty="0"/>
               <a:t>Edit Master text styles</a:t>
             </a:r>
+            <a:endParaRPr lang="en-US" dirty="0"/>
           </a:p>
         </p:txBody>
       </p:sp>
@@ -7402,7 +7179,6 @@
           <a:p>
             <a:fld id="{48A87A34-81AB-432B-8DAE-1953F412C126}" type="datetimeFigureOut">
               <a:rPr lang="en-US" dirty="0"/>
-              <a:t>6/7/2025</a:t>
             </a:fld>
             <a:endParaRPr lang="en-US" dirty="0"/>
           </a:p>
@@ -7458,18 +7234,12 @@
           <a:p>
             <a:fld id="{6D22F896-40B5-4ADD-8801-0D06FADFA095}" type="slidenum">
               <a:rPr lang="en-US" dirty="0"/>
-              <a:t>‹#›</a:t>
             </a:fld>
             <a:endParaRPr lang="en-US" dirty="0"/>
           </a:p>
         </p:txBody>
       </p:sp>
     </p:spTree>
-    <p:extLst>
-      <p:ext uri="{BB962C8B-B14F-4D97-AF65-F5344CB8AC3E}">
-        <p14:creationId xmlns:p14="http://schemas.microsoft.com/office/powerpoint/2010/main" val="3676838370"/>
-      </p:ext>
-    </p:extLst>
   </p:cSld>
   <p:clrMapOvr>
     <a:masterClrMapping/>
@@ -7547,8 +7317,6 @@
               </a:solidFill>
               <a:prstDash val="solid"/>
               <a:miter lim="800000"/>
-              <a:headEnd/>
-              <a:tailEnd/>
             </a:ln>
             <a:extLst>
               <a:ext uri="{909E8E84-426E-40DD-AFC4-6F175D3DCCD1}">
@@ -7600,8 +7368,6 @@
               </a:solidFill>
               <a:prstDash val="solid"/>
               <a:miter lim="800000"/>
-              <a:headEnd/>
-              <a:tailEnd/>
             </a:ln>
             <a:extLst>
               <a:ext uri="{909E8E84-426E-40DD-AFC4-6F175D3DCCD1}">
@@ -7653,8 +7419,6 @@
               </a:solidFill>
               <a:prstDash val="solid"/>
               <a:miter lim="800000"/>
-              <a:headEnd/>
-              <a:tailEnd/>
             </a:ln>
             <a:extLst>
               <a:ext uri="{909E8E84-426E-40DD-AFC4-6F175D3DCCD1}">
@@ -7706,8 +7470,6 @@
               </a:solidFill>
               <a:prstDash val="dash"/>
               <a:miter lim="800000"/>
-              <a:headEnd/>
-              <a:tailEnd/>
             </a:ln>
             <a:extLst>
               <a:ext uri="{909E8E84-426E-40DD-AFC4-6F175D3DCCD1}">
@@ -7759,8 +7521,6 @@
               </a:solidFill>
               <a:prstDash val="dash"/>
               <a:miter lim="800000"/>
-              <a:headEnd/>
-              <a:tailEnd/>
             </a:ln>
             <a:extLst>
               <a:ext uri="{909E8E84-426E-40DD-AFC4-6F175D3DCCD1}">
@@ -7812,8 +7572,6 @@
               </a:solidFill>
               <a:prstDash val="dash"/>
               <a:miter lim="800000"/>
-              <a:headEnd/>
-              <a:tailEnd/>
             </a:ln>
             <a:extLst>
               <a:ext uri="{909E8E84-426E-40DD-AFC4-6F175D3DCCD1}">
@@ -7865,8 +7623,6 @@
               </a:solidFill>
               <a:prstDash val="solid"/>
               <a:miter lim="800000"/>
-              <a:headEnd/>
-              <a:tailEnd/>
             </a:ln>
             <a:extLst>
               <a:ext uri="{909E8E84-426E-40DD-AFC4-6F175D3DCCD1}">
@@ -7918,8 +7674,6 @@
               </a:solidFill>
               <a:prstDash val="solid"/>
               <a:miter lim="800000"/>
-              <a:headEnd/>
-              <a:tailEnd/>
             </a:ln>
             <a:extLst>
               <a:ext uri="{909E8E84-426E-40DD-AFC4-6F175D3DCCD1}">
@@ -7971,8 +7725,6 @@
               </a:solidFill>
               <a:prstDash val="solid"/>
               <a:miter lim="800000"/>
-              <a:headEnd/>
-              <a:tailEnd/>
             </a:ln>
             <a:extLst>
               <a:ext uri="{909E8E84-426E-40DD-AFC4-6F175D3DCCD1}">
@@ -8024,8 +7776,6 @@
               </a:solidFill>
               <a:prstDash val="solid"/>
               <a:miter lim="800000"/>
-              <a:headEnd/>
-              <a:tailEnd/>
             </a:ln>
             <a:extLst>
               <a:ext uri="{909E8E84-426E-40DD-AFC4-6F175D3DCCD1}">
@@ -8077,8 +7827,6 @@
               </a:solidFill>
               <a:prstDash val="solid"/>
               <a:miter lim="800000"/>
-              <a:headEnd/>
-              <a:tailEnd/>
             </a:ln>
             <a:extLst>
               <a:ext uri="{909E8E84-426E-40DD-AFC4-6F175D3DCCD1}">
@@ -8130,8 +7878,6 @@
               </a:solidFill>
               <a:prstDash val="solid"/>
               <a:miter lim="800000"/>
-              <a:headEnd/>
-              <a:tailEnd/>
             </a:ln>
             <a:extLst>
               <a:ext uri="{909E8E84-426E-40DD-AFC4-6F175D3DCCD1}">
@@ -8183,8 +7929,6 @@
               </a:solidFill>
               <a:prstDash val="solid"/>
               <a:miter lim="800000"/>
-              <a:headEnd/>
-              <a:tailEnd/>
             </a:ln>
             <a:extLst>
               <a:ext uri="{909E8E84-426E-40DD-AFC4-6F175D3DCCD1}">
@@ -8236,8 +7980,6 @@
               </a:solidFill>
               <a:prstDash val="solid"/>
               <a:miter lim="800000"/>
-              <a:headEnd/>
-              <a:tailEnd/>
             </a:ln>
             <a:extLst>
               <a:ext uri="{909E8E84-426E-40DD-AFC4-6F175D3DCCD1}">
@@ -8289,8 +8031,6 @@
               </a:solidFill>
               <a:prstDash val="solid"/>
               <a:miter lim="800000"/>
-              <a:headEnd/>
-              <a:tailEnd/>
             </a:ln>
             <a:extLst>
               <a:ext uri="{909E8E84-426E-40DD-AFC4-6F175D3DCCD1}">
@@ -8342,8 +8082,6 @@
               </a:solidFill>
               <a:prstDash val="dashDot"/>
               <a:miter lim="800000"/>
-              <a:headEnd/>
-              <a:tailEnd/>
             </a:ln>
             <a:extLst>
               <a:ext uri="{909E8E84-426E-40DD-AFC4-6F175D3DCCD1}">
@@ -8395,8 +8133,6 @@
               </a:solidFill>
               <a:prstDash val="lgDash"/>
               <a:miter lim="800000"/>
-              <a:headEnd/>
-              <a:tailEnd/>
             </a:ln>
             <a:extLst>
               <a:ext uri="{909E8E84-426E-40DD-AFC4-6F175D3DCCD1}">
@@ -8448,8 +8184,6 @@
               </a:solidFill>
               <a:prstDash val="solid"/>
               <a:miter lim="800000"/>
-              <a:headEnd/>
-              <a:tailEnd/>
             </a:ln>
             <a:extLst>
               <a:ext uri="{909E8E84-426E-40DD-AFC4-6F175D3DCCD1}">
@@ -8501,8 +8235,6 @@
               </a:solidFill>
               <a:prstDash val="solid"/>
               <a:miter lim="800000"/>
-              <a:headEnd/>
-              <a:tailEnd/>
             </a:ln>
             <a:extLst>
               <a:ext uri="{909E8E84-426E-40DD-AFC4-6F175D3DCCD1}">
@@ -8554,8 +8286,6 @@
               </a:solidFill>
               <a:prstDash val="solid"/>
               <a:miter lim="800000"/>
-              <a:headEnd/>
-              <a:tailEnd/>
             </a:ln>
             <a:extLst>
               <a:ext uri="{909E8E84-426E-40DD-AFC4-6F175D3DCCD1}">
@@ -8607,8 +8337,6 @@
               </a:solidFill>
               <a:prstDash val="solid"/>
               <a:miter lim="800000"/>
-              <a:headEnd/>
-              <a:tailEnd/>
             </a:ln>
             <a:extLst>
               <a:ext uri="{909E8E84-426E-40DD-AFC4-6F175D3DCCD1}">
@@ -8783,6 +8511,7 @@
               <a:rPr lang="en-US" dirty="0"/>
               <a:t>Click to edit Master title style</a:t>
             </a:r>
+            <a:endParaRPr lang="en-US" dirty="0"/>
           </a:p>
         </p:txBody>
       </p:sp>
@@ -8811,6 +8540,7 @@
               <a:rPr lang="en-US" dirty="0"/>
               <a:t>Edit Master text styles</a:t>
             </a:r>
+            <a:endParaRPr lang="en-US" dirty="0"/>
           </a:p>
           <a:p>
             <a:pPr lvl="1"/>
@@ -8818,6 +8548,7 @@
               <a:rPr lang="en-US" dirty="0"/>
               <a:t>Second level</a:t>
             </a:r>
+            <a:endParaRPr lang="en-US" dirty="0"/>
           </a:p>
           <a:p>
             <a:pPr lvl="2"/>
@@ -8825,6 +8556,7 @@
               <a:rPr lang="en-US" dirty="0"/>
               <a:t>Third level</a:t>
             </a:r>
+            <a:endParaRPr lang="en-US" dirty="0"/>
           </a:p>
           <a:p>
             <a:pPr lvl="3"/>
@@ -8832,6 +8564,7 @@
               <a:rPr lang="en-US" dirty="0"/>
               <a:t>Fourth level</a:t>
             </a:r>
+            <a:endParaRPr lang="en-US" dirty="0"/>
           </a:p>
           <a:p>
             <a:pPr lvl="4"/>
@@ -8839,6 +8572,7 @@
               <a:rPr lang="en-US" dirty="0"/>
               <a:t>Fifth level</a:t>
             </a:r>
+            <a:endParaRPr lang="en-US" dirty="0"/>
           </a:p>
         </p:txBody>
       </p:sp>
@@ -8867,6 +8601,7 @@
               <a:rPr lang="en-US" dirty="0"/>
               <a:t>Edit Master text styles</a:t>
             </a:r>
+            <a:endParaRPr lang="en-US" dirty="0"/>
           </a:p>
           <a:p>
             <a:pPr lvl="1"/>
@@ -8874,6 +8609,7 @@
               <a:rPr lang="en-US" dirty="0"/>
               <a:t>Second level</a:t>
             </a:r>
+            <a:endParaRPr lang="en-US" dirty="0"/>
           </a:p>
           <a:p>
             <a:pPr lvl="2"/>
@@ -8881,6 +8617,7 @@
               <a:rPr lang="en-US" dirty="0"/>
               <a:t>Third level</a:t>
             </a:r>
+            <a:endParaRPr lang="en-US" dirty="0"/>
           </a:p>
           <a:p>
             <a:pPr lvl="3"/>
@@ -8888,6 +8625,7 @@
               <a:rPr lang="en-US" dirty="0"/>
               <a:t>Fourth level</a:t>
             </a:r>
+            <a:endParaRPr lang="en-US" dirty="0"/>
           </a:p>
           <a:p>
             <a:pPr lvl="4"/>
@@ -8895,6 +8633,7 @@
               <a:rPr lang="en-US" dirty="0"/>
               <a:t>Fifth level</a:t>
             </a:r>
+            <a:endParaRPr lang="en-US" dirty="0"/>
           </a:p>
         </p:txBody>
       </p:sp>
@@ -8920,7 +8659,6 @@
           <a:p>
             <a:fld id="{48A87A34-81AB-432B-8DAE-1953F412C126}" type="datetimeFigureOut">
               <a:rPr lang="en-US" dirty="0"/>
-              <a:t>6/7/2025</a:t>
             </a:fld>
             <a:endParaRPr lang="en-US" dirty="0"/>
           </a:p>
@@ -8972,18 +8710,12 @@
           <a:p>
             <a:fld id="{6D22F896-40B5-4ADD-8801-0D06FADFA095}" type="slidenum">
               <a:rPr lang="en-US" dirty="0"/>
-              <a:t>‹#›</a:t>
             </a:fld>
             <a:endParaRPr lang="en-US" dirty="0"/>
           </a:p>
         </p:txBody>
       </p:sp>
     </p:spTree>
-    <p:extLst>
-      <p:ext uri="{BB962C8B-B14F-4D97-AF65-F5344CB8AC3E}">
-        <p14:creationId xmlns:p14="http://schemas.microsoft.com/office/powerpoint/2010/main" val="2998717476"/>
-      </p:ext>
-    </p:extLst>
   </p:cSld>
   <p:clrMapOvr>
     <a:masterClrMapping/>
@@ -9061,8 +8793,6 @@
               </a:solidFill>
               <a:prstDash val="solid"/>
               <a:miter lim="800000"/>
-              <a:headEnd/>
-              <a:tailEnd/>
             </a:ln>
             <a:extLst>
               <a:ext uri="{909E8E84-426E-40DD-AFC4-6F175D3DCCD1}">
@@ -9114,8 +8844,6 @@
               </a:solidFill>
               <a:prstDash val="solid"/>
               <a:miter lim="800000"/>
-              <a:headEnd/>
-              <a:tailEnd/>
             </a:ln>
             <a:extLst>
               <a:ext uri="{909E8E84-426E-40DD-AFC4-6F175D3DCCD1}">
@@ -9167,8 +8895,6 @@
               </a:solidFill>
               <a:prstDash val="solid"/>
               <a:miter lim="800000"/>
-              <a:headEnd/>
-              <a:tailEnd/>
             </a:ln>
             <a:extLst>
               <a:ext uri="{909E8E84-426E-40DD-AFC4-6F175D3DCCD1}">
@@ -9220,8 +8946,6 @@
               </a:solidFill>
               <a:prstDash val="dash"/>
               <a:miter lim="800000"/>
-              <a:headEnd/>
-              <a:tailEnd/>
             </a:ln>
             <a:extLst>
               <a:ext uri="{909E8E84-426E-40DD-AFC4-6F175D3DCCD1}">
@@ -9273,8 +8997,6 @@
               </a:solidFill>
               <a:prstDash val="dash"/>
               <a:miter lim="800000"/>
-              <a:headEnd/>
-              <a:tailEnd/>
             </a:ln>
             <a:extLst>
               <a:ext uri="{909E8E84-426E-40DD-AFC4-6F175D3DCCD1}">
@@ -9326,8 +9048,6 @@
               </a:solidFill>
               <a:prstDash val="dash"/>
               <a:miter lim="800000"/>
-              <a:headEnd/>
-              <a:tailEnd/>
             </a:ln>
             <a:extLst>
               <a:ext uri="{909E8E84-426E-40DD-AFC4-6F175D3DCCD1}">
@@ -9379,8 +9099,6 @@
               </a:solidFill>
               <a:prstDash val="solid"/>
               <a:miter lim="800000"/>
-              <a:headEnd/>
-              <a:tailEnd/>
             </a:ln>
             <a:extLst>
               <a:ext uri="{909E8E84-426E-40DD-AFC4-6F175D3DCCD1}">
@@ -9432,8 +9150,6 @@
               </a:solidFill>
               <a:prstDash val="solid"/>
               <a:miter lim="800000"/>
-              <a:headEnd/>
-              <a:tailEnd/>
             </a:ln>
             <a:extLst>
               <a:ext uri="{909E8E84-426E-40DD-AFC4-6F175D3DCCD1}">
@@ -9485,8 +9201,6 @@
               </a:solidFill>
               <a:prstDash val="solid"/>
               <a:miter lim="800000"/>
-              <a:headEnd/>
-              <a:tailEnd/>
             </a:ln>
             <a:extLst>
               <a:ext uri="{909E8E84-426E-40DD-AFC4-6F175D3DCCD1}">
@@ -9538,8 +9252,6 @@
               </a:solidFill>
               <a:prstDash val="solid"/>
               <a:miter lim="800000"/>
-              <a:headEnd/>
-              <a:tailEnd/>
             </a:ln>
             <a:extLst>
               <a:ext uri="{909E8E84-426E-40DD-AFC4-6F175D3DCCD1}">
@@ -9591,8 +9303,6 @@
               </a:solidFill>
               <a:prstDash val="solid"/>
               <a:miter lim="800000"/>
-              <a:headEnd/>
-              <a:tailEnd/>
             </a:ln>
             <a:extLst>
               <a:ext uri="{909E8E84-426E-40DD-AFC4-6F175D3DCCD1}">
@@ -9644,8 +9354,6 @@
               </a:solidFill>
               <a:prstDash val="solid"/>
               <a:miter lim="800000"/>
-              <a:headEnd/>
-              <a:tailEnd/>
             </a:ln>
             <a:extLst>
               <a:ext uri="{909E8E84-426E-40DD-AFC4-6F175D3DCCD1}">
@@ -9697,8 +9405,6 @@
               </a:solidFill>
               <a:prstDash val="solid"/>
               <a:miter lim="800000"/>
-              <a:headEnd/>
-              <a:tailEnd/>
             </a:ln>
             <a:extLst>
               <a:ext uri="{909E8E84-426E-40DD-AFC4-6F175D3DCCD1}">
@@ -9750,8 +9456,6 @@
               </a:solidFill>
               <a:prstDash val="solid"/>
               <a:miter lim="800000"/>
-              <a:headEnd/>
-              <a:tailEnd/>
             </a:ln>
             <a:extLst>
               <a:ext uri="{909E8E84-426E-40DD-AFC4-6F175D3DCCD1}">
@@ -9803,8 +9507,6 @@
               </a:solidFill>
               <a:prstDash val="solid"/>
               <a:miter lim="800000"/>
-              <a:headEnd/>
-              <a:tailEnd/>
             </a:ln>
             <a:extLst>
               <a:ext uri="{909E8E84-426E-40DD-AFC4-6F175D3DCCD1}">
@@ -9856,8 +9558,6 @@
               </a:solidFill>
               <a:prstDash val="dashDot"/>
               <a:miter lim="800000"/>
-              <a:headEnd/>
-              <a:tailEnd/>
             </a:ln>
             <a:extLst>
               <a:ext uri="{909E8E84-426E-40DD-AFC4-6F175D3DCCD1}">
@@ -9909,8 +9609,6 @@
               </a:solidFill>
               <a:prstDash val="lgDash"/>
               <a:miter lim="800000"/>
-              <a:headEnd/>
-              <a:tailEnd/>
             </a:ln>
             <a:extLst>
               <a:ext uri="{909E8E84-426E-40DD-AFC4-6F175D3DCCD1}">
@@ -9962,8 +9660,6 @@
               </a:solidFill>
               <a:prstDash val="solid"/>
               <a:miter lim="800000"/>
-              <a:headEnd/>
-              <a:tailEnd/>
             </a:ln>
             <a:extLst>
               <a:ext uri="{909E8E84-426E-40DD-AFC4-6F175D3DCCD1}">
@@ -10015,8 +9711,6 @@
               </a:solidFill>
               <a:prstDash val="solid"/>
               <a:miter lim="800000"/>
-              <a:headEnd/>
-              <a:tailEnd/>
             </a:ln>
             <a:extLst>
               <a:ext uri="{909E8E84-426E-40DD-AFC4-6F175D3DCCD1}">
@@ -10068,8 +9762,6 @@
               </a:solidFill>
               <a:prstDash val="solid"/>
               <a:miter lim="800000"/>
-              <a:headEnd/>
-              <a:tailEnd/>
             </a:ln>
             <a:extLst>
               <a:ext uri="{909E8E84-426E-40DD-AFC4-6F175D3DCCD1}">
@@ -10121,8 +9813,6 @@
               </a:solidFill>
               <a:prstDash val="solid"/>
               <a:miter lim="800000"/>
-              <a:headEnd/>
-              <a:tailEnd/>
             </a:ln>
             <a:extLst>
               <a:ext uri="{909E8E84-426E-40DD-AFC4-6F175D3DCCD1}">
@@ -10297,6 +9987,7 @@
               <a:rPr lang="en-US" dirty="0"/>
               <a:t>Click to edit Master title style</a:t>
             </a:r>
+            <a:endParaRPr lang="en-US" dirty="0"/>
           </a:p>
         </p:txBody>
       </p:sp>
@@ -10307,7 +9998,7 @@
             <a:spLocks noGrp="1"/>
           </p:cNvSpPr>
           <p:nvPr>
-            <p:ph type="body" idx="1"/>
+            <p:ph type="body" idx="1" hasCustomPrompt="1"/>
           </p:nvPr>
         </p:nvSpPr>
         <p:spPr>
@@ -10371,6 +10062,7 @@
               <a:rPr lang="en-US" dirty="0"/>
               <a:t>CLICK TO EDIT MASTER TEXT STYLES</a:t>
             </a:r>
+            <a:endParaRPr lang="en-US" dirty="0"/>
           </a:p>
         </p:txBody>
       </p:sp>
@@ -10399,6 +10091,7 @@
               <a:rPr lang="en-US" dirty="0"/>
               <a:t>Edit Master text styles</a:t>
             </a:r>
+            <a:endParaRPr lang="en-US" dirty="0"/>
           </a:p>
           <a:p>
             <a:pPr lvl="1"/>
@@ -10406,6 +10099,7 @@
               <a:rPr lang="en-US" dirty="0"/>
               <a:t>Second level</a:t>
             </a:r>
+            <a:endParaRPr lang="en-US" dirty="0"/>
           </a:p>
           <a:p>
             <a:pPr lvl="2"/>
@@ -10413,6 +10107,7 @@
               <a:rPr lang="en-US" dirty="0"/>
               <a:t>Third level</a:t>
             </a:r>
+            <a:endParaRPr lang="en-US" dirty="0"/>
           </a:p>
           <a:p>
             <a:pPr lvl="3"/>
@@ -10420,6 +10115,7 @@
               <a:rPr lang="en-US" dirty="0"/>
               <a:t>Fourth level</a:t>
             </a:r>
+            <a:endParaRPr lang="en-US" dirty="0"/>
           </a:p>
           <a:p>
             <a:pPr lvl="4"/>
@@ -10427,6 +10123,7 @@
               <a:rPr lang="en-US" dirty="0"/>
               <a:t>Fifth level</a:t>
             </a:r>
+            <a:endParaRPr lang="en-US" dirty="0"/>
           </a:p>
         </p:txBody>
       </p:sp>
@@ -10437,7 +10134,7 @@
             <a:spLocks noGrp="1"/>
           </p:cNvSpPr>
           <p:nvPr>
-            <p:ph type="body" sz="quarter" idx="3"/>
+            <p:ph type="body" sz="quarter" idx="3" hasCustomPrompt="1"/>
           </p:nvPr>
         </p:nvSpPr>
         <p:spPr>
@@ -10501,6 +10198,7 @@
               <a:rPr lang="en-US" dirty="0"/>
               <a:t>CLICK TO EDIT MASTER TEXT STYLES</a:t>
             </a:r>
+            <a:endParaRPr lang="en-US" dirty="0"/>
           </a:p>
         </p:txBody>
       </p:sp>
@@ -10529,6 +10227,7 @@
               <a:rPr lang="en-US" dirty="0"/>
               <a:t>Edit Master text styles</a:t>
             </a:r>
+            <a:endParaRPr lang="en-US" dirty="0"/>
           </a:p>
           <a:p>
             <a:pPr lvl="1"/>
@@ -10536,6 +10235,7 @@
               <a:rPr lang="en-US" dirty="0"/>
               <a:t>Second level</a:t>
             </a:r>
+            <a:endParaRPr lang="en-US" dirty="0"/>
           </a:p>
           <a:p>
             <a:pPr lvl="2"/>
@@ -10543,6 +10243,7 @@
               <a:rPr lang="en-US" dirty="0"/>
               <a:t>Third level</a:t>
             </a:r>
+            <a:endParaRPr lang="en-US" dirty="0"/>
           </a:p>
           <a:p>
             <a:pPr lvl="3"/>
@@ -10550,6 +10251,7 @@
               <a:rPr lang="en-US" dirty="0"/>
               <a:t>Fourth level</a:t>
             </a:r>
+            <a:endParaRPr lang="en-US" dirty="0"/>
           </a:p>
           <a:p>
             <a:pPr lvl="4"/>
@@ -10557,6 +10259,7 @@
               <a:rPr lang="en-US" dirty="0"/>
               <a:t>Fifth level</a:t>
             </a:r>
+            <a:endParaRPr lang="en-US" dirty="0"/>
           </a:p>
         </p:txBody>
       </p:sp>
@@ -10582,7 +10285,6 @@
           <a:p>
             <a:fld id="{48A87A34-81AB-432B-8DAE-1953F412C126}" type="datetimeFigureOut">
               <a:rPr lang="en-US" dirty="0"/>
-              <a:t>6/7/2025</a:t>
             </a:fld>
             <a:endParaRPr lang="en-US" dirty="0"/>
           </a:p>
@@ -10634,18 +10336,12 @@
           <a:p>
             <a:fld id="{6D22F896-40B5-4ADD-8801-0D06FADFA095}" type="slidenum">
               <a:rPr lang="en-US" dirty="0"/>
-              <a:t>‹#›</a:t>
             </a:fld>
             <a:endParaRPr lang="en-US" dirty="0"/>
           </a:p>
         </p:txBody>
       </p:sp>
     </p:spTree>
-    <p:extLst>
-      <p:ext uri="{BB962C8B-B14F-4D97-AF65-F5344CB8AC3E}">
-        <p14:creationId xmlns:p14="http://schemas.microsoft.com/office/powerpoint/2010/main" val="3164583659"/>
-      </p:ext>
-    </p:extLst>
   </p:cSld>
   <p:clrMapOvr>
     <a:masterClrMapping/>
@@ -10723,8 +10419,6 @@
               </a:solidFill>
               <a:prstDash val="solid"/>
               <a:miter lim="800000"/>
-              <a:headEnd/>
-              <a:tailEnd/>
             </a:ln>
             <a:extLst>
               <a:ext uri="{909E8E84-426E-40DD-AFC4-6F175D3DCCD1}">
@@ -10776,8 +10470,6 @@
               </a:solidFill>
               <a:prstDash val="solid"/>
               <a:miter lim="800000"/>
-              <a:headEnd/>
-              <a:tailEnd/>
             </a:ln>
             <a:extLst>
               <a:ext uri="{909E8E84-426E-40DD-AFC4-6F175D3DCCD1}">
@@ -10829,8 +10521,6 @@
               </a:solidFill>
               <a:prstDash val="solid"/>
               <a:miter lim="800000"/>
-              <a:headEnd/>
-              <a:tailEnd/>
             </a:ln>
             <a:extLst>
               <a:ext uri="{909E8E84-426E-40DD-AFC4-6F175D3DCCD1}">
@@ -10882,8 +10572,6 @@
               </a:solidFill>
               <a:prstDash val="dash"/>
               <a:miter lim="800000"/>
-              <a:headEnd/>
-              <a:tailEnd/>
             </a:ln>
             <a:extLst>
               <a:ext uri="{909E8E84-426E-40DD-AFC4-6F175D3DCCD1}">
@@ -10935,8 +10623,6 @@
               </a:solidFill>
               <a:prstDash val="dash"/>
               <a:miter lim="800000"/>
-              <a:headEnd/>
-              <a:tailEnd/>
             </a:ln>
             <a:extLst>
               <a:ext uri="{909E8E84-426E-40DD-AFC4-6F175D3DCCD1}">
@@ -10988,8 +10674,6 @@
               </a:solidFill>
               <a:prstDash val="dash"/>
               <a:miter lim="800000"/>
-              <a:headEnd/>
-              <a:tailEnd/>
             </a:ln>
             <a:extLst>
               <a:ext uri="{909E8E84-426E-40DD-AFC4-6F175D3DCCD1}">
@@ -11041,8 +10725,6 @@
               </a:solidFill>
               <a:prstDash val="solid"/>
               <a:miter lim="800000"/>
-              <a:headEnd/>
-              <a:tailEnd/>
             </a:ln>
             <a:extLst>
               <a:ext uri="{909E8E84-426E-40DD-AFC4-6F175D3DCCD1}">
@@ -11094,8 +10776,6 @@
               </a:solidFill>
               <a:prstDash val="solid"/>
               <a:miter lim="800000"/>
-              <a:headEnd/>
-              <a:tailEnd/>
             </a:ln>
             <a:extLst>
               <a:ext uri="{909E8E84-426E-40DD-AFC4-6F175D3DCCD1}">
@@ -11147,8 +10827,6 @@
               </a:solidFill>
               <a:prstDash val="solid"/>
               <a:miter lim="800000"/>
-              <a:headEnd/>
-              <a:tailEnd/>
             </a:ln>
             <a:extLst>
               <a:ext uri="{909E8E84-426E-40DD-AFC4-6F175D3DCCD1}">
@@ -11200,8 +10878,6 @@
               </a:solidFill>
               <a:prstDash val="solid"/>
               <a:miter lim="800000"/>
-              <a:headEnd/>
-              <a:tailEnd/>
             </a:ln>
             <a:extLst>
               <a:ext uri="{909E8E84-426E-40DD-AFC4-6F175D3DCCD1}">
@@ -11253,8 +10929,6 @@
               </a:solidFill>
               <a:prstDash val="solid"/>
               <a:miter lim="800000"/>
-              <a:headEnd/>
-              <a:tailEnd/>
             </a:ln>
             <a:extLst>
               <a:ext uri="{909E8E84-426E-40DD-AFC4-6F175D3DCCD1}">
@@ -11306,8 +10980,6 @@
               </a:solidFill>
               <a:prstDash val="solid"/>
               <a:miter lim="800000"/>
-              <a:headEnd/>
-              <a:tailEnd/>
             </a:ln>
             <a:extLst>
               <a:ext uri="{909E8E84-426E-40DD-AFC4-6F175D3DCCD1}">
@@ -11359,8 +11031,6 @@
               </a:solidFill>
               <a:prstDash val="solid"/>
               <a:miter lim="800000"/>
-              <a:headEnd/>
-              <a:tailEnd/>
             </a:ln>
             <a:extLst>
               <a:ext uri="{909E8E84-426E-40DD-AFC4-6F175D3DCCD1}">
@@ -11412,8 +11082,6 @@
               </a:solidFill>
               <a:prstDash val="solid"/>
               <a:miter lim="800000"/>
-              <a:headEnd/>
-              <a:tailEnd/>
             </a:ln>
             <a:extLst>
               <a:ext uri="{909E8E84-426E-40DD-AFC4-6F175D3DCCD1}">
@@ -11465,8 +11133,6 @@
               </a:solidFill>
               <a:prstDash val="solid"/>
               <a:miter lim="800000"/>
-              <a:headEnd/>
-              <a:tailEnd/>
             </a:ln>
             <a:extLst>
               <a:ext uri="{909E8E84-426E-40DD-AFC4-6F175D3DCCD1}">
@@ -11518,8 +11184,6 @@
               </a:solidFill>
               <a:prstDash val="dashDot"/>
               <a:miter lim="800000"/>
-              <a:headEnd/>
-              <a:tailEnd/>
             </a:ln>
             <a:extLst>
               <a:ext uri="{909E8E84-426E-40DD-AFC4-6F175D3DCCD1}">
@@ -11571,8 +11235,6 @@
               </a:solidFill>
               <a:prstDash val="lgDash"/>
               <a:miter lim="800000"/>
-              <a:headEnd/>
-              <a:tailEnd/>
             </a:ln>
             <a:extLst>
               <a:ext uri="{909E8E84-426E-40DD-AFC4-6F175D3DCCD1}">
@@ -11624,8 +11286,6 @@
               </a:solidFill>
               <a:prstDash val="solid"/>
               <a:miter lim="800000"/>
-              <a:headEnd/>
-              <a:tailEnd/>
             </a:ln>
             <a:extLst>
               <a:ext uri="{909E8E84-426E-40DD-AFC4-6F175D3DCCD1}">
@@ -11677,8 +11337,6 @@
               </a:solidFill>
               <a:prstDash val="solid"/>
               <a:miter lim="800000"/>
-              <a:headEnd/>
-              <a:tailEnd/>
             </a:ln>
             <a:extLst>
               <a:ext uri="{909E8E84-426E-40DD-AFC4-6F175D3DCCD1}">
@@ -11730,8 +11388,6 @@
               </a:solidFill>
               <a:prstDash val="solid"/>
               <a:miter lim="800000"/>
-              <a:headEnd/>
-              <a:tailEnd/>
             </a:ln>
             <a:extLst>
               <a:ext uri="{909E8E84-426E-40DD-AFC4-6F175D3DCCD1}">
@@ -11783,8 +11439,6 @@
               </a:solidFill>
               <a:prstDash val="solid"/>
               <a:miter lim="800000"/>
-              <a:headEnd/>
-              <a:tailEnd/>
             </a:ln>
             <a:extLst>
               <a:ext uri="{909E8E84-426E-40DD-AFC4-6F175D3DCCD1}">
@@ -11959,6 +11613,7 @@
               <a:rPr lang="en-US" dirty="0"/>
               <a:t>Click to edit Master title style</a:t>
             </a:r>
+            <a:endParaRPr lang="en-US" dirty="0"/>
           </a:p>
         </p:txBody>
       </p:sp>
@@ -11979,7 +11634,6 @@
           <a:p>
             <a:fld id="{48A87A34-81AB-432B-8DAE-1953F412C126}" type="datetimeFigureOut">
               <a:rPr lang="en-US" dirty="0"/>
-              <a:t>6/7/2025</a:t>
             </a:fld>
             <a:endParaRPr lang="en-US" dirty="0"/>
           </a:p>
@@ -12021,18 +11675,12 @@
           <a:p>
             <a:fld id="{6D22F896-40B5-4ADD-8801-0D06FADFA095}" type="slidenum">
               <a:rPr lang="en-US" dirty="0"/>
-              <a:t>‹#›</a:t>
             </a:fld>
             <a:endParaRPr lang="en-US" dirty="0"/>
           </a:p>
         </p:txBody>
       </p:sp>
     </p:spTree>
-    <p:extLst>
-      <p:ext uri="{BB962C8B-B14F-4D97-AF65-F5344CB8AC3E}">
-        <p14:creationId xmlns:p14="http://schemas.microsoft.com/office/powerpoint/2010/main" val="914911906"/>
-      </p:ext>
-    </p:extLst>
   </p:cSld>
   <p:clrMapOvr>
     <a:masterClrMapping/>
@@ -12079,7 +11727,6 @@
           <a:p>
             <a:fld id="{48A87A34-81AB-432B-8DAE-1953F412C126}" type="datetimeFigureOut">
               <a:rPr lang="en-US" dirty="0"/>
-              <a:t>6/7/2025</a:t>
             </a:fld>
             <a:endParaRPr lang="en-US" dirty="0"/>
           </a:p>
@@ -12131,18 +11778,12 @@
           <a:p>
             <a:fld id="{6D22F896-40B5-4ADD-8801-0D06FADFA095}" type="slidenum">
               <a:rPr lang="en-US" dirty="0"/>
-              <a:t>‹#›</a:t>
             </a:fld>
             <a:endParaRPr lang="en-US" dirty="0"/>
           </a:p>
         </p:txBody>
       </p:sp>
     </p:spTree>
-    <p:extLst>
-      <p:ext uri="{BB962C8B-B14F-4D97-AF65-F5344CB8AC3E}">
-        <p14:creationId xmlns:p14="http://schemas.microsoft.com/office/powerpoint/2010/main" val="2526153879"/>
-      </p:ext>
-    </p:extLst>
   </p:cSld>
   <p:clrMapOvr>
     <a:masterClrMapping/>
@@ -12220,8 +11861,6 @@
               </a:solidFill>
               <a:prstDash val="solid"/>
               <a:miter lim="800000"/>
-              <a:headEnd/>
-              <a:tailEnd/>
             </a:ln>
             <a:extLst>
               <a:ext uri="{909E8E84-426E-40DD-AFC4-6F175D3DCCD1}">
@@ -12273,8 +11912,6 @@
               </a:solidFill>
               <a:prstDash val="solid"/>
               <a:miter lim="800000"/>
-              <a:headEnd/>
-              <a:tailEnd/>
             </a:ln>
             <a:extLst>
               <a:ext uri="{909E8E84-426E-40DD-AFC4-6F175D3DCCD1}">
@@ -12326,8 +11963,6 @@
               </a:solidFill>
               <a:prstDash val="solid"/>
               <a:miter lim="800000"/>
-              <a:headEnd/>
-              <a:tailEnd/>
             </a:ln>
             <a:extLst>
               <a:ext uri="{909E8E84-426E-40DD-AFC4-6F175D3DCCD1}">
@@ -12379,8 +12014,6 @@
               </a:solidFill>
               <a:prstDash val="dash"/>
               <a:miter lim="800000"/>
-              <a:headEnd/>
-              <a:tailEnd/>
             </a:ln>
             <a:extLst>
               <a:ext uri="{909E8E84-426E-40DD-AFC4-6F175D3DCCD1}">
@@ -12432,8 +12065,6 @@
               </a:solidFill>
               <a:prstDash val="dash"/>
               <a:miter lim="800000"/>
-              <a:headEnd/>
-              <a:tailEnd/>
             </a:ln>
             <a:extLst>
               <a:ext uri="{909E8E84-426E-40DD-AFC4-6F175D3DCCD1}">
@@ -12485,8 +12116,6 @@
               </a:solidFill>
               <a:prstDash val="dash"/>
               <a:miter lim="800000"/>
-              <a:headEnd/>
-              <a:tailEnd/>
             </a:ln>
             <a:extLst>
               <a:ext uri="{909E8E84-426E-40DD-AFC4-6F175D3DCCD1}">
@@ -12538,8 +12167,6 @@
               </a:solidFill>
               <a:prstDash val="solid"/>
               <a:miter lim="800000"/>
-              <a:headEnd/>
-              <a:tailEnd/>
             </a:ln>
             <a:extLst>
               <a:ext uri="{909E8E84-426E-40DD-AFC4-6F175D3DCCD1}">
@@ -12591,8 +12218,6 @@
               </a:solidFill>
               <a:prstDash val="solid"/>
               <a:miter lim="800000"/>
-              <a:headEnd/>
-              <a:tailEnd/>
             </a:ln>
             <a:extLst>
               <a:ext uri="{909E8E84-426E-40DD-AFC4-6F175D3DCCD1}">
@@ -12644,8 +12269,6 @@
               </a:solidFill>
               <a:prstDash val="solid"/>
               <a:miter lim="800000"/>
-              <a:headEnd/>
-              <a:tailEnd/>
             </a:ln>
             <a:extLst>
               <a:ext uri="{909E8E84-426E-40DD-AFC4-6F175D3DCCD1}">
@@ -12697,8 +12320,6 @@
               </a:solidFill>
               <a:prstDash val="solid"/>
               <a:miter lim="800000"/>
-              <a:headEnd/>
-              <a:tailEnd/>
             </a:ln>
             <a:extLst>
               <a:ext uri="{909E8E84-426E-40DD-AFC4-6F175D3DCCD1}">
@@ -12750,8 +12371,6 @@
               </a:solidFill>
               <a:prstDash val="solid"/>
               <a:miter lim="800000"/>
-              <a:headEnd/>
-              <a:tailEnd/>
             </a:ln>
             <a:extLst>
               <a:ext uri="{909E8E84-426E-40DD-AFC4-6F175D3DCCD1}">
@@ -12803,8 +12422,6 @@
               </a:solidFill>
               <a:prstDash val="solid"/>
               <a:miter lim="800000"/>
-              <a:headEnd/>
-              <a:tailEnd/>
             </a:ln>
             <a:extLst>
               <a:ext uri="{909E8E84-426E-40DD-AFC4-6F175D3DCCD1}">
@@ -12856,8 +12473,6 @@
               </a:solidFill>
               <a:prstDash val="solid"/>
               <a:miter lim="800000"/>
-              <a:headEnd/>
-              <a:tailEnd/>
             </a:ln>
             <a:extLst>
               <a:ext uri="{909E8E84-426E-40DD-AFC4-6F175D3DCCD1}">
@@ -12909,8 +12524,6 @@
               </a:solidFill>
               <a:prstDash val="solid"/>
               <a:miter lim="800000"/>
-              <a:headEnd/>
-              <a:tailEnd/>
             </a:ln>
             <a:extLst>
               <a:ext uri="{909E8E84-426E-40DD-AFC4-6F175D3DCCD1}">
@@ -12962,8 +12575,6 @@
               </a:solidFill>
               <a:prstDash val="solid"/>
               <a:miter lim="800000"/>
-              <a:headEnd/>
-              <a:tailEnd/>
             </a:ln>
             <a:extLst>
               <a:ext uri="{909E8E84-426E-40DD-AFC4-6F175D3DCCD1}">
@@ -13015,8 +12626,6 @@
               </a:solidFill>
               <a:prstDash val="dashDot"/>
               <a:miter lim="800000"/>
-              <a:headEnd/>
-              <a:tailEnd/>
             </a:ln>
             <a:extLst>
               <a:ext uri="{909E8E84-426E-40DD-AFC4-6F175D3DCCD1}">
@@ -13068,8 +12677,6 @@
               </a:solidFill>
               <a:prstDash val="lgDash"/>
               <a:miter lim="800000"/>
-              <a:headEnd/>
-              <a:tailEnd/>
             </a:ln>
             <a:extLst>
               <a:ext uri="{909E8E84-426E-40DD-AFC4-6F175D3DCCD1}">
@@ -13121,8 +12728,6 @@
               </a:solidFill>
               <a:prstDash val="solid"/>
               <a:miter lim="800000"/>
-              <a:headEnd/>
-              <a:tailEnd/>
             </a:ln>
             <a:extLst>
               <a:ext uri="{909E8E84-426E-40DD-AFC4-6F175D3DCCD1}">
@@ -13174,8 +12779,6 @@
               </a:solidFill>
               <a:prstDash val="solid"/>
               <a:miter lim="800000"/>
-              <a:headEnd/>
-              <a:tailEnd/>
             </a:ln>
             <a:extLst>
               <a:ext uri="{909E8E84-426E-40DD-AFC4-6F175D3DCCD1}">
@@ -13227,8 +12830,6 @@
               </a:solidFill>
               <a:prstDash val="solid"/>
               <a:miter lim="800000"/>
-              <a:headEnd/>
-              <a:tailEnd/>
             </a:ln>
             <a:extLst>
               <a:ext uri="{909E8E84-426E-40DD-AFC4-6F175D3DCCD1}">
@@ -13280,8 +12881,6 @@
               </a:solidFill>
               <a:prstDash val="solid"/>
               <a:miter lim="800000"/>
-              <a:headEnd/>
-              <a:tailEnd/>
             </a:ln>
             <a:extLst>
               <a:ext uri="{909E8E84-426E-40DD-AFC4-6F175D3DCCD1}">
@@ -13458,6 +13057,7 @@
               <a:rPr lang="en-US" dirty="0"/>
               <a:t>Click to edit Master title style</a:t>
             </a:r>
+            <a:endParaRPr lang="en-US" dirty="0"/>
           </a:p>
         </p:txBody>
       </p:sp>
@@ -13486,6 +13086,7 @@
               <a:rPr lang="en-US" dirty="0"/>
               <a:t>Edit Master text styles</a:t>
             </a:r>
+            <a:endParaRPr lang="en-US" dirty="0"/>
           </a:p>
           <a:p>
             <a:pPr lvl="1"/>
@@ -13493,6 +13094,7 @@
               <a:rPr lang="en-US" dirty="0"/>
               <a:t>Second level</a:t>
             </a:r>
+            <a:endParaRPr lang="en-US" dirty="0"/>
           </a:p>
           <a:p>
             <a:pPr lvl="2"/>
@@ -13500,6 +13102,7 @@
               <a:rPr lang="en-US" dirty="0"/>
               <a:t>Third level</a:t>
             </a:r>
+            <a:endParaRPr lang="en-US" dirty="0"/>
           </a:p>
           <a:p>
             <a:pPr lvl="3"/>
@@ -13507,6 +13110,7 @@
               <a:rPr lang="en-US" dirty="0"/>
               <a:t>Fourth level</a:t>
             </a:r>
+            <a:endParaRPr lang="en-US" dirty="0"/>
           </a:p>
           <a:p>
             <a:pPr lvl="4"/>
@@ -13514,6 +13118,7 @@
               <a:rPr lang="en-US" dirty="0"/>
               <a:t>Fifth level</a:t>
             </a:r>
+            <a:endParaRPr lang="en-US" dirty="0"/>
           </a:p>
         </p:txBody>
       </p:sp>
@@ -13583,6 +13188,7 @@
               <a:rPr lang="en-US" dirty="0"/>
               <a:t>Edit Master text styles</a:t>
             </a:r>
+            <a:endParaRPr lang="en-US" dirty="0"/>
           </a:p>
         </p:txBody>
       </p:sp>
@@ -13603,7 +13209,6 @@
           <a:p>
             <a:fld id="{48A87A34-81AB-432B-8DAE-1953F412C126}" type="datetimeFigureOut">
               <a:rPr lang="en-US" dirty="0"/>
-              <a:t>6/7/2025</a:t>
             </a:fld>
             <a:endParaRPr lang="en-US" dirty="0"/>
           </a:p>
@@ -13645,18 +13250,12 @@
           <a:p>
             <a:fld id="{6D22F896-40B5-4ADD-8801-0D06FADFA095}" type="slidenum">
               <a:rPr lang="en-US" dirty="0"/>
-              <a:t>‹#›</a:t>
             </a:fld>
             <a:endParaRPr lang="en-US" dirty="0"/>
           </a:p>
         </p:txBody>
       </p:sp>
     </p:spTree>
-    <p:extLst>
-      <p:ext uri="{BB962C8B-B14F-4D97-AF65-F5344CB8AC3E}">
-        <p14:creationId xmlns:p14="http://schemas.microsoft.com/office/powerpoint/2010/main" val="1844585212"/>
-      </p:ext>
-    </p:extLst>
   </p:cSld>
   <p:clrMapOvr>
     <a:masterClrMapping/>
@@ -13749,8 +13348,6 @@
               </a:solidFill>
               <a:prstDash val="solid"/>
               <a:miter lim="800000"/>
-              <a:headEnd/>
-              <a:tailEnd/>
             </a:ln>
             <a:extLst>
               <a:ext uri="{909E8E84-426E-40DD-AFC4-6F175D3DCCD1}">
@@ -13817,8 +13414,6 @@
               </a:solidFill>
               <a:prstDash val="solid"/>
               <a:miter lim="800000"/>
-              <a:headEnd/>
-              <a:tailEnd/>
             </a:ln>
             <a:extLst>
               <a:ext uri="{909E8E84-426E-40DD-AFC4-6F175D3DCCD1}">
@@ -13890,8 +13485,6 @@
               </a:solidFill>
               <a:prstDash val="dash"/>
               <a:miter lim="800000"/>
-              <a:headEnd/>
-              <a:tailEnd/>
             </a:ln>
             <a:extLst>
               <a:ext uri="{909E8E84-426E-40DD-AFC4-6F175D3DCCD1}">
@@ -13953,8 +13546,6 @@
               </a:solidFill>
               <a:prstDash val="solid"/>
               <a:miter lim="800000"/>
-              <a:headEnd/>
-              <a:tailEnd/>
             </a:ln>
             <a:extLst>
               <a:ext uri="{909E8E84-426E-40DD-AFC4-6F175D3DCCD1}">
@@ -14006,8 +13597,6 @@
               </a:solidFill>
               <a:prstDash val="solid"/>
               <a:miter lim="800000"/>
-              <a:headEnd/>
-              <a:tailEnd/>
             </a:ln>
             <a:extLst>
               <a:ext uri="{909E8E84-426E-40DD-AFC4-6F175D3DCCD1}">
@@ -14069,8 +13658,6 @@
               </a:solidFill>
               <a:prstDash val="solid"/>
               <a:miter lim="800000"/>
-              <a:headEnd/>
-              <a:tailEnd/>
             </a:ln>
             <a:extLst>
               <a:ext uri="{909E8E84-426E-40DD-AFC4-6F175D3DCCD1}">
@@ -14127,8 +13714,6 @@
               </a:solidFill>
               <a:prstDash val="solid"/>
               <a:miter lim="800000"/>
-              <a:headEnd/>
-              <a:tailEnd/>
             </a:ln>
             <a:extLst>
               <a:ext uri="{909E8E84-426E-40DD-AFC4-6F175D3DCCD1}">
@@ -14180,8 +13765,6 @@
               </a:solidFill>
               <a:prstDash val="solid"/>
               <a:miter lim="800000"/>
-              <a:headEnd/>
-              <a:tailEnd/>
             </a:ln>
             <a:extLst>
               <a:ext uri="{909E8E84-426E-40DD-AFC4-6F175D3DCCD1}">
@@ -14238,8 +13821,6 @@
               </a:solidFill>
               <a:prstDash val="dash"/>
               <a:miter lim="800000"/>
-              <a:headEnd/>
-              <a:tailEnd/>
             </a:ln>
             <a:extLst>
               <a:ext uri="{909E8E84-426E-40DD-AFC4-6F175D3DCCD1}">
@@ -14291,8 +13872,6 @@
               </a:solidFill>
               <a:prstDash val="dash"/>
               <a:miter lim="800000"/>
-              <a:headEnd/>
-              <a:tailEnd/>
             </a:ln>
             <a:extLst>
               <a:ext uri="{909E8E84-426E-40DD-AFC4-6F175D3DCCD1}">
@@ -14349,8 +13928,6 @@
               </a:solidFill>
               <a:prstDash val="dashDot"/>
               <a:miter lim="800000"/>
-              <a:headEnd/>
-              <a:tailEnd/>
             </a:ln>
             <a:extLst>
               <a:ext uri="{909E8E84-426E-40DD-AFC4-6F175D3DCCD1}">
@@ -14402,8 +13979,6 @@
               </a:solidFill>
               <a:prstDash val="dashDot"/>
               <a:miter lim="800000"/>
-              <a:headEnd/>
-              <a:tailEnd/>
             </a:ln>
             <a:extLst>
               <a:ext uri="{909E8E84-426E-40DD-AFC4-6F175D3DCCD1}">
@@ -14460,8 +14035,6 @@
               </a:solidFill>
               <a:prstDash val="solid"/>
               <a:miter lim="800000"/>
-              <a:headEnd/>
-              <a:tailEnd/>
             </a:ln>
             <a:extLst>
               <a:ext uri="{909E8E84-426E-40DD-AFC4-6F175D3DCCD1}">
@@ -14518,8 +14091,6 @@
               </a:solidFill>
               <a:prstDash val="solid"/>
               <a:miter lim="800000"/>
-              <a:headEnd/>
-              <a:tailEnd/>
             </a:ln>
             <a:extLst>
               <a:ext uri="{909E8E84-426E-40DD-AFC4-6F175D3DCCD1}">
@@ -14576,8 +14147,6 @@
               </a:solidFill>
               <a:prstDash val="solid"/>
               <a:miter lim="800000"/>
-              <a:headEnd/>
-              <a:tailEnd/>
             </a:ln>
             <a:extLst>
               <a:ext uri="{909E8E84-426E-40DD-AFC4-6F175D3DCCD1}">
@@ -14629,8 +14198,6 @@
               </a:solidFill>
               <a:prstDash val="solid"/>
               <a:miter lim="800000"/>
-              <a:headEnd/>
-              <a:tailEnd/>
             </a:ln>
             <a:extLst>
               <a:ext uri="{909E8E84-426E-40DD-AFC4-6F175D3DCCD1}">
@@ -14682,8 +14249,6 @@
               </a:solidFill>
               <a:prstDash val="solid"/>
               <a:miter lim="800000"/>
-              <a:headEnd/>
-              <a:tailEnd/>
             </a:ln>
             <a:extLst>
               <a:ext uri="{909E8E84-426E-40DD-AFC4-6F175D3DCCD1}">
@@ -14735,8 +14300,6 @@
               </a:solidFill>
               <a:prstDash val="dash"/>
               <a:miter lim="800000"/>
-              <a:headEnd/>
-              <a:tailEnd/>
             </a:ln>
             <a:extLst>
               <a:ext uri="{909E8E84-426E-40DD-AFC4-6F175D3DCCD1}">
@@ -14788,8 +14351,6 @@
               </a:solidFill>
               <a:prstDash val="solid"/>
               <a:miter lim="800000"/>
-              <a:headEnd/>
-              <a:tailEnd/>
             </a:ln>
             <a:extLst>
               <a:ext uri="{909E8E84-426E-40DD-AFC4-6F175D3DCCD1}">
@@ -15038,6 +14599,7 @@
               <a:rPr lang="en-US" dirty="0"/>
               <a:t>Click to edit Master title style</a:t>
             </a:r>
+            <a:endParaRPr lang="en-US" dirty="0"/>
           </a:p>
         </p:txBody>
       </p:sp>
@@ -15109,6 +14671,7 @@
               <a:rPr lang="en-US" dirty="0"/>
               <a:t>Edit Master text styles</a:t>
             </a:r>
+            <a:endParaRPr lang="en-US" dirty="0"/>
           </a:p>
         </p:txBody>
       </p:sp>
@@ -15134,7 +14697,6 @@
           <a:p>
             <a:fld id="{48A87A34-81AB-432B-8DAE-1953F412C126}" type="datetimeFigureOut">
               <a:rPr lang="en-US" dirty="0"/>
-              <a:t>6/7/2025</a:t>
             </a:fld>
             <a:endParaRPr lang="en-US" dirty="0"/>
           </a:p>
@@ -15186,18 +14748,12 @@
           <a:p>
             <a:fld id="{6D22F896-40B5-4ADD-8801-0D06FADFA095}" type="slidenum">
               <a:rPr lang="en-US" dirty="0"/>
-              <a:t>‹#›</a:t>
             </a:fld>
             <a:endParaRPr lang="en-US" dirty="0"/>
           </a:p>
         </p:txBody>
       </p:sp>
     </p:spTree>
-    <p:extLst>
-      <p:ext uri="{BB962C8B-B14F-4D97-AF65-F5344CB8AC3E}">
-        <p14:creationId xmlns:p14="http://schemas.microsoft.com/office/powerpoint/2010/main" val="2248759580"/>
-      </p:ext>
-    </p:extLst>
   </p:cSld>
   <p:clrMapOvr>
     <a:masterClrMapping/>
@@ -15256,6 +14812,7 @@
               <a:rPr lang="en-US" dirty="0"/>
               <a:t>Click to edit Master title style</a:t>
             </a:r>
+            <a:endParaRPr lang="en-US" dirty="0"/>
           </a:p>
         </p:txBody>
       </p:sp>
@@ -15289,6 +14846,7 @@
               <a:rPr lang="en-US" dirty="0"/>
               <a:t>Edit Master text styles</a:t>
             </a:r>
+            <a:endParaRPr lang="en-US" dirty="0"/>
           </a:p>
           <a:p>
             <a:pPr lvl="1"/>
@@ -15296,6 +14854,7 @@
               <a:rPr lang="en-US" dirty="0"/>
               <a:t>Second level</a:t>
             </a:r>
+            <a:endParaRPr lang="en-US" dirty="0"/>
           </a:p>
           <a:p>
             <a:pPr lvl="2"/>
@@ -15303,6 +14862,7 @@
               <a:rPr lang="en-US" dirty="0"/>
               <a:t>Third level</a:t>
             </a:r>
+            <a:endParaRPr lang="en-US" dirty="0"/>
           </a:p>
           <a:p>
             <a:pPr lvl="3"/>
@@ -15310,6 +14870,7 @@
               <a:rPr lang="en-US" dirty="0"/>
               <a:t>Fourth level</a:t>
             </a:r>
+            <a:endParaRPr lang="en-US" dirty="0"/>
           </a:p>
           <a:p>
             <a:pPr lvl="4"/>
@@ -15317,6 +14878,7 @@
               <a:rPr lang="en-US" dirty="0"/>
               <a:t>Fifth level</a:t>
             </a:r>
+            <a:endParaRPr lang="en-US" dirty="0"/>
           </a:p>
           <a:p>
             <a:pPr lvl="5"/>
@@ -15324,6 +14886,7 @@
               <a:rPr lang="en-US" dirty="0"/>
               <a:t>6</a:t>
             </a:r>
+            <a:endParaRPr lang="en-US" dirty="0"/>
           </a:p>
           <a:p>
             <a:pPr lvl="6"/>
@@ -15331,6 +14894,7 @@
               <a:rPr lang="en-US" dirty="0"/>
               <a:t>7</a:t>
             </a:r>
+            <a:endParaRPr lang="en-US" dirty="0"/>
           </a:p>
           <a:p>
             <a:pPr lvl="7"/>
@@ -15338,6 +14902,7 @@
               <a:rPr lang="en-US" dirty="0"/>
               <a:t>8</a:t>
             </a:r>
+            <a:endParaRPr lang="en-US" dirty="0"/>
           </a:p>
           <a:p>
             <a:pPr lvl="8"/>
@@ -15345,6 +14910,7 @@
               <a:rPr lang="en-US" dirty="0"/>
               <a:t>9</a:t>
             </a:r>
+            <a:endParaRPr lang="en-US" dirty="0"/>
           </a:p>
         </p:txBody>
       </p:sp>
@@ -15383,8 +14949,6 @@
           <a:p>
             <a:fld id="{48A87A34-81AB-432B-8DAE-1953F412C126}" type="datetimeFigureOut">
               <a:rPr lang="en-US" dirty="0"/>
-              <a:pPr/>
-              <a:t>6/7/2025</a:t>
             </a:fld>
             <a:endParaRPr lang="en-US" dirty="0"/>
           </a:p>
@@ -15462,33 +15026,26 @@
           <a:p>
             <a:fld id="{6D22F896-40B5-4ADD-8801-0D06FADFA095}" type="slidenum">
               <a:rPr lang="en-US" dirty="0"/>
-              <a:pPr/>
-              <a:t>‹#›</a:t>
             </a:fld>
             <a:endParaRPr lang="en-US" dirty="0"/>
           </a:p>
         </p:txBody>
       </p:sp>
     </p:spTree>
-    <p:extLst>
-      <p:ext uri="{BB962C8B-B14F-4D97-AF65-F5344CB8AC3E}">
-        <p14:creationId xmlns:p14="http://schemas.microsoft.com/office/powerpoint/2010/main" val="1038604663"/>
-      </p:ext>
-    </p:extLst>
   </p:cSld>
   <p:clrMap bg1="lt1" tx1="dk1" bg2="lt2" tx2="dk2" accent1="accent1" accent2="accent2" accent3="accent3" accent4="accent4" accent5="accent5" accent6="accent6" hlink="hlink" folHlink="folHlink"/>
   <p:sldLayoutIdLst>
-    <p:sldLayoutId id="2147483661" r:id="rId1"/>
-    <p:sldLayoutId id="2147483662" r:id="rId2"/>
-    <p:sldLayoutId id="2147483663" r:id="rId3"/>
-    <p:sldLayoutId id="2147483664" r:id="rId4"/>
-    <p:sldLayoutId id="2147483665" r:id="rId5"/>
-    <p:sldLayoutId id="2147483666" r:id="rId6"/>
-    <p:sldLayoutId id="2147483667" r:id="rId7"/>
-    <p:sldLayoutId id="2147483668" r:id="rId8"/>
-    <p:sldLayoutId id="2147483669" r:id="rId9"/>
-    <p:sldLayoutId id="2147483670" r:id="rId10"/>
-    <p:sldLayoutId id="2147483671" r:id="rId11"/>
+    <p:sldLayoutId id="2147483649" r:id="rId1"/>
+    <p:sldLayoutId id="2147483650" r:id="rId2"/>
+    <p:sldLayoutId id="2147483651" r:id="rId3"/>
+    <p:sldLayoutId id="2147483652" r:id="rId4"/>
+    <p:sldLayoutId id="2147483653" r:id="rId5"/>
+    <p:sldLayoutId id="2147483654" r:id="rId6"/>
+    <p:sldLayoutId id="2147483655" r:id="rId7"/>
+    <p:sldLayoutId id="2147483656" r:id="rId8"/>
+    <p:sldLayoutId id="2147483657" r:id="rId9"/>
+    <p:sldLayoutId id="2147483658" r:id="rId10"/>
+    <p:sldLayoutId id="2147483659" r:id="rId11"/>
   </p:sldLayoutIdLst>
   <p:txStyles>
     <p:titleStyle>
@@ -15846,26 +15403,11 @@
       </p:grpSpPr>
       <p:sp useBgFill="1">
         <p:nvSpPr>
-          <p:cNvPr id="9" name="Rectangle 8">
-            <a:extLst>
-              <a:ext uri="{FF2B5EF4-FFF2-40B4-BE49-F238E27FC236}">
-                <a16:creationId xmlns:a16="http://schemas.microsoft.com/office/drawing/2014/main" id="{3904BE49-D42F-4F46-B6D8-2F3171216820}"/>
-              </a:ext>
-              <a:ext uri="{C183D7F6-B498-43B3-948B-1728B52AA6E4}">
-                <adec:decorative xmlns:adec="http://schemas.microsoft.com/office/drawing/2017/decorative" val="1"/>
-              </a:ext>
-            </a:extLst>
-          </p:cNvPr>
+          <p:cNvPr id="9" name="Rectangle 8"/>
           <p:cNvSpPr>
             <a:spLocks noGrp="1" noRot="1" noChangeAspect="1" noMove="1" noResize="1" noEditPoints="1" noAdjustHandles="1" noChangeArrowheads="1" noChangeShapeType="1" noTextEdit="1"/>
           </p:cNvSpPr>
-          <p:nvPr>
-            <p:extLst>
-              <p:ext uri="{386F3935-93C4-4BCD-93E2-E3B085C9AB24}">
-                <p16:designElem xmlns:p16="http://schemas.microsoft.com/office/powerpoint/2015/main" val="1"/>
-              </p:ext>
-            </p:extLst>
-          </p:nvPr>
+          <p:nvPr/>
         </p:nvSpPr>
         <p:spPr>
           <a:xfrm>
@@ -15906,26 +15448,11 @@
       </p:sp>
       <p:grpSp>
         <p:nvGrpSpPr>
-          <p:cNvPr id="11" name="Group 10">
-            <a:extLst>
-              <a:ext uri="{FF2B5EF4-FFF2-40B4-BE49-F238E27FC236}">
-                <a16:creationId xmlns:a16="http://schemas.microsoft.com/office/drawing/2014/main" id="{D57C06C8-18BE-4336-B9E0-3E15ACC93BA7}"/>
-              </a:ext>
-              <a:ext uri="{C183D7F6-B498-43B3-948B-1728B52AA6E4}">
-                <adec:decorative xmlns:adec="http://schemas.microsoft.com/office/drawing/2017/decorative" val="1"/>
-              </a:ext>
-            </a:extLst>
-          </p:cNvPr>
+          <p:cNvPr id="11" name="Group 10"/>
           <p:cNvGrpSpPr>
-            <a:grpSpLocks noGrp="1" noUngrp="1" noRot="1" noChangeAspect="1" noMove="1" noResize="1"/>
+            <a:grpSpLocks noGrp="1" noRot="1" noChangeAspect="1" noMove="1" noResize="1" noUngrp="1"/>
           </p:cNvGrpSpPr>
-          <p:nvPr>
-            <p:extLst>
-              <p:ext uri="{386F3935-93C4-4BCD-93E2-E3B085C9AB24}">
-                <p16:designElem xmlns:p16="http://schemas.microsoft.com/office/powerpoint/2015/main" val="1"/>
-              </p:ext>
-            </p:extLst>
-          </p:nvPr>
+          <p:nvPr/>
         </p:nvGrpSpPr>
         <p:grpSpPr>
           <a:xfrm>
@@ -15937,26 +15464,9 @@
         </p:grpSpPr>
         <p:sp>
           <p:nvSpPr>
-            <p:cNvPr id="12" name="Freeform 5">
-              <a:extLst>
-                <a:ext uri="{FF2B5EF4-FFF2-40B4-BE49-F238E27FC236}">
-                  <a16:creationId xmlns:a16="http://schemas.microsoft.com/office/drawing/2014/main" id="{C1C39E9B-4917-47D7-B9CB-56480F8876FA}"/>
-                </a:ext>
-                <a:ext uri="{C183D7F6-B498-43B3-948B-1728B52AA6E4}">
-                  <adec:decorative xmlns:adec="http://schemas.microsoft.com/office/drawing/2017/decorative" val="1"/>
-                </a:ext>
-              </a:extLst>
-            </p:cNvPr>
-            <p:cNvSpPr>
-              <a:spLocks/>
-            </p:cNvSpPr>
-            <p:nvPr>
-              <p:extLst>
-                <p:ext uri="{386F3935-93C4-4BCD-93E2-E3B085C9AB24}">
-                  <p16:designElem xmlns:p16="http://schemas.microsoft.com/office/powerpoint/2015/main" val="1"/>
-                </p:ext>
-              </p:extLst>
-            </p:nvPr>
+            <p:cNvPr id="12" name="Freeform 5"/>
+            <p:cNvSpPr/>
+            <p:nvPr/>
           </p:nvSpPr>
           <p:spPr bwMode="auto">
             <a:xfrm>
@@ -16033,8 +15543,6 @@
               </a:solidFill>
               <a:prstDash val="solid"/>
               <a:miter lim="800000"/>
-              <a:headEnd/>
-              <a:tailEnd/>
             </a:ln>
             <a:extLst>
               <a:ext uri="{909E8E84-426E-40DD-AFC4-6F175D3DCCD1}">
@@ -16047,11 +15555,7 @@
             </a:extLst>
           </p:spPr>
           <p:txBody>
-            <a:bodyPr vert="horz" wrap="square" lIns="91440" tIns="45720" rIns="91440" bIns="45720" numCol="1" anchor="t" anchorCtr="0" compatLnSpc="1">
-              <a:prstTxWarp prst="textNoShape">
-                <a:avLst/>
-              </a:prstTxWarp>
-            </a:bodyPr>
+            <a:bodyPr vert="horz" wrap="square" lIns="91440" tIns="45720" rIns="91440" bIns="45720" numCol="1" anchor="t" anchorCtr="0" compatLnSpc="1"/>
             <a:lstStyle/>
             <a:p>
               <a:endParaRPr lang="en-US"/>
@@ -16060,26 +15564,9 @@
         </p:sp>
         <p:sp>
           <p:nvSpPr>
-            <p:cNvPr id="13" name="Freeform 6">
-              <a:extLst>
-                <a:ext uri="{FF2B5EF4-FFF2-40B4-BE49-F238E27FC236}">
-                  <a16:creationId xmlns:a16="http://schemas.microsoft.com/office/drawing/2014/main" id="{5F7200AE-DDFE-46D2-ABCA-99906B970EDB}"/>
-                </a:ext>
-                <a:ext uri="{C183D7F6-B498-43B3-948B-1728B52AA6E4}">
-                  <adec:decorative xmlns:adec="http://schemas.microsoft.com/office/drawing/2017/decorative" val="1"/>
-                </a:ext>
-              </a:extLst>
-            </p:cNvPr>
-            <p:cNvSpPr>
-              <a:spLocks/>
-            </p:cNvSpPr>
-            <p:nvPr>
-              <p:extLst>
-                <p:ext uri="{386F3935-93C4-4BCD-93E2-E3B085C9AB24}">
-                  <p16:designElem xmlns:p16="http://schemas.microsoft.com/office/powerpoint/2015/main" val="1"/>
-                </p:ext>
-              </p:extLst>
-            </p:nvPr>
+            <p:cNvPr id="13" name="Freeform 6"/>
+            <p:cNvSpPr/>
+            <p:nvPr/>
           </p:nvSpPr>
           <p:spPr bwMode="auto">
             <a:xfrm>
@@ -16156,8 +15643,6 @@
               </a:solidFill>
               <a:prstDash val="solid"/>
               <a:miter lim="800000"/>
-              <a:headEnd/>
-              <a:tailEnd/>
             </a:ln>
             <a:extLst>
               <a:ext uri="{909E8E84-426E-40DD-AFC4-6F175D3DCCD1}">
@@ -16170,11 +15655,7 @@
             </a:extLst>
           </p:spPr>
           <p:txBody>
-            <a:bodyPr vert="horz" wrap="square" lIns="91440" tIns="45720" rIns="91440" bIns="45720" numCol="1" anchor="t" anchorCtr="0" compatLnSpc="1">
-              <a:prstTxWarp prst="textNoShape">
-                <a:avLst/>
-              </a:prstTxWarp>
-            </a:bodyPr>
+            <a:bodyPr vert="horz" wrap="square" lIns="91440" tIns="45720" rIns="91440" bIns="45720" numCol="1" anchor="t" anchorCtr="0" compatLnSpc="1"/>
             <a:lstStyle/>
             <a:p>
               <a:endParaRPr lang="en-US"/>
@@ -16183,26 +15664,9 @@
         </p:sp>
         <p:sp>
           <p:nvSpPr>
-            <p:cNvPr id="14" name="Freeform 7">
-              <a:extLst>
-                <a:ext uri="{FF2B5EF4-FFF2-40B4-BE49-F238E27FC236}">
-                  <a16:creationId xmlns:a16="http://schemas.microsoft.com/office/drawing/2014/main" id="{CAC40760-2393-4FAE-9A58-F4CDC0671627}"/>
-                </a:ext>
-                <a:ext uri="{C183D7F6-B498-43B3-948B-1728B52AA6E4}">
-                  <adec:decorative xmlns:adec="http://schemas.microsoft.com/office/drawing/2017/decorative" val="1"/>
-                </a:ext>
-              </a:extLst>
-            </p:cNvPr>
-            <p:cNvSpPr>
-              <a:spLocks/>
-            </p:cNvSpPr>
-            <p:nvPr>
-              <p:extLst>
-                <p:ext uri="{386F3935-93C4-4BCD-93E2-E3B085C9AB24}">
-                  <p16:designElem xmlns:p16="http://schemas.microsoft.com/office/powerpoint/2015/main" val="1"/>
-                </p:ext>
-              </p:extLst>
-            </p:nvPr>
+            <p:cNvPr id="14" name="Freeform 7"/>
+            <p:cNvSpPr/>
+            <p:nvPr/>
           </p:nvSpPr>
           <p:spPr bwMode="auto">
             <a:xfrm>
@@ -16289,8 +15753,6 @@
               </a:solidFill>
               <a:prstDash val="dash"/>
               <a:miter lim="800000"/>
-              <a:headEnd/>
-              <a:tailEnd/>
             </a:ln>
             <a:extLst>
               <a:ext uri="{909E8E84-426E-40DD-AFC4-6F175D3DCCD1}">
@@ -16303,11 +15765,7 @@
             </a:extLst>
           </p:spPr>
           <p:txBody>
-            <a:bodyPr vert="horz" wrap="square" lIns="91440" tIns="45720" rIns="91440" bIns="45720" numCol="1" anchor="t" anchorCtr="0" compatLnSpc="1">
-              <a:prstTxWarp prst="textNoShape">
-                <a:avLst/>
-              </a:prstTxWarp>
-            </a:bodyPr>
+            <a:bodyPr vert="horz" wrap="square" lIns="91440" tIns="45720" rIns="91440" bIns="45720" numCol="1" anchor="t" anchorCtr="0" compatLnSpc="1"/>
             <a:lstStyle/>
             <a:p>
               <a:endParaRPr lang="en-US"/>
@@ -16316,26 +15774,9 @@
         </p:sp>
         <p:sp>
           <p:nvSpPr>
-            <p:cNvPr id="15" name="Freeform 8">
-              <a:extLst>
-                <a:ext uri="{FF2B5EF4-FFF2-40B4-BE49-F238E27FC236}">
-                  <a16:creationId xmlns:a16="http://schemas.microsoft.com/office/drawing/2014/main" id="{1080422B-1649-4C8E-9459-421424360963}"/>
-                </a:ext>
-                <a:ext uri="{C183D7F6-B498-43B3-948B-1728B52AA6E4}">
-                  <adec:decorative xmlns:adec="http://schemas.microsoft.com/office/drawing/2017/decorative" val="1"/>
-                </a:ext>
-              </a:extLst>
-            </p:cNvPr>
-            <p:cNvSpPr>
-              <a:spLocks/>
-            </p:cNvSpPr>
-            <p:nvPr>
-              <p:extLst>
-                <p:ext uri="{386F3935-93C4-4BCD-93E2-E3B085C9AB24}">
-                  <p16:designElem xmlns:p16="http://schemas.microsoft.com/office/powerpoint/2015/main" val="1"/>
-                </p:ext>
-              </p:extLst>
-            </p:nvPr>
+            <p:cNvPr id="15" name="Freeform 8"/>
+            <p:cNvSpPr/>
+            <p:nvPr/>
           </p:nvSpPr>
           <p:spPr bwMode="auto">
             <a:xfrm>
@@ -16402,8 +15843,6 @@
               </a:solidFill>
               <a:prstDash val="solid"/>
               <a:miter lim="800000"/>
-              <a:headEnd/>
-              <a:tailEnd/>
             </a:ln>
             <a:extLst>
               <a:ext uri="{909E8E84-426E-40DD-AFC4-6F175D3DCCD1}">
@@ -16416,11 +15855,7 @@
             </a:extLst>
           </p:spPr>
           <p:txBody>
-            <a:bodyPr vert="horz" wrap="square" lIns="91440" tIns="45720" rIns="91440" bIns="45720" numCol="1" anchor="t" anchorCtr="0" compatLnSpc="1">
-              <a:prstTxWarp prst="textNoShape">
-                <a:avLst/>
-              </a:prstTxWarp>
-            </a:bodyPr>
+            <a:bodyPr vert="horz" wrap="square" lIns="91440" tIns="45720" rIns="91440" bIns="45720" numCol="1" anchor="t" anchorCtr="0" compatLnSpc="1"/>
             <a:lstStyle/>
             <a:p>
               <a:endParaRPr lang="en-US"/>
@@ -16429,26 +15864,9 @@
         </p:sp>
         <p:sp>
           <p:nvSpPr>
-            <p:cNvPr id="16" name="Freeform 9">
-              <a:extLst>
-                <a:ext uri="{FF2B5EF4-FFF2-40B4-BE49-F238E27FC236}">
-                  <a16:creationId xmlns:a16="http://schemas.microsoft.com/office/drawing/2014/main" id="{0136A7BD-0DB3-401B-A6AB-38BD30D10066}"/>
-                </a:ext>
-                <a:ext uri="{C183D7F6-B498-43B3-948B-1728B52AA6E4}">
-                  <adec:decorative xmlns:adec="http://schemas.microsoft.com/office/drawing/2017/decorative" val="1"/>
-                </a:ext>
-              </a:extLst>
-            </p:cNvPr>
-            <p:cNvSpPr>
-              <a:spLocks/>
-            </p:cNvSpPr>
-            <p:nvPr>
-              <p:extLst>
-                <p:ext uri="{386F3935-93C4-4BCD-93E2-E3B085C9AB24}">
-                  <p16:designElem xmlns:p16="http://schemas.microsoft.com/office/powerpoint/2015/main" val="1"/>
-                </p:ext>
-              </p:extLst>
-            </p:nvPr>
+            <p:cNvPr id="16" name="Freeform 9"/>
+            <p:cNvSpPr/>
+            <p:nvPr/>
           </p:nvSpPr>
           <p:spPr bwMode="auto">
             <a:xfrm>
@@ -16495,8 +15913,6 @@
               </a:solidFill>
               <a:prstDash val="solid"/>
               <a:miter lim="800000"/>
-              <a:headEnd/>
-              <a:tailEnd/>
             </a:ln>
             <a:extLst>
               <a:ext uri="{909E8E84-426E-40DD-AFC4-6F175D3DCCD1}">
@@ -16509,11 +15925,7 @@
             </a:extLst>
           </p:spPr>
           <p:txBody>
-            <a:bodyPr vert="horz" wrap="square" lIns="91440" tIns="45720" rIns="91440" bIns="45720" numCol="1" anchor="t" anchorCtr="0" compatLnSpc="1">
-              <a:prstTxWarp prst="textNoShape">
-                <a:avLst/>
-              </a:prstTxWarp>
-            </a:bodyPr>
+            <a:bodyPr vert="horz" wrap="square" lIns="91440" tIns="45720" rIns="91440" bIns="45720" numCol="1" anchor="t" anchorCtr="0" compatLnSpc="1"/>
             <a:lstStyle/>
             <a:p>
               <a:endParaRPr lang="en-US"/>
@@ -16522,26 +15934,9 @@
         </p:sp>
         <p:sp>
           <p:nvSpPr>
-            <p:cNvPr id="17" name="Freeform 10">
-              <a:extLst>
-                <a:ext uri="{FF2B5EF4-FFF2-40B4-BE49-F238E27FC236}">
-                  <a16:creationId xmlns:a16="http://schemas.microsoft.com/office/drawing/2014/main" id="{FD037346-242B-41AF-8CF5-C35284CA241E}"/>
-                </a:ext>
-                <a:ext uri="{C183D7F6-B498-43B3-948B-1728B52AA6E4}">
-                  <adec:decorative xmlns:adec="http://schemas.microsoft.com/office/drawing/2017/decorative" val="1"/>
-                </a:ext>
-              </a:extLst>
-            </p:cNvPr>
-            <p:cNvSpPr>
-              <a:spLocks/>
-            </p:cNvSpPr>
-            <p:nvPr>
-              <p:extLst>
-                <p:ext uri="{386F3935-93C4-4BCD-93E2-E3B085C9AB24}">
-                  <p16:designElem xmlns:p16="http://schemas.microsoft.com/office/powerpoint/2015/main" val="1"/>
-                </p:ext>
-              </p:extLst>
-            </p:nvPr>
+            <p:cNvPr id="17" name="Freeform 10"/>
+            <p:cNvSpPr/>
+            <p:nvPr/>
           </p:nvSpPr>
           <p:spPr bwMode="auto">
             <a:xfrm>
@@ -16608,8 +16003,6 @@
               </a:solidFill>
               <a:prstDash val="solid"/>
               <a:miter lim="800000"/>
-              <a:headEnd/>
-              <a:tailEnd/>
             </a:ln>
             <a:extLst>
               <a:ext uri="{909E8E84-426E-40DD-AFC4-6F175D3DCCD1}">
@@ -16622,11 +16015,7 @@
             </a:extLst>
           </p:spPr>
           <p:txBody>
-            <a:bodyPr vert="horz" wrap="square" lIns="91440" tIns="45720" rIns="91440" bIns="45720" numCol="1" anchor="t" anchorCtr="0" compatLnSpc="1">
-              <a:prstTxWarp prst="textNoShape">
-                <a:avLst/>
-              </a:prstTxWarp>
-            </a:bodyPr>
+            <a:bodyPr vert="horz" wrap="square" lIns="91440" tIns="45720" rIns="91440" bIns="45720" numCol="1" anchor="t" anchorCtr="0" compatLnSpc="1"/>
             <a:lstStyle/>
             <a:p>
               <a:endParaRPr lang="en-US"/>
@@ -16635,26 +16024,9 @@
         </p:sp>
         <p:sp>
           <p:nvSpPr>
-            <p:cNvPr id="18" name="Freeform 11">
-              <a:extLst>
-                <a:ext uri="{FF2B5EF4-FFF2-40B4-BE49-F238E27FC236}">
-                  <a16:creationId xmlns:a16="http://schemas.microsoft.com/office/drawing/2014/main" id="{238EBF94-0BBF-4BAE-AE27-729E3AC135EC}"/>
-                </a:ext>
-                <a:ext uri="{C183D7F6-B498-43B3-948B-1728B52AA6E4}">
-                  <adec:decorative xmlns:adec="http://schemas.microsoft.com/office/drawing/2017/decorative" val="1"/>
-                </a:ext>
-              </a:extLst>
-            </p:cNvPr>
-            <p:cNvSpPr>
-              <a:spLocks/>
-            </p:cNvSpPr>
-            <p:nvPr>
-              <p:extLst>
-                <p:ext uri="{386F3935-93C4-4BCD-93E2-E3B085C9AB24}">
-                  <p16:designElem xmlns:p16="http://schemas.microsoft.com/office/powerpoint/2015/main" val="1"/>
-                </p:ext>
-              </p:extLst>
-            </p:nvPr>
+            <p:cNvPr id="18" name="Freeform 11"/>
+            <p:cNvSpPr/>
+            <p:nvPr/>
           </p:nvSpPr>
           <p:spPr bwMode="auto">
             <a:xfrm>
@@ -16711,8 +16083,6 @@
               </a:solidFill>
               <a:prstDash val="solid"/>
               <a:miter lim="800000"/>
-              <a:headEnd/>
-              <a:tailEnd/>
             </a:ln>
             <a:extLst>
               <a:ext uri="{909E8E84-426E-40DD-AFC4-6F175D3DCCD1}">
@@ -16725,11 +16095,7 @@
             </a:extLst>
           </p:spPr>
           <p:txBody>
-            <a:bodyPr vert="horz" wrap="square" lIns="91440" tIns="45720" rIns="91440" bIns="45720" numCol="1" anchor="t" anchorCtr="0" compatLnSpc="1">
-              <a:prstTxWarp prst="textNoShape">
-                <a:avLst/>
-              </a:prstTxWarp>
-            </a:bodyPr>
+            <a:bodyPr vert="horz" wrap="square" lIns="91440" tIns="45720" rIns="91440" bIns="45720" numCol="1" anchor="t" anchorCtr="0" compatLnSpc="1"/>
             <a:lstStyle/>
             <a:p>
               <a:endParaRPr lang="en-US"/>
@@ -16738,26 +16104,9 @@
         </p:sp>
         <p:sp>
           <p:nvSpPr>
-            <p:cNvPr id="19" name="Freeform 12">
-              <a:extLst>
-                <a:ext uri="{FF2B5EF4-FFF2-40B4-BE49-F238E27FC236}">
-                  <a16:creationId xmlns:a16="http://schemas.microsoft.com/office/drawing/2014/main" id="{3940EFD7-EB1A-47AF-9DC9-7D4FCC6011E3}"/>
-                </a:ext>
-                <a:ext uri="{C183D7F6-B498-43B3-948B-1728B52AA6E4}">
-                  <adec:decorative xmlns:adec="http://schemas.microsoft.com/office/drawing/2017/decorative" val="1"/>
-                </a:ext>
-              </a:extLst>
-            </p:cNvPr>
-            <p:cNvSpPr>
-              <a:spLocks/>
-            </p:cNvSpPr>
-            <p:nvPr>
-              <p:extLst>
-                <p:ext uri="{386F3935-93C4-4BCD-93E2-E3B085C9AB24}">
-                  <p16:designElem xmlns:p16="http://schemas.microsoft.com/office/powerpoint/2015/main" val="1"/>
-                </p:ext>
-              </p:extLst>
-            </p:nvPr>
+            <p:cNvPr id="19" name="Freeform 12"/>
+            <p:cNvSpPr/>
+            <p:nvPr/>
           </p:nvSpPr>
           <p:spPr bwMode="auto">
             <a:xfrm>
@@ -16804,8 +16153,6 @@
               </a:solidFill>
               <a:prstDash val="solid"/>
               <a:miter lim="800000"/>
-              <a:headEnd/>
-              <a:tailEnd/>
             </a:ln>
             <a:extLst>
               <a:ext uri="{909E8E84-426E-40DD-AFC4-6F175D3DCCD1}">
@@ -16818,11 +16165,7 @@
             </a:extLst>
           </p:spPr>
           <p:txBody>
-            <a:bodyPr vert="horz" wrap="square" lIns="91440" tIns="45720" rIns="91440" bIns="45720" numCol="1" anchor="t" anchorCtr="0" compatLnSpc="1">
-              <a:prstTxWarp prst="textNoShape">
-                <a:avLst/>
-              </a:prstTxWarp>
-            </a:bodyPr>
+            <a:bodyPr vert="horz" wrap="square" lIns="91440" tIns="45720" rIns="91440" bIns="45720" numCol="1" anchor="t" anchorCtr="0" compatLnSpc="1"/>
             <a:lstStyle/>
             <a:p>
               <a:endParaRPr lang="en-US"/>
@@ -16831,26 +16174,9 @@
         </p:sp>
         <p:sp>
           <p:nvSpPr>
-            <p:cNvPr id="20" name="Freeform 13">
-              <a:extLst>
-                <a:ext uri="{FF2B5EF4-FFF2-40B4-BE49-F238E27FC236}">
-                  <a16:creationId xmlns:a16="http://schemas.microsoft.com/office/drawing/2014/main" id="{6BAA7A10-98A8-4931-9BE2-B573EB37678B}"/>
-                </a:ext>
-                <a:ext uri="{C183D7F6-B498-43B3-948B-1728B52AA6E4}">
-                  <adec:decorative xmlns:adec="http://schemas.microsoft.com/office/drawing/2017/decorative" val="1"/>
-                </a:ext>
-              </a:extLst>
-            </p:cNvPr>
-            <p:cNvSpPr>
-              <a:spLocks/>
-            </p:cNvSpPr>
-            <p:nvPr>
-              <p:extLst>
-                <p:ext uri="{386F3935-93C4-4BCD-93E2-E3B085C9AB24}">
-                  <p16:designElem xmlns:p16="http://schemas.microsoft.com/office/powerpoint/2015/main" val="1"/>
-                </p:ext>
-              </p:extLst>
-            </p:nvPr>
+            <p:cNvPr id="20" name="Freeform 13"/>
+            <p:cNvSpPr/>
+            <p:nvPr/>
           </p:nvSpPr>
           <p:spPr bwMode="auto">
             <a:xfrm>
@@ -16907,8 +16233,6 @@
               </a:solidFill>
               <a:prstDash val="dash"/>
               <a:miter lim="800000"/>
-              <a:headEnd/>
-              <a:tailEnd/>
             </a:ln>
             <a:extLst>
               <a:ext uri="{909E8E84-426E-40DD-AFC4-6F175D3DCCD1}">
@@ -16921,11 +16245,7 @@
             </a:extLst>
           </p:spPr>
           <p:txBody>
-            <a:bodyPr vert="horz" wrap="square" lIns="91440" tIns="45720" rIns="91440" bIns="45720" numCol="1" anchor="t" anchorCtr="0" compatLnSpc="1">
-              <a:prstTxWarp prst="textNoShape">
-                <a:avLst/>
-              </a:prstTxWarp>
-            </a:bodyPr>
+            <a:bodyPr vert="horz" wrap="square" lIns="91440" tIns="45720" rIns="91440" bIns="45720" numCol="1" anchor="t" anchorCtr="0" compatLnSpc="1"/>
             <a:lstStyle/>
             <a:p>
               <a:endParaRPr lang="en-US"/>
@@ -16934,26 +16254,9 @@
         </p:sp>
         <p:sp>
           <p:nvSpPr>
-            <p:cNvPr id="21" name="Freeform 14">
-              <a:extLst>
-                <a:ext uri="{FF2B5EF4-FFF2-40B4-BE49-F238E27FC236}">
-                  <a16:creationId xmlns:a16="http://schemas.microsoft.com/office/drawing/2014/main" id="{420223F5-34A9-4388-AF7B-38C76242FCBE}"/>
-                </a:ext>
-                <a:ext uri="{C183D7F6-B498-43B3-948B-1728B52AA6E4}">
-                  <adec:decorative xmlns:adec="http://schemas.microsoft.com/office/drawing/2017/decorative" val="1"/>
-                </a:ext>
-              </a:extLst>
-            </p:cNvPr>
-            <p:cNvSpPr>
-              <a:spLocks/>
-            </p:cNvSpPr>
-            <p:nvPr>
-              <p:extLst>
-                <p:ext uri="{386F3935-93C4-4BCD-93E2-E3B085C9AB24}">
-                  <p16:designElem xmlns:p16="http://schemas.microsoft.com/office/powerpoint/2015/main" val="1"/>
-                </p:ext>
-              </p:extLst>
-            </p:nvPr>
+            <p:cNvPr id="21" name="Freeform 14"/>
+            <p:cNvSpPr/>
+            <p:nvPr/>
           </p:nvSpPr>
           <p:spPr bwMode="auto">
             <a:xfrm>
@@ -17000,8 +16303,6 @@
               </a:solidFill>
               <a:prstDash val="dash"/>
               <a:miter lim="800000"/>
-              <a:headEnd/>
-              <a:tailEnd/>
             </a:ln>
             <a:extLst>
               <a:ext uri="{909E8E84-426E-40DD-AFC4-6F175D3DCCD1}">
@@ -17014,11 +16315,7 @@
             </a:extLst>
           </p:spPr>
           <p:txBody>
-            <a:bodyPr vert="horz" wrap="square" lIns="91440" tIns="45720" rIns="91440" bIns="45720" numCol="1" anchor="t" anchorCtr="0" compatLnSpc="1">
-              <a:prstTxWarp prst="textNoShape">
-                <a:avLst/>
-              </a:prstTxWarp>
-            </a:bodyPr>
+            <a:bodyPr vert="horz" wrap="square" lIns="91440" tIns="45720" rIns="91440" bIns="45720" numCol="1" anchor="t" anchorCtr="0" compatLnSpc="1"/>
             <a:lstStyle/>
             <a:p>
               <a:endParaRPr lang="en-US"/>
@@ -17027,26 +16324,9 @@
         </p:sp>
         <p:sp>
           <p:nvSpPr>
-            <p:cNvPr id="22" name="Freeform 15">
-              <a:extLst>
-                <a:ext uri="{FF2B5EF4-FFF2-40B4-BE49-F238E27FC236}">
-                  <a16:creationId xmlns:a16="http://schemas.microsoft.com/office/drawing/2014/main" id="{3CC9C746-C646-4363-B3D3-349B5C18C382}"/>
-                </a:ext>
-                <a:ext uri="{C183D7F6-B498-43B3-948B-1728B52AA6E4}">
-                  <adec:decorative xmlns:adec="http://schemas.microsoft.com/office/drawing/2017/decorative" val="1"/>
-                </a:ext>
-              </a:extLst>
-            </p:cNvPr>
-            <p:cNvSpPr>
-              <a:spLocks/>
-            </p:cNvSpPr>
-            <p:nvPr>
-              <p:extLst>
-                <p:ext uri="{386F3935-93C4-4BCD-93E2-E3B085C9AB24}">
-                  <p16:designElem xmlns:p16="http://schemas.microsoft.com/office/powerpoint/2015/main" val="1"/>
-                </p:ext>
-              </p:extLst>
-            </p:nvPr>
+            <p:cNvPr id="22" name="Freeform 15"/>
+            <p:cNvSpPr/>
+            <p:nvPr/>
           </p:nvSpPr>
           <p:spPr bwMode="auto">
             <a:xfrm>
@@ -17103,8 +16383,6 @@
               </a:solidFill>
               <a:prstDash val="dashDot"/>
               <a:miter lim="800000"/>
-              <a:headEnd/>
-              <a:tailEnd/>
             </a:ln>
             <a:extLst>
               <a:ext uri="{909E8E84-426E-40DD-AFC4-6F175D3DCCD1}">
@@ -17117,11 +16395,7 @@
             </a:extLst>
           </p:spPr>
           <p:txBody>
-            <a:bodyPr vert="horz" wrap="square" lIns="91440" tIns="45720" rIns="91440" bIns="45720" numCol="1" anchor="t" anchorCtr="0" compatLnSpc="1">
-              <a:prstTxWarp prst="textNoShape">
-                <a:avLst/>
-              </a:prstTxWarp>
-            </a:bodyPr>
+            <a:bodyPr vert="horz" wrap="square" lIns="91440" tIns="45720" rIns="91440" bIns="45720" numCol="1" anchor="t" anchorCtr="0" compatLnSpc="1"/>
             <a:lstStyle/>
             <a:p>
               <a:endParaRPr lang="en-US"/>
@@ -17130,26 +16404,9 @@
         </p:sp>
         <p:sp>
           <p:nvSpPr>
-            <p:cNvPr id="23" name="Freeform 16">
-              <a:extLst>
-                <a:ext uri="{FF2B5EF4-FFF2-40B4-BE49-F238E27FC236}">
-                  <a16:creationId xmlns:a16="http://schemas.microsoft.com/office/drawing/2014/main" id="{3EAA5BC5-AB13-4C8E-9D9D-05DE777C5F2A}"/>
-                </a:ext>
-                <a:ext uri="{C183D7F6-B498-43B3-948B-1728B52AA6E4}">
-                  <adec:decorative xmlns:adec="http://schemas.microsoft.com/office/drawing/2017/decorative" val="1"/>
-                </a:ext>
-              </a:extLst>
-            </p:cNvPr>
-            <p:cNvSpPr>
-              <a:spLocks/>
-            </p:cNvSpPr>
-            <p:nvPr>
-              <p:extLst>
-                <p:ext uri="{386F3935-93C4-4BCD-93E2-E3B085C9AB24}">
-                  <p16:designElem xmlns:p16="http://schemas.microsoft.com/office/powerpoint/2015/main" val="1"/>
-                </p:ext>
-              </p:extLst>
-            </p:nvPr>
+            <p:cNvPr id="23" name="Freeform 16"/>
+            <p:cNvSpPr/>
+            <p:nvPr/>
           </p:nvSpPr>
           <p:spPr bwMode="auto">
             <a:xfrm>
@@ -17196,8 +16453,6 @@
               </a:solidFill>
               <a:prstDash val="dashDot"/>
               <a:miter lim="800000"/>
-              <a:headEnd/>
-              <a:tailEnd/>
             </a:ln>
             <a:extLst>
               <a:ext uri="{909E8E84-426E-40DD-AFC4-6F175D3DCCD1}">
@@ -17210,11 +16465,7 @@
             </a:extLst>
           </p:spPr>
           <p:txBody>
-            <a:bodyPr vert="horz" wrap="square" lIns="91440" tIns="45720" rIns="91440" bIns="45720" numCol="1" anchor="t" anchorCtr="0" compatLnSpc="1">
-              <a:prstTxWarp prst="textNoShape">
-                <a:avLst/>
-              </a:prstTxWarp>
-            </a:bodyPr>
+            <a:bodyPr vert="horz" wrap="square" lIns="91440" tIns="45720" rIns="91440" bIns="45720" numCol="1" anchor="t" anchorCtr="0" compatLnSpc="1"/>
             <a:lstStyle/>
             <a:p>
               <a:endParaRPr lang="en-US"/>
@@ -17223,26 +16474,9 @@
         </p:sp>
         <p:sp>
           <p:nvSpPr>
-            <p:cNvPr id="24" name="Freeform 17">
-              <a:extLst>
-                <a:ext uri="{FF2B5EF4-FFF2-40B4-BE49-F238E27FC236}">
-                  <a16:creationId xmlns:a16="http://schemas.microsoft.com/office/drawing/2014/main" id="{500FC397-0569-4EC4-926A-DDD62AC49599}"/>
-                </a:ext>
-                <a:ext uri="{C183D7F6-B498-43B3-948B-1728B52AA6E4}">
-                  <adec:decorative xmlns:adec="http://schemas.microsoft.com/office/drawing/2017/decorative" val="1"/>
-                </a:ext>
-              </a:extLst>
-            </p:cNvPr>
-            <p:cNvSpPr>
-              <a:spLocks/>
-            </p:cNvSpPr>
-            <p:nvPr>
-              <p:extLst>
-                <p:ext uri="{386F3935-93C4-4BCD-93E2-E3B085C9AB24}">
-                  <p16:designElem xmlns:p16="http://schemas.microsoft.com/office/powerpoint/2015/main" val="1"/>
-                </p:ext>
-              </p:extLst>
-            </p:nvPr>
+            <p:cNvPr id="24" name="Freeform 17"/>
+            <p:cNvSpPr/>
+            <p:nvPr/>
           </p:nvSpPr>
           <p:spPr bwMode="auto">
             <a:xfrm>
@@ -17299,8 +16533,6 @@
               </a:solidFill>
               <a:prstDash val="solid"/>
               <a:miter lim="800000"/>
-              <a:headEnd/>
-              <a:tailEnd/>
             </a:ln>
             <a:extLst>
               <a:ext uri="{909E8E84-426E-40DD-AFC4-6F175D3DCCD1}">
@@ -17313,11 +16545,7 @@
             </a:extLst>
           </p:spPr>
           <p:txBody>
-            <a:bodyPr vert="horz" wrap="square" lIns="91440" tIns="45720" rIns="91440" bIns="45720" numCol="1" anchor="t" anchorCtr="0" compatLnSpc="1">
-              <a:prstTxWarp prst="textNoShape">
-                <a:avLst/>
-              </a:prstTxWarp>
-            </a:bodyPr>
+            <a:bodyPr vert="horz" wrap="square" lIns="91440" tIns="45720" rIns="91440" bIns="45720" numCol="1" anchor="t" anchorCtr="0" compatLnSpc="1"/>
             <a:lstStyle/>
             <a:p>
               <a:endParaRPr lang="en-US"/>
@@ -17326,26 +16554,9 @@
         </p:sp>
         <p:sp>
           <p:nvSpPr>
-            <p:cNvPr id="25" name="Freeform 18">
-              <a:extLst>
-                <a:ext uri="{FF2B5EF4-FFF2-40B4-BE49-F238E27FC236}">
-                  <a16:creationId xmlns:a16="http://schemas.microsoft.com/office/drawing/2014/main" id="{284FF041-FE7D-47CD-830F-7FABF41C7C7A}"/>
-                </a:ext>
-                <a:ext uri="{C183D7F6-B498-43B3-948B-1728B52AA6E4}">
-                  <adec:decorative xmlns:adec="http://schemas.microsoft.com/office/drawing/2017/decorative" val="1"/>
-                </a:ext>
-              </a:extLst>
-            </p:cNvPr>
-            <p:cNvSpPr>
-              <a:spLocks/>
-            </p:cNvSpPr>
-            <p:nvPr>
-              <p:extLst>
-                <p:ext uri="{386F3935-93C4-4BCD-93E2-E3B085C9AB24}">
-                  <p16:designElem xmlns:p16="http://schemas.microsoft.com/office/powerpoint/2015/main" val="1"/>
-                </p:ext>
-              </p:extLst>
-            </p:nvPr>
+            <p:cNvPr id="25" name="Freeform 18"/>
+            <p:cNvSpPr/>
+            <p:nvPr/>
           </p:nvSpPr>
           <p:spPr bwMode="auto">
             <a:xfrm>
@@ -17402,8 +16613,6 @@
               </a:solidFill>
               <a:prstDash val="solid"/>
               <a:miter lim="800000"/>
-              <a:headEnd/>
-              <a:tailEnd/>
             </a:ln>
             <a:extLst>
               <a:ext uri="{909E8E84-426E-40DD-AFC4-6F175D3DCCD1}">
@@ -17416,11 +16625,7 @@
             </a:extLst>
           </p:spPr>
           <p:txBody>
-            <a:bodyPr vert="horz" wrap="square" lIns="91440" tIns="45720" rIns="91440" bIns="45720" numCol="1" anchor="t" anchorCtr="0" compatLnSpc="1">
-              <a:prstTxWarp prst="textNoShape">
-                <a:avLst/>
-              </a:prstTxWarp>
-            </a:bodyPr>
+            <a:bodyPr vert="horz" wrap="square" lIns="91440" tIns="45720" rIns="91440" bIns="45720" numCol="1" anchor="t" anchorCtr="0" compatLnSpc="1"/>
             <a:lstStyle/>
             <a:p>
               <a:endParaRPr lang="en-US"/>
@@ -17429,26 +16634,9 @@
         </p:sp>
         <p:sp>
           <p:nvSpPr>
-            <p:cNvPr id="26" name="Freeform 19">
-              <a:extLst>
-                <a:ext uri="{FF2B5EF4-FFF2-40B4-BE49-F238E27FC236}">
-                  <a16:creationId xmlns:a16="http://schemas.microsoft.com/office/drawing/2014/main" id="{224154F3-CDFE-4FFF-92E4-ECEACF4A6629}"/>
-                </a:ext>
-                <a:ext uri="{C183D7F6-B498-43B3-948B-1728B52AA6E4}">
-                  <adec:decorative xmlns:adec="http://schemas.microsoft.com/office/drawing/2017/decorative" val="1"/>
-                </a:ext>
-              </a:extLst>
-            </p:cNvPr>
-            <p:cNvSpPr>
-              <a:spLocks/>
-            </p:cNvSpPr>
-            <p:nvPr>
-              <p:extLst>
-                <p:ext uri="{386F3935-93C4-4BCD-93E2-E3B085C9AB24}">
-                  <p16:designElem xmlns:p16="http://schemas.microsoft.com/office/powerpoint/2015/main" val="1"/>
-                </p:ext>
-              </p:extLst>
-            </p:nvPr>
+            <p:cNvPr id="26" name="Freeform 19"/>
+            <p:cNvSpPr/>
+            <p:nvPr/>
           </p:nvSpPr>
           <p:spPr bwMode="auto">
             <a:xfrm>
@@ -17505,8 +16693,6 @@
               </a:solidFill>
               <a:prstDash val="solid"/>
               <a:miter lim="800000"/>
-              <a:headEnd/>
-              <a:tailEnd/>
             </a:ln>
             <a:extLst>
               <a:ext uri="{909E8E84-426E-40DD-AFC4-6F175D3DCCD1}">
@@ -17519,11 +16705,7 @@
             </a:extLst>
           </p:spPr>
           <p:txBody>
-            <a:bodyPr vert="horz" wrap="square" lIns="91440" tIns="45720" rIns="91440" bIns="45720" numCol="1" anchor="t" anchorCtr="0" compatLnSpc="1">
-              <a:prstTxWarp prst="textNoShape">
-                <a:avLst/>
-              </a:prstTxWarp>
-            </a:bodyPr>
+            <a:bodyPr vert="horz" wrap="square" lIns="91440" tIns="45720" rIns="91440" bIns="45720" numCol="1" anchor="t" anchorCtr="0" compatLnSpc="1"/>
             <a:lstStyle/>
             <a:p>
               <a:endParaRPr lang="en-US"/>
@@ -17532,26 +16714,9 @@
         </p:sp>
         <p:sp>
           <p:nvSpPr>
-            <p:cNvPr id="27" name="Freeform 20">
-              <a:extLst>
-                <a:ext uri="{FF2B5EF4-FFF2-40B4-BE49-F238E27FC236}">
-                  <a16:creationId xmlns:a16="http://schemas.microsoft.com/office/drawing/2014/main" id="{CCE7404D-AA5A-4B82-A875-07F35D7C2DC6}"/>
-                </a:ext>
-                <a:ext uri="{C183D7F6-B498-43B3-948B-1728B52AA6E4}">
-                  <adec:decorative xmlns:adec="http://schemas.microsoft.com/office/drawing/2017/decorative" val="1"/>
-                </a:ext>
-              </a:extLst>
-            </p:cNvPr>
-            <p:cNvSpPr>
-              <a:spLocks/>
-            </p:cNvSpPr>
-            <p:nvPr>
-              <p:extLst>
-                <p:ext uri="{386F3935-93C4-4BCD-93E2-E3B085C9AB24}">
-                  <p16:designElem xmlns:p16="http://schemas.microsoft.com/office/powerpoint/2015/main" val="1"/>
-                </p:ext>
-              </p:extLst>
-            </p:nvPr>
+            <p:cNvPr id="27" name="Freeform 20"/>
+            <p:cNvSpPr/>
+            <p:nvPr/>
           </p:nvSpPr>
           <p:spPr bwMode="auto">
             <a:xfrm>
@@ -17598,8 +16763,6 @@
               </a:solidFill>
               <a:prstDash val="solid"/>
               <a:miter lim="800000"/>
-              <a:headEnd/>
-              <a:tailEnd/>
             </a:ln>
             <a:extLst>
               <a:ext uri="{909E8E84-426E-40DD-AFC4-6F175D3DCCD1}">
@@ -17612,11 +16775,7 @@
             </a:extLst>
           </p:spPr>
           <p:txBody>
-            <a:bodyPr vert="horz" wrap="square" lIns="91440" tIns="45720" rIns="91440" bIns="45720" numCol="1" anchor="t" anchorCtr="0" compatLnSpc="1">
-              <a:prstTxWarp prst="textNoShape">
-                <a:avLst/>
-              </a:prstTxWarp>
-            </a:bodyPr>
+            <a:bodyPr vert="horz" wrap="square" lIns="91440" tIns="45720" rIns="91440" bIns="45720" numCol="1" anchor="t" anchorCtr="0" compatLnSpc="1"/>
             <a:lstStyle/>
             <a:p>
               <a:endParaRPr lang="en-US"/>
@@ -17625,26 +16784,9 @@
         </p:sp>
         <p:sp>
           <p:nvSpPr>
-            <p:cNvPr id="28" name="Freeform 21">
-              <a:extLst>
-                <a:ext uri="{FF2B5EF4-FFF2-40B4-BE49-F238E27FC236}">
-                  <a16:creationId xmlns:a16="http://schemas.microsoft.com/office/drawing/2014/main" id="{526B6FED-4F20-4070-95B4-FF6F439E1C4B}"/>
-                </a:ext>
-                <a:ext uri="{C183D7F6-B498-43B3-948B-1728B52AA6E4}">
-                  <adec:decorative xmlns:adec="http://schemas.microsoft.com/office/drawing/2017/decorative" val="1"/>
-                </a:ext>
-              </a:extLst>
-            </p:cNvPr>
-            <p:cNvSpPr>
-              <a:spLocks/>
-            </p:cNvSpPr>
-            <p:nvPr>
-              <p:extLst>
-                <p:ext uri="{386F3935-93C4-4BCD-93E2-E3B085C9AB24}">
-                  <p16:designElem xmlns:p16="http://schemas.microsoft.com/office/powerpoint/2015/main" val="1"/>
-                </p:ext>
-              </p:extLst>
-            </p:nvPr>
+            <p:cNvPr id="28" name="Freeform 21"/>
+            <p:cNvSpPr/>
+            <p:nvPr/>
           </p:nvSpPr>
           <p:spPr bwMode="auto">
             <a:xfrm>
@@ -17691,8 +16833,6 @@
               </a:solidFill>
               <a:prstDash val="solid"/>
               <a:miter lim="800000"/>
-              <a:headEnd/>
-              <a:tailEnd/>
             </a:ln>
             <a:extLst>
               <a:ext uri="{909E8E84-426E-40DD-AFC4-6F175D3DCCD1}">
@@ -17705,11 +16845,7 @@
             </a:extLst>
           </p:spPr>
           <p:txBody>
-            <a:bodyPr vert="horz" wrap="square" lIns="91440" tIns="45720" rIns="91440" bIns="45720" numCol="1" anchor="t" anchorCtr="0" compatLnSpc="1">
-              <a:prstTxWarp prst="textNoShape">
-                <a:avLst/>
-              </a:prstTxWarp>
-            </a:bodyPr>
+            <a:bodyPr vert="horz" wrap="square" lIns="91440" tIns="45720" rIns="91440" bIns="45720" numCol="1" anchor="t" anchorCtr="0" compatLnSpc="1"/>
             <a:lstStyle/>
             <a:p>
               <a:endParaRPr lang="en-US"/>
@@ -17718,26 +16854,9 @@
         </p:sp>
         <p:sp>
           <p:nvSpPr>
-            <p:cNvPr id="29" name="Freeform 22">
-              <a:extLst>
-                <a:ext uri="{FF2B5EF4-FFF2-40B4-BE49-F238E27FC236}">
-                  <a16:creationId xmlns:a16="http://schemas.microsoft.com/office/drawing/2014/main" id="{3A75958D-1716-4B5A-A745-AFA4962FA4E4}"/>
-                </a:ext>
-                <a:ext uri="{C183D7F6-B498-43B3-948B-1728B52AA6E4}">
-                  <adec:decorative xmlns:adec="http://schemas.microsoft.com/office/drawing/2017/decorative" val="1"/>
-                </a:ext>
-              </a:extLst>
-            </p:cNvPr>
-            <p:cNvSpPr>
-              <a:spLocks/>
-            </p:cNvSpPr>
-            <p:nvPr>
-              <p:extLst>
-                <p:ext uri="{386F3935-93C4-4BCD-93E2-E3B085C9AB24}">
-                  <p16:designElem xmlns:p16="http://schemas.microsoft.com/office/powerpoint/2015/main" val="1"/>
-                </p:ext>
-              </p:extLst>
-            </p:nvPr>
+            <p:cNvPr id="29" name="Freeform 22"/>
+            <p:cNvSpPr/>
+            <p:nvPr/>
           </p:nvSpPr>
           <p:spPr bwMode="auto">
             <a:xfrm>
@@ -17784,8 +16903,6 @@
               </a:solidFill>
               <a:prstDash val="dash"/>
               <a:miter lim="800000"/>
-              <a:headEnd/>
-              <a:tailEnd/>
             </a:ln>
             <a:extLst>
               <a:ext uri="{909E8E84-426E-40DD-AFC4-6F175D3DCCD1}">
@@ -17798,11 +16915,7 @@
             </a:extLst>
           </p:spPr>
           <p:txBody>
-            <a:bodyPr vert="horz" wrap="square" lIns="91440" tIns="45720" rIns="91440" bIns="45720" numCol="1" anchor="t" anchorCtr="0" compatLnSpc="1">
-              <a:prstTxWarp prst="textNoShape">
-                <a:avLst/>
-              </a:prstTxWarp>
-            </a:bodyPr>
+            <a:bodyPr vert="horz" wrap="square" lIns="91440" tIns="45720" rIns="91440" bIns="45720" numCol="1" anchor="t" anchorCtr="0" compatLnSpc="1"/>
             <a:lstStyle/>
             <a:p>
               <a:endParaRPr lang="en-US"/>
@@ -17811,26 +16924,9 @@
         </p:sp>
         <p:sp>
           <p:nvSpPr>
-            <p:cNvPr id="30" name="Freeform 23">
-              <a:extLst>
-                <a:ext uri="{FF2B5EF4-FFF2-40B4-BE49-F238E27FC236}">
-                  <a16:creationId xmlns:a16="http://schemas.microsoft.com/office/drawing/2014/main" id="{531A2051-17DE-4E9D-9EA6-026B97B1A91C}"/>
-                </a:ext>
-                <a:ext uri="{C183D7F6-B498-43B3-948B-1728B52AA6E4}">
-                  <adec:decorative xmlns:adec="http://schemas.microsoft.com/office/drawing/2017/decorative" val="1"/>
-                </a:ext>
-              </a:extLst>
-            </p:cNvPr>
-            <p:cNvSpPr>
-              <a:spLocks/>
-            </p:cNvSpPr>
-            <p:nvPr>
-              <p:extLst>
-                <p:ext uri="{386F3935-93C4-4BCD-93E2-E3B085C9AB24}">
-                  <p16:designElem xmlns:p16="http://schemas.microsoft.com/office/powerpoint/2015/main" val="1"/>
-                </p:ext>
-              </p:extLst>
-            </p:nvPr>
+            <p:cNvPr id="30" name="Freeform 23"/>
+            <p:cNvSpPr/>
+            <p:nvPr/>
           </p:nvSpPr>
           <p:spPr bwMode="auto">
             <a:xfrm>
@@ -17877,8 +16973,6 @@
               </a:solidFill>
               <a:prstDash val="solid"/>
               <a:miter lim="800000"/>
-              <a:headEnd/>
-              <a:tailEnd/>
             </a:ln>
             <a:extLst>
               <a:ext uri="{909E8E84-426E-40DD-AFC4-6F175D3DCCD1}">
@@ -17891,11 +16985,7 @@
             </a:extLst>
           </p:spPr>
           <p:txBody>
-            <a:bodyPr vert="horz" wrap="square" lIns="91440" tIns="45720" rIns="91440" bIns="45720" numCol="1" anchor="t" anchorCtr="0" compatLnSpc="1">
-              <a:prstTxWarp prst="textNoShape">
-                <a:avLst/>
-              </a:prstTxWarp>
-            </a:bodyPr>
+            <a:bodyPr vert="horz" wrap="square" lIns="91440" tIns="45720" rIns="91440" bIns="45720" numCol="1" anchor="t" anchorCtr="0" compatLnSpc="1"/>
             <a:lstStyle/>
             <a:p>
               <a:endParaRPr lang="en-US"/>
@@ -17905,26 +16995,11 @@
       </p:grpSp>
       <p:sp>
         <p:nvSpPr>
-          <p:cNvPr id="32" name="Rectangle 31">
-            <a:extLst>
-              <a:ext uri="{FF2B5EF4-FFF2-40B4-BE49-F238E27FC236}">
-                <a16:creationId xmlns:a16="http://schemas.microsoft.com/office/drawing/2014/main" id="{CE0642A0-80D3-4F37-8249-A07E6F382831}"/>
-              </a:ext>
-              <a:ext uri="{C183D7F6-B498-43B3-948B-1728B52AA6E4}">
-                <adec:decorative xmlns:adec="http://schemas.microsoft.com/office/drawing/2017/decorative" val="1"/>
-              </a:ext>
-            </a:extLst>
-          </p:cNvPr>
+          <p:cNvPr id="32" name="Rectangle 31"/>
           <p:cNvSpPr>
             <a:spLocks noGrp="1" noRot="1" noChangeAspect="1" noMove="1" noResize="1" noEditPoints="1" noAdjustHandles="1" noChangeArrowheads="1" noChangeShapeType="1" noTextEdit="1"/>
           </p:cNvSpPr>
-          <p:nvPr>
-            <p:extLst>
-              <p:ext uri="{386F3935-93C4-4BCD-93E2-E3B085C9AB24}">
-                <p16:designElem xmlns:p16="http://schemas.microsoft.com/office/powerpoint/2015/main" val="1"/>
-              </p:ext>
-            </p:extLst>
-          </p:nvPr>
+          <p:nvPr/>
         </p:nvSpPr>
         <p:spPr>
           <a:xfrm>
@@ -17972,20 +17047,14 @@
       </p:sp>
       <p:pic>
         <p:nvPicPr>
-          <p:cNvPr id="4" name="Картина 3" descr="Картина, която съдържа Графика, лого, Шрифт, дизайн&#10;&#10;Генерирано от ИИ съдържание може да е неправилно.">
-            <a:extLst>
-              <a:ext uri="{FF2B5EF4-FFF2-40B4-BE49-F238E27FC236}">
-                <a16:creationId xmlns:a16="http://schemas.microsoft.com/office/drawing/2014/main" id="{2B1BD9C2-E0C2-0116-2590-8B4E69531460}"/>
-              </a:ext>
-            </a:extLst>
-          </p:cNvPr>
+          <p:cNvPr id="4" name="Картина 3" descr="Картина, която съдържа Графика, лого, Шрифт, дизайн&#10;&#10;Генерирано от ИИ съдържание може да е неправилно."/>
           <p:cNvPicPr>
             <a:picLocks noChangeAspect="1"/>
           </p:cNvPicPr>
           <p:nvPr/>
         </p:nvPicPr>
         <p:blipFill>
-          <a:blip r:embed="rId2"/>
+          <a:blip r:embed="rId1"/>
           <a:stretch>
             <a:fillRect/>
           </a:stretch>
@@ -18005,26 +17074,11 @@
       </p:pic>
       <p:grpSp>
         <p:nvGrpSpPr>
-          <p:cNvPr id="34" name="Group 33">
-            <a:extLst>
-              <a:ext uri="{FF2B5EF4-FFF2-40B4-BE49-F238E27FC236}">
-                <a16:creationId xmlns:a16="http://schemas.microsoft.com/office/drawing/2014/main" id="{FA760135-24A9-40C9-B45F-2EB5B6420E41}"/>
-              </a:ext>
-              <a:ext uri="{C183D7F6-B498-43B3-948B-1728B52AA6E4}">
-                <adec:decorative xmlns:adec="http://schemas.microsoft.com/office/drawing/2017/decorative" val="1"/>
-              </a:ext>
-            </a:extLst>
-          </p:cNvPr>
+          <p:cNvPr id="34" name="Group 33"/>
           <p:cNvGrpSpPr>
-            <a:grpSpLocks noGrp="1" noUngrp="1" noRot="1" noChangeAspect="1" noMove="1" noResize="1"/>
+            <a:grpSpLocks noGrp="1" noRot="1" noChangeAspect="1" noMove="1" noResize="1" noUngrp="1"/>
           </p:cNvGrpSpPr>
-          <p:nvPr>
-            <p:extLst>
-              <p:ext uri="{386F3935-93C4-4BCD-93E2-E3B085C9AB24}">
-                <p16:designElem xmlns:p16="http://schemas.microsoft.com/office/powerpoint/2015/main" val="1"/>
-              </p:ext>
-            </p:extLst>
-          </p:nvPr>
+          <p:nvPr/>
         </p:nvGrpSpPr>
         <p:grpSpPr>
           <a:xfrm>
@@ -18036,24 +17090,9 @@
         </p:grpSpPr>
         <p:sp>
           <p:nvSpPr>
-            <p:cNvPr id="35" name="Isosceles Triangle 39">
-              <a:extLst>
-                <a:ext uri="{FF2B5EF4-FFF2-40B4-BE49-F238E27FC236}">
-                  <a16:creationId xmlns:a16="http://schemas.microsoft.com/office/drawing/2014/main" id="{20E3CEE0-0CB3-421F-99FC-4585E62437DD}"/>
-                </a:ext>
-                <a:ext uri="{C183D7F6-B498-43B3-948B-1728B52AA6E4}">
-                  <adec:decorative xmlns:adec="http://schemas.microsoft.com/office/drawing/2017/decorative" val="1"/>
-                </a:ext>
-              </a:extLst>
-            </p:cNvPr>
-            <p:cNvSpPr/>
-            <p:nvPr>
-              <p:extLst>
-                <p:ext uri="{386F3935-93C4-4BCD-93E2-E3B085C9AB24}">
-                  <p16:designElem xmlns:p16="http://schemas.microsoft.com/office/powerpoint/2015/main" val="1"/>
-                </p:ext>
-              </p:extLst>
-            </p:nvPr>
+            <p:cNvPr id="35" name="Isosceles Triangle 39"/>
+            <p:cNvSpPr/>
+            <p:nvPr/>
           </p:nvSpPr>
           <p:spPr>
             <a:xfrm rot="10800000">
@@ -18097,24 +17136,9 @@
         </p:sp>
         <p:sp>
           <p:nvSpPr>
-            <p:cNvPr id="36" name="Rectangle 35">
-              <a:extLst>
-                <a:ext uri="{FF2B5EF4-FFF2-40B4-BE49-F238E27FC236}">
-                  <a16:creationId xmlns:a16="http://schemas.microsoft.com/office/drawing/2014/main" id="{4346BB80-2556-4779-9642-5706CAA33CBB}"/>
-                </a:ext>
-                <a:ext uri="{C183D7F6-B498-43B3-948B-1728B52AA6E4}">
-                  <adec:decorative xmlns:adec="http://schemas.microsoft.com/office/drawing/2017/decorative" val="1"/>
-                </a:ext>
-              </a:extLst>
-            </p:cNvPr>
-            <p:cNvSpPr/>
-            <p:nvPr>
-              <p:extLst>
-                <p:ext uri="{386F3935-93C4-4BCD-93E2-E3B085C9AB24}">
-                  <p16:designElem xmlns:p16="http://schemas.microsoft.com/office/powerpoint/2015/main" val="1"/>
-                </p:ext>
-              </p:extLst>
-            </p:nvPr>
+            <p:cNvPr id="36" name="Rectangle 35"/>
+            <p:cNvSpPr/>
+            <p:nvPr/>
           </p:nvSpPr>
           <p:spPr>
             <a:xfrm>
@@ -18181,24 +17205,19 @@
           <a:p>
             <a:r>
               <a:rPr lang="bg-BG" sz="4000" b="1" err="1">
-                <a:ea typeface="Calibri Light"/>
-                <a:cs typeface="Calibri Light"/>
+                <a:ea typeface="Calibri Light" panose="020F0302020204030204"/>
+                <a:cs typeface="Calibri Light" panose="020F0302020204030204"/>
               </a:rPr>
               <a:t>Presentation</a:t>
             </a:r>
             <a:endParaRPr lang="bg-BG" sz="4000" b="1">
-              <a:ea typeface="Calibri Light"/>
-              <a:cs typeface="Calibri Light"/>
+              <a:ea typeface="Calibri Light" panose="020F0302020204030204"/>
+              <a:cs typeface="Calibri Light" panose="020F0302020204030204"/>
             </a:endParaRPr>
           </a:p>
         </p:txBody>
       </p:sp>
     </p:spTree>
-    <p:extLst>
-      <p:ext uri="{BB962C8B-B14F-4D97-AF65-F5344CB8AC3E}">
-        <p14:creationId xmlns:p14="http://schemas.microsoft.com/office/powerpoint/2010/main" val="1748730107"/>
-      </p:ext>
-    </p:extLst>
   </p:cSld>
   <p:clrMapOvr>
     <a:masterClrMapping/>
@@ -18225,13 +17244,7 @@
       </p:grpSpPr>
       <p:sp>
         <p:nvSpPr>
-          <p:cNvPr id="2" name="Title 1">
-            <a:extLst>
-              <a:ext uri="{FF2B5EF4-FFF2-40B4-BE49-F238E27FC236}">
-                <a16:creationId xmlns:a16="http://schemas.microsoft.com/office/drawing/2014/main" id="{21BACAC9-7884-2BA9-2EB3-B61E90AAED8F}"/>
-              </a:ext>
-            </a:extLst>
-          </p:cNvPr>
+          <p:cNvPr id="2" name="Title 1"/>
           <p:cNvSpPr>
             <a:spLocks noGrp="1"/>
           </p:cNvSpPr>
@@ -18246,29 +17259,29 @@
           <a:p>
             <a:r>
               <a:rPr lang="bg-BG" dirty="0" err="1">
-                <a:ea typeface="Calibri Light"/>
-                <a:cs typeface="Calibri Light"/>
+                <a:ea typeface="Calibri Light" panose="020F0302020204030204"/>
+                <a:cs typeface="Calibri Light" panose="020F0302020204030204"/>
               </a:rPr>
               <a:t>Our</a:t>
             </a:r>
             <a:r>
               <a:rPr lang="bg-BG" dirty="0">
-                <a:ea typeface="Calibri Light"/>
-                <a:cs typeface="Calibri Light"/>
+                <a:ea typeface="Calibri Light" panose="020F0302020204030204"/>
+                <a:cs typeface="Calibri Light" panose="020F0302020204030204"/>
               </a:rPr>
               <a:t> </a:t>
             </a:r>
             <a:r>
               <a:rPr lang="bg-BG" dirty="0" err="1">
-                <a:ea typeface="Calibri Light"/>
-                <a:cs typeface="Calibri Light"/>
+                <a:ea typeface="Calibri Light" panose="020F0302020204030204"/>
+                <a:cs typeface="Calibri Light" panose="020F0302020204030204"/>
               </a:rPr>
               <a:t>members</a:t>
             </a:r>
             <a:r>
               <a:rPr lang="bg-BG" dirty="0">
-                <a:ea typeface="Calibri Light"/>
-                <a:cs typeface="Calibri Light"/>
+                <a:ea typeface="Calibri Light" panose="020F0302020204030204"/>
+                <a:cs typeface="Calibri Light" panose="020F0302020204030204"/>
               </a:rPr>
               <a:t>:</a:t>
             </a:r>
@@ -18278,13 +17291,7 @@
       </p:sp>
       <p:sp>
         <p:nvSpPr>
-          <p:cNvPr id="3" name="Content Placeholder 2">
-            <a:extLst>
-              <a:ext uri="{FF2B5EF4-FFF2-40B4-BE49-F238E27FC236}">
-                <a16:creationId xmlns:a16="http://schemas.microsoft.com/office/drawing/2014/main" id="{293AC77B-5C06-969C-01CC-61228F5093AE}"/>
-              </a:ext>
-            </a:extLst>
-          </p:cNvPr>
+          <p:cNvPr id="3" name="Content Placeholder 2"/>
           <p:cNvSpPr>
             <a:spLocks noGrp="1"/>
           </p:cNvSpPr>
@@ -18338,13 +17345,41 @@
       </p:sp>
       <p:pic>
         <p:nvPicPr>
-          <p:cNvPr id="4" name="Картина 3" descr="Картина, която съдържа човек, Човешко лице, вежда, устна&#10;&#10;Генерирано от ИИ съдържание може да е неправилно.">
-            <a:extLst>
-              <a:ext uri="{FF2B5EF4-FFF2-40B4-BE49-F238E27FC236}">
-                <a16:creationId xmlns:a16="http://schemas.microsoft.com/office/drawing/2014/main" id="{813F7646-3357-3C3B-6B1C-B3DE8C1062C4}"/>
-              </a:ext>
-            </a:extLst>
-          </p:cNvPr>
+          <p:cNvPr id="4" name="Картина 3" descr="Картина, която съдържа човек, Човешко лице, вежда, устна&#10;&#10;Генерирано от ИИ съдържание може да е неправилно."/>
+          <p:cNvPicPr>
+            <a:picLocks noChangeAspect="1"/>
+          </p:cNvPicPr>
+          <p:nvPr/>
+        </p:nvPicPr>
+        <p:blipFill>
+          <a:blip r:embed="rId1"/>
+          <a:stretch>
+            <a:fillRect/>
+          </a:stretch>
+        </p:blipFill>
+        <p:spPr>
+          <a:xfrm>
+            <a:off x="5106995" y="2910825"/>
+            <a:ext cx="2005913" cy="1906802"/>
+          </a:xfrm>
+          <a:prstGeom prst="rect">
+            <a:avLst/>
+          </a:prstGeom>
+          <a:ln>
+            <a:noFill/>
+          </a:ln>
+          <a:effectLst>
+            <a:outerShdw blurRad="190500" algn="tl" rotWithShape="0">
+              <a:srgbClr val="000000">
+                <a:alpha val="70000"/>
+              </a:srgbClr>
+            </a:outerShdw>
+          </a:effectLst>
+        </p:spPr>
+      </p:pic>
+      <p:pic>
+        <p:nvPicPr>
+          <p:cNvPr id="5" name="Картина 4" descr="Картина, която съдържа човек, дрехи, врат, Човешко лице&#10;&#10;Генерирано от ИИ съдържание може да е неправилно."/>
           <p:cNvPicPr>
             <a:picLocks noChangeAspect="1"/>
           </p:cNvPicPr>
@@ -18358,46 +17393,6 @@
         </p:blipFill>
         <p:spPr>
           <a:xfrm>
-            <a:off x="5106995" y="2910825"/>
-            <a:ext cx="2005913" cy="1906802"/>
-          </a:xfrm>
-          <a:prstGeom prst="rect">
-            <a:avLst/>
-          </a:prstGeom>
-          <a:ln>
-            <a:noFill/>
-          </a:ln>
-          <a:effectLst>
-            <a:outerShdw blurRad="190500" algn="tl" rotWithShape="0">
-              <a:srgbClr val="000000">
-                <a:alpha val="70000"/>
-              </a:srgbClr>
-            </a:outerShdw>
-          </a:effectLst>
-        </p:spPr>
-      </p:pic>
-      <p:pic>
-        <p:nvPicPr>
-          <p:cNvPr id="5" name="Картина 4" descr="Картина, която съдържа човек, дрехи, врат, Човешко лице&#10;&#10;Генерирано от ИИ съдържание може да е неправилно.">
-            <a:extLst>
-              <a:ext uri="{FF2B5EF4-FFF2-40B4-BE49-F238E27FC236}">
-                <a16:creationId xmlns:a16="http://schemas.microsoft.com/office/drawing/2014/main" id="{77F99011-B98C-8CA3-EFE8-92AB39D58E52}"/>
-              </a:ext>
-            </a:extLst>
-          </p:cNvPr>
-          <p:cNvPicPr>
-            <a:picLocks noChangeAspect="1"/>
-          </p:cNvPicPr>
-          <p:nvPr/>
-        </p:nvPicPr>
-        <p:blipFill>
-          <a:blip r:embed="rId3"/>
-          <a:stretch>
-            <a:fillRect/>
-          </a:stretch>
-        </p:blipFill>
-        <p:spPr>
-          <a:xfrm>
             <a:off x="5104886" y="429914"/>
             <a:ext cx="1992526" cy="1920446"/>
           </a:xfrm>
@@ -18418,13 +17413,7 @@
       </p:pic>
       <p:sp>
         <p:nvSpPr>
-          <p:cNvPr id="6" name="Текстово поле 5">
-            <a:extLst>
-              <a:ext uri="{FF2B5EF4-FFF2-40B4-BE49-F238E27FC236}">
-                <a16:creationId xmlns:a16="http://schemas.microsoft.com/office/drawing/2014/main" id="{80314879-CFF1-A98B-6F33-1C4D3C0FC182}"/>
-              </a:ext>
-            </a:extLst>
-          </p:cNvPr>
+          <p:cNvPr id="6" name="Текстово поле 5"/>
           <p:cNvSpPr txBox="1"/>
           <p:nvPr/>
         </p:nvSpPr>
@@ -18440,9 +17429,6 @@
         </p:spPr>
         <p:txBody>
           <a:bodyPr rot="0" spcFirstLastPara="0" vertOverflow="overflow" horzOverflow="overflow" vert="horz" wrap="square" lIns="91440" tIns="45720" rIns="91440" bIns="45720" numCol="1" spcCol="0" rtlCol="0" fromWordArt="0" anchor="t" anchorCtr="0" forceAA="0" compatLnSpc="1">
-            <a:prstTxWarp prst="textNoShape">
-              <a:avLst/>
-            </a:prstTxWarp>
             <a:spAutoFit/>
           </a:bodyPr>
           <a:lstStyle/>
@@ -18470,18 +17456,17 @@
               </a:rPr>
               <a:t>9G</a:t>
             </a:r>
+            <a:endParaRPr lang="bg-BG" sz="2000" dirty="0">
+              <a:solidFill>
+                <a:srgbClr val="0070C0"/>
+              </a:solidFill>
+            </a:endParaRPr>
           </a:p>
         </p:txBody>
       </p:sp>
       <p:sp>
         <p:nvSpPr>
-          <p:cNvPr id="7" name="Текстово поле 6">
-            <a:extLst>
-              <a:ext uri="{FF2B5EF4-FFF2-40B4-BE49-F238E27FC236}">
-                <a16:creationId xmlns:a16="http://schemas.microsoft.com/office/drawing/2014/main" id="{7D35330F-563C-2224-DB54-1D753348675F}"/>
-              </a:ext>
-            </a:extLst>
-          </p:cNvPr>
+          <p:cNvPr id="7" name="Текстово поле 6"/>
           <p:cNvSpPr txBox="1"/>
           <p:nvPr/>
         </p:nvSpPr>
@@ -18497,9 +17482,6 @@
         </p:spPr>
         <p:txBody>
           <a:bodyPr rot="0" spcFirstLastPara="0" vertOverflow="overflow" horzOverflow="overflow" vert="horz" wrap="square" lIns="91440" tIns="45720" rIns="91440" bIns="45720" numCol="1" spcCol="0" rtlCol="0" fromWordArt="0" anchor="t" anchorCtr="0" forceAA="0" compatLnSpc="1">
-            <a:prstTxWarp prst="textNoShape">
-              <a:avLst/>
-            </a:prstTxWarp>
             <a:spAutoFit/>
           </a:bodyPr>
           <a:lstStyle/>
@@ -18527,18 +17509,17 @@
               </a:rPr>
               <a:t>9A</a:t>
             </a:r>
+            <a:endParaRPr lang="bg-BG" sz="2000" dirty="0">
+              <a:solidFill>
+                <a:srgbClr val="FFFF00"/>
+              </a:solidFill>
+            </a:endParaRPr>
           </a:p>
         </p:txBody>
       </p:sp>
       <p:sp>
         <p:nvSpPr>
-          <p:cNvPr id="8" name="Текстово поле 7">
-            <a:extLst>
-              <a:ext uri="{FF2B5EF4-FFF2-40B4-BE49-F238E27FC236}">
-                <a16:creationId xmlns:a16="http://schemas.microsoft.com/office/drawing/2014/main" id="{42038D4D-36A2-31C3-7CBB-F2766C75DF88}"/>
-              </a:ext>
-            </a:extLst>
-          </p:cNvPr>
+          <p:cNvPr id="8" name="Текстово поле 7"/>
           <p:cNvSpPr txBox="1"/>
           <p:nvPr/>
         </p:nvSpPr>
@@ -18554,15 +17535,12 @@
         </p:spPr>
         <p:txBody>
           <a:bodyPr rot="0" spcFirstLastPara="0" vertOverflow="overflow" horzOverflow="overflow" vert="horz" wrap="square" lIns="91440" tIns="45720" rIns="91440" bIns="45720" numCol="1" spcCol="0" rtlCol="0" fromWordArt="0" anchor="t" anchorCtr="0" forceAA="0" compatLnSpc="1">
-            <a:prstTxWarp prst="textNoShape">
-              <a:avLst/>
-            </a:prstTxWarp>
             <a:spAutoFit/>
           </a:bodyPr>
           <a:lstStyle/>
           <a:p>
             <a:pPr marL="342900" indent="-342900">
-              <a:buFont typeface="Wingdings"/>
+              <a:buFont typeface="Wingdings" panose="05000000000000000000"/>
               <a:buChar char="§"/>
             </a:pPr>
             <a:r>
@@ -18590,11 +17568,6 @@
         </p:txBody>
       </p:sp>
     </p:spTree>
-    <p:extLst>
-      <p:ext uri="{BB962C8B-B14F-4D97-AF65-F5344CB8AC3E}">
-        <p14:creationId xmlns:p14="http://schemas.microsoft.com/office/powerpoint/2010/main" val="2017460704"/>
-      </p:ext>
-    </p:extLst>
   </p:cSld>
   <p:clrMapOvr>
     <a:masterClrMapping/>
@@ -18621,13 +17594,41 @@
       </p:grpSpPr>
       <p:pic>
         <p:nvPicPr>
-          <p:cNvPr id="9" name="Картина 8" descr="Картина, която съдържа анимирана рисунка&#10;&#10;Генерирано от ИИ съдържание може да е неправилно.">
-            <a:extLst>
-              <a:ext uri="{FF2B5EF4-FFF2-40B4-BE49-F238E27FC236}">
-                <a16:creationId xmlns:a16="http://schemas.microsoft.com/office/drawing/2014/main" id="{9BAFE061-C59E-9ACD-D9EA-39DF99C9106F}"/>
-              </a:ext>
-            </a:extLst>
-          </p:cNvPr>
+          <p:cNvPr id="9" name="Картина 8" descr="Картина, която съдържа анимирана рисунка&#10;&#10;Генерирано от ИИ съдържание може да е неправилно."/>
+          <p:cNvPicPr>
+            <a:picLocks noChangeAspect="1"/>
+          </p:cNvPicPr>
+          <p:nvPr/>
+        </p:nvPicPr>
+        <p:blipFill>
+          <a:blip r:embed="rId1"/>
+          <a:stretch>
+            <a:fillRect/>
+          </a:stretch>
+        </p:blipFill>
+        <p:spPr>
+          <a:xfrm>
+            <a:off x="6868297" y="4242486"/>
+            <a:ext cx="1606378" cy="1699054"/>
+          </a:xfrm>
+          <a:prstGeom prst="rect">
+            <a:avLst/>
+          </a:prstGeom>
+          <a:ln>
+            <a:noFill/>
+          </a:ln>
+          <a:effectLst>
+            <a:outerShdw blurRad="190500" algn="tl" rotWithShape="0">
+              <a:srgbClr val="000000">
+                <a:alpha val="70000"/>
+              </a:srgbClr>
+            </a:outerShdw>
+          </a:effectLst>
+        </p:spPr>
+      </p:pic>
+      <p:pic>
+        <p:nvPicPr>
+          <p:cNvPr id="7" name="Картина 6" descr="Картина, която съдържа лого, символ, Електриково синьо, екранна снимка&#10;&#10;Генерирано от ИИ съдържание може да е неправилно."/>
           <p:cNvPicPr>
             <a:picLocks noChangeAspect="1"/>
           </p:cNvPicPr>
@@ -18641,46 +17642,6 @@
         </p:blipFill>
         <p:spPr>
           <a:xfrm>
-            <a:off x="6868297" y="4242486"/>
-            <a:ext cx="1606378" cy="1699054"/>
-          </a:xfrm>
-          <a:prstGeom prst="rect">
-            <a:avLst/>
-          </a:prstGeom>
-          <a:ln>
-            <a:noFill/>
-          </a:ln>
-          <a:effectLst>
-            <a:outerShdw blurRad="190500" algn="tl" rotWithShape="0">
-              <a:srgbClr val="000000">
-                <a:alpha val="70000"/>
-              </a:srgbClr>
-            </a:outerShdw>
-          </a:effectLst>
-        </p:spPr>
-      </p:pic>
-      <p:pic>
-        <p:nvPicPr>
-          <p:cNvPr id="7" name="Картина 6" descr="Картина, която съдържа лого, символ, Електриково синьо, екранна снимка&#10;&#10;Генерирано от ИИ съдържание може да е неправилно.">
-            <a:extLst>
-              <a:ext uri="{FF2B5EF4-FFF2-40B4-BE49-F238E27FC236}">
-                <a16:creationId xmlns:a16="http://schemas.microsoft.com/office/drawing/2014/main" id="{F66102B0-109C-1D5F-6485-A892FC72E44A}"/>
-              </a:ext>
-            </a:extLst>
-          </p:cNvPr>
-          <p:cNvPicPr>
-            <a:picLocks noChangeAspect="1"/>
-          </p:cNvPicPr>
-          <p:nvPr/>
-        </p:nvPicPr>
-        <p:blipFill>
-          <a:blip r:embed="rId3"/>
-          <a:stretch>
-            <a:fillRect/>
-          </a:stretch>
-        </p:blipFill>
-        <p:spPr>
-          <a:xfrm>
             <a:off x="6192408" y="2753110"/>
             <a:ext cx="1331183" cy="1351777"/>
           </a:xfrm>
@@ -18701,13 +17662,7 @@
       </p:pic>
       <p:sp>
         <p:nvSpPr>
-          <p:cNvPr id="2" name="Title 1">
-            <a:extLst>
-              <a:ext uri="{FF2B5EF4-FFF2-40B4-BE49-F238E27FC236}">
-                <a16:creationId xmlns:a16="http://schemas.microsoft.com/office/drawing/2014/main" id="{16D22FF0-B406-8325-1B22-C88B4E98F9CB}"/>
-              </a:ext>
-            </a:extLst>
-          </p:cNvPr>
+          <p:cNvPr id="2" name="Title 1"/>
           <p:cNvSpPr>
             <a:spLocks noGrp="1"/>
           </p:cNvSpPr>
@@ -18727,22 +17682,22 @@
           <a:p>
             <a:r>
               <a:rPr lang="bg-BG" dirty="0" err="1">
-                <a:ea typeface="Calibri Light"/>
-                <a:cs typeface="Calibri Light"/>
+                <a:ea typeface="Calibri Light" panose="020F0302020204030204"/>
+                <a:cs typeface="Calibri Light" panose="020F0302020204030204"/>
               </a:rPr>
               <a:t>Used</a:t>
             </a:r>
             <a:r>
               <a:rPr lang="bg-BG" dirty="0">
-                <a:ea typeface="Calibri Light"/>
-                <a:cs typeface="Calibri Light"/>
+                <a:ea typeface="Calibri Light" panose="020F0302020204030204"/>
+                <a:cs typeface="Calibri Light" panose="020F0302020204030204"/>
               </a:rPr>
               <a:t> Technologies/</a:t>
             </a:r>
             <a:r>
               <a:rPr lang="bg-BG" dirty="0" err="1">
-                <a:ea typeface="Calibri Light"/>
-                <a:cs typeface="Calibri Light"/>
+                <a:ea typeface="Calibri Light" panose="020F0302020204030204"/>
+                <a:cs typeface="Calibri Light" panose="020F0302020204030204"/>
               </a:rPr>
               <a:t>Apps</a:t>
             </a:r>
@@ -18752,13 +17707,7 @@
       </p:sp>
       <p:pic>
         <p:nvPicPr>
-          <p:cNvPr id="4" name="Content Placeholder 3" descr="Картина, която съдържа черен, тъмнина&#10;&#10;Генерирано от ИИ съдържание може да е неправилно.">
-            <a:extLst>
-              <a:ext uri="{FF2B5EF4-FFF2-40B4-BE49-F238E27FC236}">
-                <a16:creationId xmlns:a16="http://schemas.microsoft.com/office/drawing/2014/main" id="{DE28B5F7-6032-9994-3965-5403F14C08E5}"/>
-              </a:ext>
-            </a:extLst>
-          </p:cNvPr>
+          <p:cNvPr id="4" name="Content Placeholder 3" descr="Картина, която съдържа черен, тъмнина&#10;&#10;Генерирано от ИИ съдържание може да е неправилно."/>
           <p:cNvPicPr>
             <a:picLocks noGrp="1" noChangeAspect="1"/>
           </p:cNvPicPr>
@@ -18767,7 +17716,7 @@
           </p:nvPr>
         </p:nvPicPr>
         <p:blipFill>
-          <a:blip r:embed="rId4"/>
+          <a:blip r:embed="rId3"/>
           <a:stretch>
             <a:fillRect/>
           </a:stretch>
@@ -18794,13 +17743,41 @@
       </p:pic>
       <p:pic>
         <p:nvPicPr>
-          <p:cNvPr id="6" name="Картина 5" descr="Картина, която съдържа екранна снимка, Графика, символ, дизайн&#10;&#10;Генерирано от ИИ съдържание може да е неправилно.">
-            <a:extLst>
-              <a:ext uri="{FF2B5EF4-FFF2-40B4-BE49-F238E27FC236}">
-                <a16:creationId xmlns:a16="http://schemas.microsoft.com/office/drawing/2014/main" id="{00554127-5CDB-B9EF-4386-701E7EBD96DD}"/>
-              </a:ext>
-            </a:extLst>
-          </p:cNvPr>
+          <p:cNvPr id="6" name="Картина 5" descr="Картина, която съдържа екранна снимка, Графика, символ, дизайн&#10;&#10;Генерирано от ИИ съдържание може да е неправилно."/>
+          <p:cNvPicPr>
+            <a:picLocks noChangeAspect="1"/>
+          </p:cNvPicPr>
+          <p:nvPr/>
+        </p:nvPicPr>
+        <p:blipFill>
+          <a:blip r:embed="rId4"/>
+          <a:stretch>
+            <a:fillRect/>
+          </a:stretch>
+        </p:blipFill>
+        <p:spPr>
+          <a:xfrm>
+            <a:off x="5508024" y="2192295"/>
+            <a:ext cx="1351005" cy="1351005"/>
+          </a:xfrm>
+          <a:prstGeom prst="rect">
+            <a:avLst/>
+          </a:prstGeom>
+          <a:ln>
+            <a:noFill/>
+          </a:ln>
+          <a:effectLst>
+            <a:outerShdw blurRad="190500" algn="tl" rotWithShape="0">
+              <a:srgbClr val="000000">
+                <a:alpha val="70000"/>
+              </a:srgbClr>
+            </a:outerShdw>
+          </a:effectLst>
+        </p:spPr>
+      </p:pic>
+      <p:pic>
+        <p:nvPicPr>
+          <p:cNvPr id="8" name="Картина 7" descr="Картина, която съдържа лого, символ, Графика, Шрифт&#10;&#10;Генерирано от ИИ съдържание може да е неправилно."/>
           <p:cNvPicPr>
             <a:picLocks noChangeAspect="1"/>
           </p:cNvPicPr>
@@ -18814,46 +17791,6 @@
         </p:blipFill>
         <p:spPr>
           <a:xfrm>
-            <a:off x="5508024" y="2192295"/>
-            <a:ext cx="1351005" cy="1351005"/>
-          </a:xfrm>
-          <a:prstGeom prst="rect">
-            <a:avLst/>
-          </a:prstGeom>
-          <a:ln>
-            <a:noFill/>
-          </a:ln>
-          <a:effectLst>
-            <a:outerShdw blurRad="190500" algn="tl" rotWithShape="0">
-              <a:srgbClr val="000000">
-                <a:alpha val="70000"/>
-              </a:srgbClr>
-            </a:outerShdw>
-          </a:effectLst>
-        </p:spPr>
-      </p:pic>
-      <p:pic>
-        <p:nvPicPr>
-          <p:cNvPr id="8" name="Картина 7" descr="Картина, която съдържа лого, символ, Графика, Шрифт&#10;&#10;Генерирано от ИИ съдържание може да е неправилно.">
-            <a:extLst>
-              <a:ext uri="{FF2B5EF4-FFF2-40B4-BE49-F238E27FC236}">
-                <a16:creationId xmlns:a16="http://schemas.microsoft.com/office/drawing/2014/main" id="{1C618301-C44A-466F-B4B8-4A1F8DB6DE3D}"/>
-              </a:ext>
-            </a:extLst>
-          </p:cNvPr>
-          <p:cNvPicPr>
-            <a:picLocks noChangeAspect="1"/>
-          </p:cNvPicPr>
-          <p:nvPr/>
-        </p:nvPicPr>
-        <p:blipFill>
-          <a:blip r:embed="rId6"/>
-          <a:stretch>
-            <a:fillRect/>
-          </a:stretch>
-        </p:blipFill>
-        <p:spPr>
-          <a:xfrm>
             <a:off x="6248014" y="4981446"/>
             <a:ext cx="1703945" cy="1703945"/>
           </a:xfrm>
@@ -18874,13 +17811,7 @@
       </p:pic>
       <p:sp>
         <p:nvSpPr>
-          <p:cNvPr id="10" name="Текстово поле 9">
-            <a:extLst>
-              <a:ext uri="{FF2B5EF4-FFF2-40B4-BE49-F238E27FC236}">
-                <a16:creationId xmlns:a16="http://schemas.microsoft.com/office/drawing/2014/main" id="{711661CE-1153-E229-7D3B-40F0CD53D82E}"/>
-              </a:ext>
-            </a:extLst>
-          </p:cNvPr>
+          <p:cNvPr id="10" name="Текстово поле 9"/>
           <p:cNvSpPr txBox="1"/>
           <p:nvPr/>
         </p:nvSpPr>
@@ -18896,9 +17827,6 @@
         </p:spPr>
         <p:txBody>
           <a:bodyPr rot="0" spcFirstLastPara="0" vertOverflow="overflow" horzOverflow="overflow" vert="horz" wrap="square" lIns="91440" tIns="45720" rIns="91440" bIns="45720" numCol="1" spcCol="0" rtlCol="0" fromWordArt="0" anchor="t" anchorCtr="0" forceAA="0" compatLnSpc="1">
-            <a:prstTxWarp prst="textNoShape">
-              <a:avLst/>
-            </a:prstTxWarp>
             <a:spAutoFit/>
           </a:bodyPr>
           <a:lstStyle/>
@@ -18972,20 +17900,14 @@
       </p:sp>
       <p:pic>
         <p:nvPicPr>
-          <p:cNvPr id="11" name="Картина 10" descr="Visual Studio Code Logo Transparent">
-            <a:extLst>
-              <a:ext uri="{FF2B5EF4-FFF2-40B4-BE49-F238E27FC236}">
-                <a16:creationId xmlns:a16="http://schemas.microsoft.com/office/drawing/2014/main" id="{B0F82C15-65F4-4709-66FC-C68687A7F595}"/>
-              </a:ext>
-            </a:extLst>
-          </p:cNvPr>
+          <p:cNvPr id="11" name="Картина 10" descr="Visual Studio Code Logo Transparent"/>
           <p:cNvPicPr>
             <a:picLocks noChangeAspect="1"/>
           </p:cNvPicPr>
           <p:nvPr/>
         </p:nvPicPr>
         <p:blipFill>
-          <a:blip r:embed="rId7"/>
+          <a:blip r:embed="rId6"/>
           <a:stretch>
             <a:fillRect/>
           </a:stretch>
@@ -19012,13 +17934,7 @@
       </p:pic>
       <p:sp>
         <p:nvSpPr>
-          <p:cNvPr id="13" name="Текстово поле 12">
-            <a:extLst>
-              <a:ext uri="{FF2B5EF4-FFF2-40B4-BE49-F238E27FC236}">
-                <a16:creationId xmlns:a16="http://schemas.microsoft.com/office/drawing/2014/main" id="{A3C20350-A06B-8FA7-151F-489E73A43BB0}"/>
-              </a:ext>
-            </a:extLst>
-          </p:cNvPr>
+          <p:cNvPr id="13" name="Текстово поле 12"/>
           <p:cNvSpPr txBox="1"/>
           <p:nvPr/>
         </p:nvSpPr>
@@ -19034,9 +17950,6 @@
         </p:spPr>
         <p:txBody>
           <a:bodyPr rot="0" spcFirstLastPara="0" vertOverflow="overflow" horzOverflow="overflow" vert="horz" wrap="square" lIns="91440" tIns="45720" rIns="91440" bIns="45720" numCol="1" spcCol="0" rtlCol="0" fromWordArt="0" anchor="t" anchorCtr="0" forceAA="0" compatLnSpc="1">
-            <a:prstTxWarp prst="textNoShape">
-              <a:avLst/>
-            </a:prstTxWarp>
             <a:spAutoFit/>
           </a:bodyPr>
           <a:lstStyle/>
@@ -19127,13 +18040,7 @@
       </p:sp>
       <p:sp>
         <p:nvSpPr>
-          <p:cNvPr id="14" name="Текстово поле 13">
-            <a:extLst>
-              <a:ext uri="{FF2B5EF4-FFF2-40B4-BE49-F238E27FC236}">
-                <a16:creationId xmlns:a16="http://schemas.microsoft.com/office/drawing/2014/main" id="{6AD1FF33-EC11-F22D-2787-7ABA063F5F4C}"/>
-              </a:ext>
-            </a:extLst>
-          </p:cNvPr>
+          <p:cNvPr id="14" name="Текстово поле 13"/>
           <p:cNvSpPr txBox="1"/>
           <p:nvPr/>
         </p:nvSpPr>
@@ -19149,9 +18056,6 @@
         </p:spPr>
         <p:txBody>
           <a:bodyPr rot="0" spcFirstLastPara="0" vertOverflow="overflow" horzOverflow="overflow" vert="horz" wrap="square" lIns="91440" tIns="45720" rIns="91440" bIns="45720" numCol="1" spcCol="0" rtlCol="0" fromWordArt="0" anchor="t" anchorCtr="0" forceAA="0" compatLnSpc="1">
-            <a:prstTxWarp prst="textNoShape">
-              <a:avLst/>
-            </a:prstTxWarp>
             <a:spAutoFit/>
           </a:bodyPr>
           <a:lstStyle/>
@@ -19218,13 +18122,7 @@
       </p:sp>
       <p:sp>
         <p:nvSpPr>
-          <p:cNvPr id="16" name="Текстово поле 15">
-            <a:extLst>
-              <a:ext uri="{FF2B5EF4-FFF2-40B4-BE49-F238E27FC236}">
-                <a16:creationId xmlns:a16="http://schemas.microsoft.com/office/drawing/2014/main" id="{0FF29F02-5F5E-2A10-92F2-D1FEE9E25CFD}"/>
-              </a:ext>
-            </a:extLst>
-          </p:cNvPr>
+          <p:cNvPr id="16" name="Текстово поле 15"/>
           <p:cNvSpPr txBox="1"/>
           <p:nvPr/>
         </p:nvSpPr>
@@ -19240,9 +18138,6 @@
         </p:spPr>
         <p:txBody>
           <a:bodyPr rot="0" spcFirstLastPara="0" vertOverflow="overflow" horzOverflow="overflow" vert="horz" wrap="square" lIns="91440" tIns="45720" rIns="91440" bIns="45720" numCol="1" spcCol="0" rtlCol="0" fromWordArt="0" anchor="t" anchorCtr="0" forceAA="0" compatLnSpc="1">
-            <a:prstTxWarp prst="textNoShape">
-              <a:avLst/>
-            </a:prstTxWarp>
             <a:spAutoFit/>
           </a:bodyPr>
           <a:lstStyle/>
@@ -19297,15 +18192,11 @@
               <a:rPr lang="bg-BG" sz="2400" dirty="0"/>
               <a:t> </a:t>
             </a:r>
+            <a:endParaRPr lang="bg-BG" sz="2400" dirty="0"/>
           </a:p>
         </p:txBody>
       </p:sp>
     </p:spTree>
-    <p:extLst>
-      <p:ext uri="{BB962C8B-B14F-4D97-AF65-F5344CB8AC3E}">
-        <p14:creationId xmlns:p14="http://schemas.microsoft.com/office/powerpoint/2010/main" val="1179097569"/>
-      </p:ext>
-    </p:extLst>
   </p:cSld>
   <p:clrMapOvr>
     <a:masterClrMapping/>
@@ -19332,13 +18223,7 @@
       </p:grpSpPr>
       <p:sp>
         <p:nvSpPr>
-          <p:cNvPr id="2" name="Title 1">
-            <a:extLst>
-              <a:ext uri="{FF2B5EF4-FFF2-40B4-BE49-F238E27FC236}">
-                <a16:creationId xmlns:a16="http://schemas.microsoft.com/office/drawing/2014/main" id="{A3DCF63F-49CE-46A9-9819-855F8B022D77}"/>
-              </a:ext>
-            </a:extLst>
-          </p:cNvPr>
+          <p:cNvPr id="2" name="Title 1"/>
           <p:cNvSpPr>
             <a:spLocks noGrp="1"/>
           </p:cNvSpPr>
@@ -19353,43 +18238,43 @@
           <a:p>
             <a:r>
               <a:rPr lang="bg-BG" sz="4400" b="1" dirty="0" err="1">
-                <a:ea typeface="Calibri Light"/>
-                <a:cs typeface="Calibri Light"/>
+                <a:ea typeface="Calibri Light" panose="020F0302020204030204"/>
+                <a:cs typeface="Calibri Light" panose="020F0302020204030204"/>
               </a:rPr>
               <a:t>Our</a:t>
             </a:r>
             <a:r>
               <a:rPr lang="bg-BG" sz="4400" b="1" dirty="0">
-                <a:ea typeface="Calibri Light"/>
-                <a:cs typeface="Calibri Light"/>
+                <a:ea typeface="Calibri Light" panose="020F0302020204030204"/>
+                <a:cs typeface="Calibri Light" panose="020F0302020204030204"/>
               </a:rPr>
               <a:t> </a:t>
             </a:r>
             <a:r>
               <a:rPr lang="bg-BG" sz="4400" b="1" dirty="0" err="1">
-                <a:ea typeface="Calibri Light"/>
-                <a:cs typeface="Calibri Light"/>
+                <a:ea typeface="Calibri Light" panose="020F0302020204030204"/>
+                <a:cs typeface="Calibri Light" panose="020F0302020204030204"/>
               </a:rPr>
               <a:t>Idea</a:t>
             </a:r>
             <a:r>
               <a:rPr lang="bg-BG" sz="4400" b="1" dirty="0">
-                <a:ea typeface="Calibri Light"/>
-                <a:cs typeface="Calibri Light"/>
+                <a:ea typeface="Calibri Light" panose="020F0302020204030204"/>
+                <a:cs typeface="Calibri Light" panose="020F0302020204030204"/>
               </a:rPr>
               <a:t> &amp; </a:t>
             </a:r>
             <a:r>
               <a:rPr lang="bg-BG" sz="4400" b="1" dirty="0" err="1">
-                <a:ea typeface="Calibri Light"/>
-                <a:cs typeface="Calibri Light"/>
+                <a:ea typeface="Calibri Light" panose="020F0302020204030204"/>
+                <a:cs typeface="Calibri Light" panose="020F0302020204030204"/>
               </a:rPr>
               <a:t>Goal</a:t>
             </a:r>
             <a:r>
               <a:rPr lang="bg-BG" sz="4400" b="1" dirty="0">
-                <a:ea typeface="Calibri Light"/>
-                <a:cs typeface="Calibri Light"/>
+                <a:ea typeface="Calibri Light" panose="020F0302020204030204"/>
+                <a:cs typeface="Calibri Light" panose="020F0302020204030204"/>
               </a:rPr>
               <a:t>:</a:t>
             </a:r>
@@ -19402,13 +18287,7 @@
       </p:sp>
       <p:sp>
         <p:nvSpPr>
-          <p:cNvPr id="3" name="Content Placeholder 2">
-            <a:extLst>
-              <a:ext uri="{FF2B5EF4-FFF2-40B4-BE49-F238E27FC236}">
-                <a16:creationId xmlns:a16="http://schemas.microsoft.com/office/drawing/2014/main" id="{4190AC5C-CD92-4492-F0DB-C6442F9F8C39}"/>
-              </a:ext>
-            </a:extLst>
-          </p:cNvPr>
+          <p:cNvPr id="3" name="Content Placeholder 2"/>
           <p:cNvSpPr>
             <a:spLocks noGrp="1"/>
           </p:cNvSpPr>
@@ -19778,6 +18657,10 @@
               </a:rPr>
               <a:t>.</a:t>
             </a:r>
+            <a:endParaRPr lang="bg-BG" sz="2400" dirty="0">
+              <a:ea typeface="+mn-lt"/>
+              <a:cs typeface="+mn-lt"/>
+            </a:endParaRPr>
           </a:p>
           <a:p>
             <a:r>
@@ -19897,11 +18780,6 @@
         </p:txBody>
       </p:sp>
     </p:spTree>
-    <p:extLst>
-      <p:ext uri="{BB962C8B-B14F-4D97-AF65-F5344CB8AC3E}">
-        <p14:creationId xmlns:p14="http://schemas.microsoft.com/office/powerpoint/2010/main" val="3851976030"/>
-      </p:ext>
-    </p:extLst>
   </p:cSld>
   <p:clrMapOvr>
     <a:masterClrMapping/>
@@ -19928,13 +18806,7 @@
       </p:grpSpPr>
       <p:sp>
         <p:nvSpPr>
-          <p:cNvPr id="2" name="Title 1">
-            <a:extLst>
-              <a:ext uri="{FF2B5EF4-FFF2-40B4-BE49-F238E27FC236}">
-                <a16:creationId xmlns:a16="http://schemas.microsoft.com/office/drawing/2014/main" id="{10D86298-CE8A-4BF9-F503-A873CB460C1D}"/>
-              </a:ext>
-            </a:extLst>
-          </p:cNvPr>
+          <p:cNvPr id="2" name="Title 1"/>
           <p:cNvSpPr>
             <a:spLocks noGrp="1"/>
           </p:cNvSpPr>
@@ -19949,22 +18821,22 @@
           <a:p>
             <a:r>
               <a:rPr lang="bg-BG" dirty="0" err="1">
-                <a:ea typeface="Calibri Light"/>
-                <a:cs typeface="Calibri Light"/>
+                <a:ea typeface="Calibri Light" panose="020F0302020204030204"/>
+                <a:cs typeface="Calibri Light" panose="020F0302020204030204"/>
               </a:rPr>
               <a:t>Early</a:t>
             </a:r>
             <a:r>
               <a:rPr lang="bg-BG" dirty="0">
-                <a:ea typeface="Calibri Light"/>
-                <a:cs typeface="Calibri Light"/>
+                <a:ea typeface="Calibri Light" panose="020F0302020204030204"/>
+                <a:cs typeface="Calibri Light" panose="020F0302020204030204"/>
               </a:rPr>
               <a:t> </a:t>
             </a:r>
             <a:r>
               <a:rPr lang="bg-BG" dirty="0" err="1">
-                <a:ea typeface="Calibri Light"/>
-                <a:cs typeface="Calibri Light"/>
+                <a:ea typeface="Calibri Light" panose="020F0302020204030204"/>
+                <a:cs typeface="Calibri Light" panose="020F0302020204030204"/>
               </a:rPr>
               <a:t>Concept</a:t>
             </a:r>
@@ -19974,13 +18846,7 @@
       </p:sp>
       <p:pic>
         <p:nvPicPr>
-          <p:cNvPr id="4" name="Content Placeholder 3" descr="Картина, която съдържа електроника, текст, дисплей, компютър&#10;&#10;Генерирано от ИИ съдържание може да е неправилно.">
-            <a:extLst>
-              <a:ext uri="{FF2B5EF4-FFF2-40B4-BE49-F238E27FC236}">
-                <a16:creationId xmlns:a16="http://schemas.microsoft.com/office/drawing/2014/main" id="{616A3F60-056A-E924-F901-FBE99413A5BF}"/>
-              </a:ext>
-            </a:extLst>
-          </p:cNvPr>
+          <p:cNvPr id="4" name="Content Placeholder 3" descr="Картина, която съдържа електроника, текст, дисплей, компютър&#10;&#10;Генерирано от ИИ съдържание може да е неправилно."/>
           <p:cNvPicPr>
             <a:picLocks noGrp="1" noChangeAspect="1"/>
           </p:cNvPicPr>
@@ -19989,7 +18855,7 @@
           </p:nvPr>
         </p:nvPicPr>
         <p:blipFill>
-          <a:blip r:embed="rId2"/>
+          <a:blip r:embed="rId1"/>
           <a:stretch>
             <a:fillRect/>
           </a:stretch>
@@ -20003,121 +18869,29 @@
       </p:pic>
       <p:pic>
         <p:nvPicPr>
-          <p:cNvPr id="6" name="Картина 5" descr="Картина, която съдържа текст, екранна снимка, софтуер, Операционна система&#10;&#10;Генерирано от ИИ съдържание може да е неправилно.">
-            <a:extLst>
-              <a:ext uri="{FF2B5EF4-FFF2-40B4-BE49-F238E27FC236}">
-                <a16:creationId xmlns:a16="http://schemas.microsoft.com/office/drawing/2014/main" id="{E56FC14C-2BE7-8DAA-AAAE-822AC99ED895}"/>
-              </a:ext>
-            </a:extLst>
-          </p:cNvPr>
+          <p:cNvPr id="3" name="Picture 2"/>
           <p:cNvPicPr>
             <a:picLocks noChangeAspect="1"/>
           </p:cNvPicPr>
           <p:nvPr/>
         </p:nvPicPr>
         <p:blipFill>
-          <a:blip r:embed="rId3"/>
+          <a:blip r:embed="rId2"/>
           <a:stretch>
             <a:fillRect/>
           </a:stretch>
         </p:blipFill>
         <p:spPr>
           <a:xfrm>
-            <a:off x="5817458" y="1573299"/>
-            <a:ext cx="4881948" cy="2619889"/>
+            <a:off x="5721350" y="1537335"/>
+            <a:ext cx="5057775" cy="2641600"/>
           </a:xfrm>
           <a:prstGeom prst="rect">
             <a:avLst/>
           </a:prstGeom>
-          <a:ln>
-            <a:noFill/>
-          </a:ln>
-          <a:effectLst>
-            <a:outerShdw blurRad="190500" algn="tl" rotWithShape="0">
-              <a:srgbClr val="000000">
-                <a:alpha val="70000"/>
-              </a:srgbClr>
-            </a:outerShdw>
-          </a:effectLst>
         </p:spPr>
       </p:pic>
-      <p:sp>
-        <p:nvSpPr>
-          <p:cNvPr id="7" name="Текстово поле 6">
-            <a:extLst>
-              <a:ext uri="{FF2B5EF4-FFF2-40B4-BE49-F238E27FC236}">
-                <a16:creationId xmlns:a16="http://schemas.microsoft.com/office/drawing/2014/main" id="{E40FC62C-8885-29BA-4A60-F5E647EFC8DD}"/>
-              </a:ext>
-            </a:extLst>
-          </p:cNvPr>
-          <p:cNvSpPr txBox="1"/>
-          <p:nvPr/>
-        </p:nvSpPr>
-        <p:spPr>
-          <a:xfrm>
-            <a:off x="7334277" y="5597767"/>
-            <a:ext cx="1857062" cy="369332"/>
-          </a:xfrm>
-          <a:prstGeom prst="rect">
-            <a:avLst/>
-          </a:prstGeom>
-          <a:noFill/>
-        </p:spPr>
-        <p:txBody>
-          <a:bodyPr rot="0" spcFirstLastPara="0" vertOverflow="overflow" horzOverflow="overflow" vert="horz" wrap="square" lIns="91440" tIns="45720" rIns="91440" bIns="45720" numCol="1" spcCol="0" rtlCol="0" fromWordArt="0" anchor="t" anchorCtr="0" forceAA="0" compatLnSpc="1">
-            <a:prstTxWarp prst="textNoShape">
-              <a:avLst/>
-            </a:prstTxWarp>
-            <a:spAutoFit/>
-          </a:bodyPr>
-          <a:lstStyle/>
-          <a:p>
-            <a:r>
-              <a:rPr lang="bg-BG" dirty="0">
-                <a:latin typeface="Calibri"/>
-                <a:ea typeface="Calibri"/>
-                <a:cs typeface="Calibri"/>
-              </a:rPr>
-              <a:t>-</a:t>
-            </a:r>
-            <a:r>
-              <a:rPr lang="bg-BG" err="1">
-                <a:latin typeface="Calibri"/>
-                <a:ea typeface="Calibri"/>
-                <a:cs typeface="Calibri"/>
-              </a:rPr>
-              <a:t>First</a:t>
-            </a:r>
-            <a:r>
-              <a:rPr lang="bg-BG" dirty="0">
-                <a:latin typeface="Calibri"/>
-                <a:ea typeface="Calibri"/>
-                <a:cs typeface="Calibri"/>
-              </a:rPr>
-              <a:t> </a:t>
-            </a:r>
-            <a:r>
-              <a:rPr lang="bg-BG" err="1">
-                <a:latin typeface="Calibri"/>
-                <a:ea typeface="Calibri"/>
-                <a:cs typeface="Calibri"/>
-              </a:rPr>
-              <a:t>prototype</a:t>
-            </a:r>
-            <a:endParaRPr lang="bg-BG">
-              <a:latin typeface="Calibri"/>
-              <a:ea typeface="Calibri"/>
-              <a:cs typeface="Calibri"/>
-            </a:endParaRPr>
-          </a:p>
-        </p:txBody>
-      </p:sp>
     </p:spTree>
-    <p:extLst>
-      <p:ext uri="{BB962C8B-B14F-4D97-AF65-F5344CB8AC3E}">
-        <p14:creationId xmlns:p14="http://schemas.microsoft.com/office/powerpoint/2010/main" val="97106461"/>
-      </p:ext>
-    </p:extLst>
   </p:cSld>
   <p:clrMapOvr>
     <a:masterClrMapping/>
@@ -20152,26 +18926,11 @@
       </p:grpSpPr>
       <p:grpSp>
         <p:nvGrpSpPr>
-          <p:cNvPr id="9" name="Group 8">
-            <a:extLst>
-              <a:ext uri="{FF2B5EF4-FFF2-40B4-BE49-F238E27FC236}">
-                <a16:creationId xmlns:a16="http://schemas.microsoft.com/office/drawing/2014/main" id="{17C4610E-9C18-467B-BF10-BE6A974CC364}"/>
-              </a:ext>
-              <a:ext uri="{C183D7F6-B498-43B3-948B-1728B52AA6E4}">
-                <adec:decorative xmlns:adec="http://schemas.microsoft.com/office/drawing/2017/decorative" val="1"/>
-              </a:ext>
-            </a:extLst>
-          </p:cNvPr>
+          <p:cNvPr id="9" name="Group 8"/>
           <p:cNvGrpSpPr>
-            <a:grpSpLocks noGrp="1" noUngrp="1" noRot="1" noChangeAspect="1" noMove="1" noResize="1"/>
+            <a:grpSpLocks noGrp="1" noRot="1" noChangeAspect="1" noMove="1" noResize="1" noUngrp="1"/>
           </p:cNvGrpSpPr>
-          <p:nvPr>
-            <p:extLst>
-              <p:ext uri="{386F3935-93C4-4BCD-93E2-E3B085C9AB24}">
-                <p16:designElem xmlns:p16="http://schemas.microsoft.com/office/powerpoint/2015/main" val="1"/>
-              </p:ext>
-            </p:extLst>
-          </p:nvPr>
+          <p:nvPr/>
         </p:nvGrpSpPr>
         <p:grpSpPr>
           <a:xfrm>
@@ -20183,24 +18942,9 @@
         </p:grpSpPr>
         <p:sp>
           <p:nvSpPr>
-            <p:cNvPr id="10" name="Freeform 5">
-              <a:extLst>
-                <a:ext uri="{FF2B5EF4-FFF2-40B4-BE49-F238E27FC236}">
-                  <a16:creationId xmlns:a16="http://schemas.microsoft.com/office/drawing/2014/main" id="{296DF307-344E-4E9B-A7AA-8139E450D1BE}"/>
-                </a:ext>
-                <a:ext uri="{C183D7F6-B498-43B3-948B-1728B52AA6E4}">
-                  <adec:decorative xmlns:adec="http://schemas.microsoft.com/office/drawing/2017/decorative" val="1"/>
-                </a:ext>
-              </a:extLst>
-            </p:cNvPr>
-            <p:cNvSpPr/>
-            <p:nvPr>
-              <p:extLst>
-                <p:ext uri="{386F3935-93C4-4BCD-93E2-E3B085C9AB24}">
-                  <p16:designElem xmlns:p16="http://schemas.microsoft.com/office/powerpoint/2015/main" val="1"/>
-                </p:ext>
-              </p:extLst>
-            </p:nvPr>
+            <p:cNvPr id="10" name="Freeform 5"/>
+            <p:cNvSpPr/>
+            <p:nvPr/>
           </p:nvSpPr>
           <p:spPr bwMode="auto">
             <a:xfrm>
@@ -20250,40 +18994,23 @@
               </a:solidFill>
               <a:prstDash val="solid"/>
               <a:miter lim="800000"/>
-              <a:headEnd/>
-              <a:tailEnd/>
-            </a:ln>
-            <a:extLst>
-              <a:ext uri="{909E8E84-426E-40DD-AFC4-6F175D3DCCD1}">
-                <a14:hiddenFill xmlns:a14="http://schemas.microsoft.com/office/drawing/2010/main">
-                  <a:solidFill>
-                    <a:srgbClr val="FFFFFF"/>
-                  </a:solidFill>
-                </a14:hiddenFill>
-              </a:ext>
-            </a:extLst>
-          </p:spPr>
-        </p:sp>
-        <p:sp>
-          <p:nvSpPr>
-            <p:cNvPr id="11" name="Freeform 6">
-              <a:extLst>
-                <a:ext uri="{FF2B5EF4-FFF2-40B4-BE49-F238E27FC236}">
-                  <a16:creationId xmlns:a16="http://schemas.microsoft.com/office/drawing/2014/main" id="{E263CC2D-ACFB-4EB3-ADF9-CD82BC8422F3}"/>
-                </a:ext>
-                <a:ext uri="{C183D7F6-B498-43B3-948B-1728B52AA6E4}">
-                  <adec:decorative xmlns:adec="http://schemas.microsoft.com/office/drawing/2017/decorative" val="1"/>
-                </a:ext>
-              </a:extLst>
-            </p:cNvPr>
-            <p:cNvSpPr/>
-            <p:nvPr>
-              <p:extLst>
-                <p:ext uri="{386F3935-93C4-4BCD-93E2-E3B085C9AB24}">
-                  <p16:designElem xmlns:p16="http://schemas.microsoft.com/office/powerpoint/2015/main" val="1"/>
-                </p:ext>
-              </p:extLst>
-            </p:nvPr>
+            </a:ln>
+            <a:extLst>
+              <a:ext uri="{909E8E84-426E-40DD-AFC4-6F175D3DCCD1}">
+                <a14:hiddenFill xmlns:a14="http://schemas.microsoft.com/office/drawing/2010/main">
+                  <a:solidFill>
+                    <a:srgbClr val="FFFFFF"/>
+                  </a:solidFill>
+                </a14:hiddenFill>
+              </a:ext>
+            </a:extLst>
+          </p:spPr>
+        </p:sp>
+        <p:sp>
+          <p:nvSpPr>
+            <p:cNvPr id="11" name="Freeform 6"/>
+            <p:cNvSpPr/>
+            <p:nvPr/>
           </p:nvSpPr>
           <p:spPr bwMode="auto">
             <a:xfrm>
@@ -20333,40 +19060,23 @@
               </a:solidFill>
               <a:prstDash val="solid"/>
               <a:miter lim="800000"/>
-              <a:headEnd/>
-              <a:tailEnd/>
-            </a:ln>
-            <a:extLst>
-              <a:ext uri="{909E8E84-426E-40DD-AFC4-6F175D3DCCD1}">
-                <a14:hiddenFill xmlns:a14="http://schemas.microsoft.com/office/drawing/2010/main">
-                  <a:solidFill>
-                    <a:srgbClr val="FFFFFF"/>
-                  </a:solidFill>
-                </a14:hiddenFill>
-              </a:ext>
-            </a:extLst>
-          </p:spPr>
-        </p:sp>
-        <p:sp>
-          <p:nvSpPr>
-            <p:cNvPr id="12" name="Freeform 7">
-              <a:extLst>
-                <a:ext uri="{FF2B5EF4-FFF2-40B4-BE49-F238E27FC236}">
-                  <a16:creationId xmlns:a16="http://schemas.microsoft.com/office/drawing/2014/main" id="{C5366E2F-9BA0-485A-B1CA-A5E6E2E379AF}"/>
-                </a:ext>
-                <a:ext uri="{C183D7F6-B498-43B3-948B-1728B52AA6E4}">
-                  <adec:decorative xmlns:adec="http://schemas.microsoft.com/office/drawing/2017/decorative" val="1"/>
-                </a:ext>
-              </a:extLst>
-            </p:cNvPr>
-            <p:cNvSpPr/>
-            <p:nvPr>
-              <p:extLst>
-                <p:ext uri="{386F3935-93C4-4BCD-93E2-E3B085C9AB24}">
-                  <p16:designElem xmlns:p16="http://schemas.microsoft.com/office/powerpoint/2015/main" val="1"/>
-                </p:ext>
-              </p:extLst>
-            </p:nvPr>
+            </a:ln>
+            <a:extLst>
+              <a:ext uri="{909E8E84-426E-40DD-AFC4-6F175D3DCCD1}">
+                <a14:hiddenFill xmlns:a14="http://schemas.microsoft.com/office/drawing/2010/main">
+                  <a:solidFill>
+                    <a:srgbClr val="FFFFFF"/>
+                  </a:solidFill>
+                </a14:hiddenFill>
+              </a:ext>
+            </a:extLst>
+          </p:spPr>
+        </p:sp>
+        <p:sp>
+          <p:nvSpPr>
+            <p:cNvPr id="12" name="Freeform 7"/>
+            <p:cNvSpPr/>
+            <p:nvPr/>
           </p:nvSpPr>
           <p:spPr bwMode="auto">
             <a:xfrm>
@@ -20421,40 +19131,23 @@
               </a:solidFill>
               <a:prstDash val="dash"/>
               <a:miter lim="800000"/>
-              <a:headEnd/>
-              <a:tailEnd/>
-            </a:ln>
-            <a:extLst>
-              <a:ext uri="{909E8E84-426E-40DD-AFC4-6F175D3DCCD1}">
-                <a14:hiddenFill xmlns:a14="http://schemas.microsoft.com/office/drawing/2010/main">
-                  <a:solidFill>
-                    <a:srgbClr val="FFFFFF"/>
-                  </a:solidFill>
-                </a14:hiddenFill>
-              </a:ext>
-            </a:extLst>
-          </p:spPr>
-        </p:sp>
-        <p:sp>
-          <p:nvSpPr>
-            <p:cNvPr id="13" name="Freeform 8">
-              <a:extLst>
-                <a:ext uri="{FF2B5EF4-FFF2-40B4-BE49-F238E27FC236}">
-                  <a16:creationId xmlns:a16="http://schemas.microsoft.com/office/drawing/2014/main" id="{1803051E-7C26-4F53-8293-B4EAED4212B9}"/>
-                </a:ext>
-                <a:ext uri="{C183D7F6-B498-43B3-948B-1728B52AA6E4}">
-                  <adec:decorative xmlns:adec="http://schemas.microsoft.com/office/drawing/2017/decorative" val="1"/>
-                </a:ext>
-              </a:extLst>
-            </p:cNvPr>
-            <p:cNvSpPr/>
-            <p:nvPr>
-              <p:extLst>
-                <p:ext uri="{386F3935-93C4-4BCD-93E2-E3B085C9AB24}">
-                  <p16:designElem xmlns:p16="http://schemas.microsoft.com/office/powerpoint/2015/main" val="1"/>
-                </p:ext>
-              </p:extLst>
-            </p:nvPr>
+            </a:ln>
+            <a:extLst>
+              <a:ext uri="{909E8E84-426E-40DD-AFC4-6F175D3DCCD1}">
+                <a14:hiddenFill xmlns:a14="http://schemas.microsoft.com/office/drawing/2010/main">
+                  <a:solidFill>
+                    <a:srgbClr val="FFFFFF"/>
+                  </a:solidFill>
+                </a14:hiddenFill>
+              </a:ext>
+            </a:extLst>
+          </p:spPr>
+        </p:sp>
+        <p:sp>
+          <p:nvSpPr>
+            <p:cNvPr id="13" name="Freeform 8"/>
+            <p:cNvSpPr/>
+            <p:nvPr/>
           </p:nvSpPr>
           <p:spPr bwMode="auto">
             <a:xfrm>
@@ -20499,40 +19192,23 @@
               </a:solidFill>
               <a:prstDash val="solid"/>
               <a:miter lim="800000"/>
-              <a:headEnd/>
-              <a:tailEnd/>
-            </a:ln>
-            <a:extLst>
-              <a:ext uri="{909E8E84-426E-40DD-AFC4-6F175D3DCCD1}">
-                <a14:hiddenFill xmlns:a14="http://schemas.microsoft.com/office/drawing/2010/main">
-                  <a:solidFill>
-                    <a:srgbClr val="FFFFFF"/>
-                  </a:solidFill>
-                </a14:hiddenFill>
-              </a:ext>
-            </a:extLst>
-          </p:spPr>
-        </p:sp>
-        <p:sp>
-          <p:nvSpPr>
-            <p:cNvPr id="14" name="Freeform 9">
-              <a:extLst>
-                <a:ext uri="{FF2B5EF4-FFF2-40B4-BE49-F238E27FC236}">
-                  <a16:creationId xmlns:a16="http://schemas.microsoft.com/office/drawing/2014/main" id="{D10888CD-E496-4116-9C45-CF4F17ADE644}"/>
-                </a:ext>
-                <a:ext uri="{C183D7F6-B498-43B3-948B-1728B52AA6E4}">
-                  <adec:decorative xmlns:adec="http://schemas.microsoft.com/office/drawing/2017/decorative" val="1"/>
-                </a:ext>
-              </a:extLst>
-            </p:cNvPr>
-            <p:cNvSpPr/>
-            <p:nvPr>
-              <p:extLst>
-                <p:ext uri="{386F3935-93C4-4BCD-93E2-E3B085C9AB24}">
-                  <p16:designElem xmlns:p16="http://schemas.microsoft.com/office/powerpoint/2015/main" val="1"/>
-                </p:ext>
-              </p:extLst>
-            </p:nvPr>
+            </a:ln>
+            <a:extLst>
+              <a:ext uri="{909E8E84-426E-40DD-AFC4-6F175D3DCCD1}">
+                <a14:hiddenFill xmlns:a14="http://schemas.microsoft.com/office/drawing/2010/main">
+                  <a:solidFill>
+                    <a:srgbClr val="FFFFFF"/>
+                  </a:solidFill>
+                </a14:hiddenFill>
+              </a:ext>
+            </a:extLst>
+          </p:spPr>
+        </p:sp>
+        <p:sp>
+          <p:nvSpPr>
+            <p:cNvPr id="14" name="Freeform 9"/>
+            <p:cNvSpPr/>
+            <p:nvPr/>
           </p:nvSpPr>
           <p:spPr bwMode="auto">
             <a:xfrm>
@@ -20567,40 +19243,23 @@
               </a:solidFill>
               <a:prstDash val="solid"/>
               <a:miter lim="800000"/>
-              <a:headEnd/>
-              <a:tailEnd/>
-            </a:ln>
-            <a:extLst>
-              <a:ext uri="{909E8E84-426E-40DD-AFC4-6F175D3DCCD1}">
-                <a14:hiddenFill xmlns:a14="http://schemas.microsoft.com/office/drawing/2010/main">
-                  <a:solidFill>
-                    <a:srgbClr val="FFFFFF"/>
-                  </a:solidFill>
-                </a14:hiddenFill>
-              </a:ext>
-            </a:extLst>
-          </p:spPr>
-        </p:sp>
-        <p:sp>
-          <p:nvSpPr>
-            <p:cNvPr id="15" name="Freeform 10">
-              <a:extLst>
-                <a:ext uri="{FF2B5EF4-FFF2-40B4-BE49-F238E27FC236}">
-                  <a16:creationId xmlns:a16="http://schemas.microsoft.com/office/drawing/2014/main" id="{0A42DA8F-DA3D-43E9-A184-E0F6C133A1D7}"/>
-                </a:ext>
-                <a:ext uri="{C183D7F6-B498-43B3-948B-1728B52AA6E4}">
-                  <adec:decorative xmlns:adec="http://schemas.microsoft.com/office/drawing/2017/decorative" val="1"/>
-                </a:ext>
-              </a:extLst>
-            </p:cNvPr>
-            <p:cNvSpPr/>
-            <p:nvPr>
-              <p:extLst>
-                <p:ext uri="{386F3935-93C4-4BCD-93E2-E3B085C9AB24}">
-                  <p16:designElem xmlns:p16="http://schemas.microsoft.com/office/powerpoint/2015/main" val="1"/>
-                </p:ext>
-              </p:extLst>
-            </p:nvPr>
+            </a:ln>
+            <a:extLst>
+              <a:ext uri="{909E8E84-426E-40DD-AFC4-6F175D3DCCD1}">
+                <a14:hiddenFill xmlns:a14="http://schemas.microsoft.com/office/drawing/2010/main">
+                  <a:solidFill>
+                    <a:srgbClr val="FFFFFF"/>
+                  </a:solidFill>
+                </a14:hiddenFill>
+              </a:ext>
+            </a:extLst>
+          </p:spPr>
+        </p:sp>
+        <p:sp>
+          <p:nvSpPr>
+            <p:cNvPr id="15" name="Freeform 10"/>
+            <p:cNvSpPr/>
+            <p:nvPr/>
           </p:nvSpPr>
           <p:spPr bwMode="auto">
             <a:xfrm>
@@ -20645,40 +19304,23 @@
               </a:solidFill>
               <a:prstDash val="solid"/>
               <a:miter lim="800000"/>
-              <a:headEnd/>
-              <a:tailEnd/>
-            </a:ln>
-            <a:extLst>
-              <a:ext uri="{909E8E84-426E-40DD-AFC4-6F175D3DCCD1}">
-                <a14:hiddenFill xmlns:a14="http://schemas.microsoft.com/office/drawing/2010/main">
-                  <a:solidFill>
-                    <a:srgbClr val="FFFFFF"/>
-                  </a:solidFill>
-                </a14:hiddenFill>
-              </a:ext>
-            </a:extLst>
-          </p:spPr>
-        </p:sp>
-        <p:sp>
-          <p:nvSpPr>
-            <p:cNvPr id="16" name="Freeform 11">
-              <a:extLst>
-                <a:ext uri="{FF2B5EF4-FFF2-40B4-BE49-F238E27FC236}">
-                  <a16:creationId xmlns:a16="http://schemas.microsoft.com/office/drawing/2014/main" id="{473EAD31-7AA3-49B7-ADD6-C13FF0F141A8}"/>
-                </a:ext>
-                <a:ext uri="{C183D7F6-B498-43B3-948B-1728B52AA6E4}">
-                  <adec:decorative xmlns:adec="http://schemas.microsoft.com/office/drawing/2017/decorative" val="1"/>
-                </a:ext>
-              </a:extLst>
-            </p:cNvPr>
-            <p:cNvSpPr/>
-            <p:nvPr>
-              <p:extLst>
-                <p:ext uri="{386F3935-93C4-4BCD-93E2-E3B085C9AB24}">
-                  <p16:designElem xmlns:p16="http://schemas.microsoft.com/office/powerpoint/2015/main" val="1"/>
-                </p:ext>
-              </p:extLst>
-            </p:nvPr>
+            </a:ln>
+            <a:extLst>
+              <a:ext uri="{909E8E84-426E-40DD-AFC4-6F175D3DCCD1}">
+                <a14:hiddenFill xmlns:a14="http://schemas.microsoft.com/office/drawing/2010/main">
+                  <a:solidFill>
+                    <a:srgbClr val="FFFFFF"/>
+                  </a:solidFill>
+                </a14:hiddenFill>
+              </a:ext>
+            </a:extLst>
+          </p:spPr>
+        </p:sp>
+        <p:sp>
+          <p:nvSpPr>
+            <p:cNvPr id="16" name="Freeform 11"/>
+            <p:cNvSpPr/>
+            <p:nvPr/>
           </p:nvSpPr>
           <p:spPr bwMode="auto">
             <a:xfrm>
@@ -20718,40 +19360,23 @@
               </a:solidFill>
               <a:prstDash val="solid"/>
               <a:miter lim="800000"/>
-              <a:headEnd/>
-              <a:tailEnd/>
-            </a:ln>
-            <a:extLst>
-              <a:ext uri="{909E8E84-426E-40DD-AFC4-6F175D3DCCD1}">
-                <a14:hiddenFill xmlns:a14="http://schemas.microsoft.com/office/drawing/2010/main">
-                  <a:solidFill>
-                    <a:srgbClr val="FFFFFF"/>
-                  </a:solidFill>
-                </a14:hiddenFill>
-              </a:ext>
-            </a:extLst>
-          </p:spPr>
-        </p:sp>
-        <p:sp>
-          <p:nvSpPr>
-            <p:cNvPr id="17" name="Freeform 12">
-              <a:extLst>
-                <a:ext uri="{FF2B5EF4-FFF2-40B4-BE49-F238E27FC236}">
-                  <a16:creationId xmlns:a16="http://schemas.microsoft.com/office/drawing/2014/main" id="{2BBB7CDF-BA2E-451F-9201-CF2B6FEAEAE8}"/>
-                </a:ext>
-                <a:ext uri="{C183D7F6-B498-43B3-948B-1728B52AA6E4}">
-                  <adec:decorative xmlns:adec="http://schemas.microsoft.com/office/drawing/2017/decorative" val="1"/>
-                </a:ext>
-              </a:extLst>
-            </p:cNvPr>
-            <p:cNvSpPr/>
-            <p:nvPr>
-              <p:extLst>
-                <p:ext uri="{386F3935-93C4-4BCD-93E2-E3B085C9AB24}">
-                  <p16:designElem xmlns:p16="http://schemas.microsoft.com/office/powerpoint/2015/main" val="1"/>
-                </p:ext>
-              </p:extLst>
-            </p:nvPr>
+            </a:ln>
+            <a:extLst>
+              <a:ext uri="{909E8E84-426E-40DD-AFC4-6F175D3DCCD1}">
+                <a14:hiddenFill xmlns:a14="http://schemas.microsoft.com/office/drawing/2010/main">
+                  <a:solidFill>
+                    <a:srgbClr val="FFFFFF"/>
+                  </a:solidFill>
+                </a14:hiddenFill>
+              </a:ext>
+            </a:extLst>
+          </p:spPr>
+        </p:sp>
+        <p:sp>
+          <p:nvSpPr>
+            <p:cNvPr id="17" name="Freeform 12"/>
+            <p:cNvSpPr/>
+            <p:nvPr/>
           </p:nvSpPr>
           <p:spPr bwMode="auto">
             <a:xfrm>
@@ -20786,40 +19411,23 @@
               </a:solidFill>
               <a:prstDash val="solid"/>
               <a:miter lim="800000"/>
-              <a:headEnd/>
-              <a:tailEnd/>
-            </a:ln>
-            <a:extLst>
-              <a:ext uri="{909E8E84-426E-40DD-AFC4-6F175D3DCCD1}">
-                <a14:hiddenFill xmlns:a14="http://schemas.microsoft.com/office/drawing/2010/main">
-                  <a:solidFill>
-                    <a:srgbClr val="FFFFFF"/>
-                  </a:solidFill>
-                </a14:hiddenFill>
-              </a:ext>
-            </a:extLst>
-          </p:spPr>
-        </p:sp>
-        <p:sp>
-          <p:nvSpPr>
-            <p:cNvPr id="18" name="Freeform 13">
-              <a:extLst>
-                <a:ext uri="{FF2B5EF4-FFF2-40B4-BE49-F238E27FC236}">
-                  <a16:creationId xmlns:a16="http://schemas.microsoft.com/office/drawing/2014/main" id="{84809EF2-CD0D-4BC3-ABC7-E7E312A1D741}"/>
-                </a:ext>
-                <a:ext uri="{C183D7F6-B498-43B3-948B-1728B52AA6E4}">
-                  <adec:decorative xmlns:adec="http://schemas.microsoft.com/office/drawing/2017/decorative" val="1"/>
-                </a:ext>
-              </a:extLst>
-            </p:cNvPr>
-            <p:cNvSpPr/>
-            <p:nvPr>
-              <p:extLst>
-                <p:ext uri="{386F3935-93C4-4BCD-93E2-E3B085C9AB24}">
-                  <p16:designElem xmlns:p16="http://schemas.microsoft.com/office/powerpoint/2015/main" val="1"/>
-                </p:ext>
-              </p:extLst>
-            </p:nvPr>
+            </a:ln>
+            <a:extLst>
+              <a:ext uri="{909E8E84-426E-40DD-AFC4-6F175D3DCCD1}">
+                <a14:hiddenFill xmlns:a14="http://schemas.microsoft.com/office/drawing/2010/main">
+                  <a:solidFill>
+                    <a:srgbClr val="FFFFFF"/>
+                  </a:solidFill>
+                </a14:hiddenFill>
+              </a:ext>
+            </a:extLst>
+          </p:spPr>
+        </p:sp>
+        <p:sp>
+          <p:nvSpPr>
+            <p:cNvPr id="18" name="Freeform 13"/>
+            <p:cNvSpPr/>
+            <p:nvPr/>
           </p:nvSpPr>
           <p:spPr bwMode="auto">
             <a:xfrm>
@@ -20859,40 +19467,23 @@
               </a:solidFill>
               <a:prstDash val="dash"/>
               <a:miter lim="800000"/>
-              <a:headEnd/>
-              <a:tailEnd/>
-            </a:ln>
-            <a:extLst>
-              <a:ext uri="{909E8E84-426E-40DD-AFC4-6F175D3DCCD1}">
-                <a14:hiddenFill xmlns:a14="http://schemas.microsoft.com/office/drawing/2010/main">
-                  <a:solidFill>
-                    <a:srgbClr val="FFFFFF"/>
-                  </a:solidFill>
-                </a14:hiddenFill>
-              </a:ext>
-            </a:extLst>
-          </p:spPr>
-        </p:sp>
-        <p:sp>
-          <p:nvSpPr>
-            <p:cNvPr id="19" name="Freeform 14">
-              <a:extLst>
-                <a:ext uri="{FF2B5EF4-FFF2-40B4-BE49-F238E27FC236}">
-                  <a16:creationId xmlns:a16="http://schemas.microsoft.com/office/drawing/2014/main" id="{11D2D6C5-637B-4AFE-97F4-D4E48A613487}"/>
-                </a:ext>
-                <a:ext uri="{C183D7F6-B498-43B3-948B-1728B52AA6E4}">
-                  <adec:decorative xmlns:adec="http://schemas.microsoft.com/office/drawing/2017/decorative" val="1"/>
-                </a:ext>
-              </a:extLst>
-            </p:cNvPr>
-            <p:cNvSpPr/>
-            <p:nvPr>
-              <p:extLst>
-                <p:ext uri="{386F3935-93C4-4BCD-93E2-E3B085C9AB24}">
-                  <p16:designElem xmlns:p16="http://schemas.microsoft.com/office/powerpoint/2015/main" val="1"/>
-                </p:ext>
-              </p:extLst>
-            </p:nvPr>
+            </a:ln>
+            <a:extLst>
+              <a:ext uri="{909E8E84-426E-40DD-AFC4-6F175D3DCCD1}">
+                <a14:hiddenFill xmlns:a14="http://schemas.microsoft.com/office/drawing/2010/main">
+                  <a:solidFill>
+                    <a:srgbClr val="FFFFFF"/>
+                  </a:solidFill>
+                </a14:hiddenFill>
+              </a:ext>
+            </a:extLst>
+          </p:spPr>
+        </p:sp>
+        <p:sp>
+          <p:nvSpPr>
+            <p:cNvPr id="19" name="Freeform 14"/>
+            <p:cNvSpPr/>
+            <p:nvPr/>
           </p:nvSpPr>
           <p:spPr bwMode="auto">
             <a:xfrm>
@@ -20927,40 +19518,23 @@
               </a:solidFill>
               <a:prstDash val="dash"/>
               <a:miter lim="800000"/>
-              <a:headEnd/>
-              <a:tailEnd/>
-            </a:ln>
-            <a:extLst>
-              <a:ext uri="{909E8E84-426E-40DD-AFC4-6F175D3DCCD1}">
-                <a14:hiddenFill xmlns:a14="http://schemas.microsoft.com/office/drawing/2010/main">
-                  <a:solidFill>
-                    <a:srgbClr val="FFFFFF"/>
-                  </a:solidFill>
-                </a14:hiddenFill>
-              </a:ext>
-            </a:extLst>
-          </p:spPr>
-        </p:sp>
-        <p:sp>
-          <p:nvSpPr>
-            <p:cNvPr id="20" name="Freeform 15">
-              <a:extLst>
-                <a:ext uri="{FF2B5EF4-FFF2-40B4-BE49-F238E27FC236}">
-                  <a16:creationId xmlns:a16="http://schemas.microsoft.com/office/drawing/2014/main" id="{F841B2C5-57F5-4FE6-B4D4-EBB3F3088119}"/>
-                </a:ext>
-                <a:ext uri="{C183D7F6-B498-43B3-948B-1728B52AA6E4}">
-                  <adec:decorative xmlns:adec="http://schemas.microsoft.com/office/drawing/2017/decorative" val="1"/>
-                </a:ext>
-              </a:extLst>
-            </p:cNvPr>
-            <p:cNvSpPr/>
-            <p:nvPr>
-              <p:extLst>
-                <p:ext uri="{386F3935-93C4-4BCD-93E2-E3B085C9AB24}">
-                  <p16:designElem xmlns:p16="http://schemas.microsoft.com/office/powerpoint/2015/main" val="1"/>
-                </p:ext>
-              </p:extLst>
-            </p:nvPr>
+            </a:ln>
+            <a:extLst>
+              <a:ext uri="{909E8E84-426E-40DD-AFC4-6F175D3DCCD1}">
+                <a14:hiddenFill xmlns:a14="http://schemas.microsoft.com/office/drawing/2010/main">
+                  <a:solidFill>
+                    <a:srgbClr val="FFFFFF"/>
+                  </a:solidFill>
+                </a14:hiddenFill>
+              </a:ext>
+            </a:extLst>
+          </p:spPr>
+        </p:sp>
+        <p:sp>
+          <p:nvSpPr>
+            <p:cNvPr id="20" name="Freeform 15"/>
+            <p:cNvSpPr/>
+            <p:nvPr/>
           </p:nvSpPr>
           <p:spPr bwMode="auto">
             <a:xfrm>
@@ -21000,40 +19574,23 @@
               </a:solidFill>
               <a:prstDash val="dashDot"/>
               <a:miter lim="800000"/>
-              <a:headEnd/>
-              <a:tailEnd/>
-            </a:ln>
-            <a:extLst>
-              <a:ext uri="{909E8E84-426E-40DD-AFC4-6F175D3DCCD1}">
-                <a14:hiddenFill xmlns:a14="http://schemas.microsoft.com/office/drawing/2010/main">
-                  <a:solidFill>
-                    <a:srgbClr val="FFFFFF"/>
-                  </a:solidFill>
-                </a14:hiddenFill>
-              </a:ext>
-            </a:extLst>
-          </p:spPr>
-        </p:sp>
-        <p:sp>
-          <p:nvSpPr>
-            <p:cNvPr id="21" name="Freeform 16">
-              <a:extLst>
-                <a:ext uri="{FF2B5EF4-FFF2-40B4-BE49-F238E27FC236}">
-                  <a16:creationId xmlns:a16="http://schemas.microsoft.com/office/drawing/2014/main" id="{B4822A39-2A52-4B2C-9319-BEFC526DB0AF}"/>
-                </a:ext>
-                <a:ext uri="{C183D7F6-B498-43B3-948B-1728B52AA6E4}">
-                  <adec:decorative xmlns:adec="http://schemas.microsoft.com/office/drawing/2017/decorative" val="1"/>
-                </a:ext>
-              </a:extLst>
-            </p:cNvPr>
-            <p:cNvSpPr/>
-            <p:nvPr>
-              <p:extLst>
-                <p:ext uri="{386F3935-93C4-4BCD-93E2-E3B085C9AB24}">
-                  <p16:designElem xmlns:p16="http://schemas.microsoft.com/office/powerpoint/2015/main" val="1"/>
-                </p:ext>
-              </p:extLst>
-            </p:nvPr>
+            </a:ln>
+            <a:extLst>
+              <a:ext uri="{909E8E84-426E-40DD-AFC4-6F175D3DCCD1}">
+                <a14:hiddenFill xmlns:a14="http://schemas.microsoft.com/office/drawing/2010/main">
+                  <a:solidFill>
+                    <a:srgbClr val="FFFFFF"/>
+                  </a:solidFill>
+                </a14:hiddenFill>
+              </a:ext>
+            </a:extLst>
+          </p:spPr>
+        </p:sp>
+        <p:sp>
+          <p:nvSpPr>
+            <p:cNvPr id="21" name="Freeform 16"/>
+            <p:cNvSpPr/>
+            <p:nvPr/>
           </p:nvSpPr>
           <p:spPr bwMode="auto">
             <a:xfrm>
@@ -21068,40 +19625,23 @@
               </a:solidFill>
               <a:prstDash val="dashDot"/>
               <a:miter lim="800000"/>
-              <a:headEnd/>
-              <a:tailEnd/>
-            </a:ln>
-            <a:extLst>
-              <a:ext uri="{909E8E84-426E-40DD-AFC4-6F175D3DCCD1}">
-                <a14:hiddenFill xmlns:a14="http://schemas.microsoft.com/office/drawing/2010/main">
-                  <a:solidFill>
-                    <a:srgbClr val="FFFFFF"/>
-                  </a:solidFill>
-                </a14:hiddenFill>
-              </a:ext>
-            </a:extLst>
-          </p:spPr>
-        </p:sp>
-        <p:sp>
-          <p:nvSpPr>
-            <p:cNvPr id="22" name="Freeform 17">
-              <a:extLst>
-                <a:ext uri="{FF2B5EF4-FFF2-40B4-BE49-F238E27FC236}">
-                  <a16:creationId xmlns:a16="http://schemas.microsoft.com/office/drawing/2014/main" id="{4E469692-E783-4950-8DEC-3A1FD3978B0C}"/>
-                </a:ext>
-                <a:ext uri="{C183D7F6-B498-43B3-948B-1728B52AA6E4}">
-                  <adec:decorative xmlns:adec="http://schemas.microsoft.com/office/drawing/2017/decorative" val="1"/>
-                </a:ext>
-              </a:extLst>
-            </p:cNvPr>
-            <p:cNvSpPr/>
-            <p:nvPr>
-              <p:extLst>
-                <p:ext uri="{386F3935-93C4-4BCD-93E2-E3B085C9AB24}">
-                  <p16:designElem xmlns:p16="http://schemas.microsoft.com/office/powerpoint/2015/main" val="1"/>
-                </p:ext>
-              </p:extLst>
-            </p:nvPr>
+            </a:ln>
+            <a:extLst>
+              <a:ext uri="{909E8E84-426E-40DD-AFC4-6F175D3DCCD1}">
+                <a14:hiddenFill xmlns:a14="http://schemas.microsoft.com/office/drawing/2010/main">
+                  <a:solidFill>
+                    <a:srgbClr val="FFFFFF"/>
+                  </a:solidFill>
+                </a14:hiddenFill>
+              </a:ext>
+            </a:extLst>
+          </p:spPr>
+        </p:sp>
+        <p:sp>
+          <p:nvSpPr>
+            <p:cNvPr id="22" name="Freeform 17"/>
+            <p:cNvSpPr/>
+            <p:nvPr/>
           </p:nvSpPr>
           <p:spPr bwMode="auto">
             <a:xfrm>
@@ -21141,40 +19681,23 @@
               </a:solidFill>
               <a:prstDash val="solid"/>
               <a:miter lim="800000"/>
-              <a:headEnd/>
-              <a:tailEnd/>
-            </a:ln>
-            <a:extLst>
-              <a:ext uri="{909E8E84-426E-40DD-AFC4-6F175D3DCCD1}">
-                <a14:hiddenFill xmlns:a14="http://schemas.microsoft.com/office/drawing/2010/main">
-                  <a:solidFill>
-                    <a:srgbClr val="FFFFFF"/>
-                  </a:solidFill>
-                </a14:hiddenFill>
-              </a:ext>
-            </a:extLst>
-          </p:spPr>
-        </p:sp>
-        <p:sp>
-          <p:nvSpPr>
-            <p:cNvPr id="23" name="Freeform 18">
-              <a:extLst>
-                <a:ext uri="{FF2B5EF4-FFF2-40B4-BE49-F238E27FC236}">
-                  <a16:creationId xmlns:a16="http://schemas.microsoft.com/office/drawing/2014/main" id="{012909CD-3254-41E5-B8BB-0F2D7CE0D89F}"/>
-                </a:ext>
-                <a:ext uri="{C183D7F6-B498-43B3-948B-1728B52AA6E4}">
-                  <adec:decorative xmlns:adec="http://schemas.microsoft.com/office/drawing/2017/decorative" val="1"/>
-                </a:ext>
-              </a:extLst>
-            </p:cNvPr>
-            <p:cNvSpPr/>
-            <p:nvPr>
-              <p:extLst>
-                <p:ext uri="{386F3935-93C4-4BCD-93E2-E3B085C9AB24}">
-                  <p16:designElem xmlns:p16="http://schemas.microsoft.com/office/powerpoint/2015/main" val="1"/>
-                </p:ext>
-              </p:extLst>
-            </p:nvPr>
+            </a:ln>
+            <a:extLst>
+              <a:ext uri="{909E8E84-426E-40DD-AFC4-6F175D3DCCD1}">
+                <a14:hiddenFill xmlns:a14="http://schemas.microsoft.com/office/drawing/2010/main">
+                  <a:solidFill>
+                    <a:srgbClr val="FFFFFF"/>
+                  </a:solidFill>
+                </a14:hiddenFill>
+              </a:ext>
+            </a:extLst>
+          </p:spPr>
+        </p:sp>
+        <p:sp>
+          <p:nvSpPr>
+            <p:cNvPr id="23" name="Freeform 18"/>
+            <p:cNvSpPr/>
+            <p:nvPr/>
           </p:nvSpPr>
           <p:spPr bwMode="auto">
             <a:xfrm>
@@ -21214,40 +19737,23 @@
               </a:solidFill>
               <a:prstDash val="solid"/>
               <a:miter lim="800000"/>
-              <a:headEnd/>
-              <a:tailEnd/>
-            </a:ln>
-            <a:extLst>
-              <a:ext uri="{909E8E84-426E-40DD-AFC4-6F175D3DCCD1}">
-                <a14:hiddenFill xmlns:a14="http://schemas.microsoft.com/office/drawing/2010/main">
-                  <a:solidFill>
-                    <a:srgbClr val="FFFFFF"/>
-                  </a:solidFill>
-                </a14:hiddenFill>
-              </a:ext>
-            </a:extLst>
-          </p:spPr>
-        </p:sp>
-        <p:sp>
-          <p:nvSpPr>
-            <p:cNvPr id="24" name="Freeform 19">
-              <a:extLst>
-                <a:ext uri="{FF2B5EF4-FFF2-40B4-BE49-F238E27FC236}">
-                  <a16:creationId xmlns:a16="http://schemas.microsoft.com/office/drawing/2014/main" id="{93E7648E-861E-4503-AEDC-56C4EC507297}"/>
-                </a:ext>
-                <a:ext uri="{C183D7F6-B498-43B3-948B-1728B52AA6E4}">
-                  <adec:decorative xmlns:adec="http://schemas.microsoft.com/office/drawing/2017/decorative" val="1"/>
-                </a:ext>
-              </a:extLst>
-            </p:cNvPr>
-            <p:cNvSpPr/>
-            <p:nvPr>
-              <p:extLst>
-                <p:ext uri="{386F3935-93C4-4BCD-93E2-E3B085C9AB24}">
-                  <p16:designElem xmlns:p16="http://schemas.microsoft.com/office/powerpoint/2015/main" val="1"/>
-                </p:ext>
-              </p:extLst>
-            </p:nvPr>
+            </a:ln>
+            <a:extLst>
+              <a:ext uri="{909E8E84-426E-40DD-AFC4-6F175D3DCCD1}">
+                <a14:hiddenFill xmlns:a14="http://schemas.microsoft.com/office/drawing/2010/main">
+                  <a:solidFill>
+                    <a:srgbClr val="FFFFFF"/>
+                  </a:solidFill>
+                </a14:hiddenFill>
+              </a:ext>
+            </a:extLst>
+          </p:spPr>
+        </p:sp>
+        <p:sp>
+          <p:nvSpPr>
+            <p:cNvPr id="24" name="Freeform 19"/>
+            <p:cNvSpPr/>
+            <p:nvPr/>
           </p:nvSpPr>
           <p:spPr bwMode="auto">
             <a:xfrm>
@@ -21287,40 +19793,23 @@
               </a:solidFill>
               <a:prstDash val="solid"/>
               <a:miter lim="800000"/>
-              <a:headEnd/>
-              <a:tailEnd/>
-            </a:ln>
-            <a:extLst>
-              <a:ext uri="{909E8E84-426E-40DD-AFC4-6F175D3DCCD1}">
-                <a14:hiddenFill xmlns:a14="http://schemas.microsoft.com/office/drawing/2010/main">
-                  <a:solidFill>
-                    <a:srgbClr val="FFFFFF"/>
-                  </a:solidFill>
-                </a14:hiddenFill>
-              </a:ext>
-            </a:extLst>
-          </p:spPr>
-        </p:sp>
-        <p:sp>
-          <p:nvSpPr>
-            <p:cNvPr id="25" name="Freeform 20">
-              <a:extLst>
-                <a:ext uri="{FF2B5EF4-FFF2-40B4-BE49-F238E27FC236}">
-                  <a16:creationId xmlns:a16="http://schemas.microsoft.com/office/drawing/2014/main" id="{F9C72257-EBD0-4D1C-A32C-D846446872CB}"/>
-                </a:ext>
-                <a:ext uri="{C183D7F6-B498-43B3-948B-1728B52AA6E4}">
-                  <adec:decorative xmlns:adec="http://schemas.microsoft.com/office/drawing/2017/decorative" val="1"/>
-                </a:ext>
-              </a:extLst>
-            </p:cNvPr>
-            <p:cNvSpPr/>
-            <p:nvPr>
-              <p:extLst>
-                <p:ext uri="{386F3935-93C4-4BCD-93E2-E3B085C9AB24}">
-                  <p16:designElem xmlns:p16="http://schemas.microsoft.com/office/powerpoint/2015/main" val="1"/>
-                </p:ext>
-              </p:extLst>
-            </p:nvPr>
+            </a:ln>
+            <a:extLst>
+              <a:ext uri="{909E8E84-426E-40DD-AFC4-6F175D3DCCD1}">
+                <a14:hiddenFill xmlns:a14="http://schemas.microsoft.com/office/drawing/2010/main">
+                  <a:solidFill>
+                    <a:srgbClr val="FFFFFF"/>
+                  </a:solidFill>
+                </a14:hiddenFill>
+              </a:ext>
+            </a:extLst>
+          </p:spPr>
+        </p:sp>
+        <p:sp>
+          <p:nvSpPr>
+            <p:cNvPr id="25" name="Freeform 20"/>
+            <p:cNvSpPr/>
+            <p:nvPr/>
           </p:nvSpPr>
           <p:spPr bwMode="auto">
             <a:xfrm>
@@ -21355,40 +19844,23 @@
               </a:solidFill>
               <a:prstDash val="solid"/>
               <a:miter lim="800000"/>
-              <a:headEnd/>
-              <a:tailEnd/>
-            </a:ln>
-            <a:extLst>
-              <a:ext uri="{909E8E84-426E-40DD-AFC4-6F175D3DCCD1}">
-                <a14:hiddenFill xmlns:a14="http://schemas.microsoft.com/office/drawing/2010/main">
-                  <a:solidFill>
-                    <a:srgbClr val="FFFFFF"/>
-                  </a:solidFill>
-                </a14:hiddenFill>
-              </a:ext>
-            </a:extLst>
-          </p:spPr>
-        </p:sp>
-        <p:sp>
-          <p:nvSpPr>
-            <p:cNvPr id="26" name="Freeform 21">
-              <a:extLst>
-                <a:ext uri="{FF2B5EF4-FFF2-40B4-BE49-F238E27FC236}">
-                  <a16:creationId xmlns:a16="http://schemas.microsoft.com/office/drawing/2014/main" id="{87BB2CBB-9C22-4E28-AB86-DC92AEE2DBD2}"/>
-                </a:ext>
-                <a:ext uri="{C183D7F6-B498-43B3-948B-1728B52AA6E4}">
-                  <adec:decorative xmlns:adec="http://schemas.microsoft.com/office/drawing/2017/decorative" val="1"/>
-                </a:ext>
-              </a:extLst>
-            </p:cNvPr>
-            <p:cNvSpPr/>
-            <p:nvPr>
-              <p:extLst>
-                <p:ext uri="{386F3935-93C4-4BCD-93E2-E3B085C9AB24}">
-                  <p16:designElem xmlns:p16="http://schemas.microsoft.com/office/powerpoint/2015/main" val="1"/>
-                </p:ext>
-              </p:extLst>
-            </p:nvPr>
+            </a:ln>
+            <a:extLst>
+              <a:ext uri="{909E8E84-426E-40DD-AFC4-6F175D3DCCD1}">
+                <a14:hiddenFill xmlns:a14="http://schemas.microsoft.com/office/drawing/2010/main">
+                  <a:solidFill>
+                    <a:srgbClr val="FFFFFF"/>
+                  </a:solidFill>
+                </a14:hiddenFill>
+              </a:ext>
+            </a:extLst>
+          </p:spPr>
+        </p:sp>
+        <p:sp>
+          <p:nvSpPr>
+            <p:cNvPr id="26" name="Freeform 21"/>
+            <p:cNvSpPr/>
+            <p:nvPr/>
           </p:nvSpPr>
           <p:spPr bwMode="auto">
             <a:xfrm>
@@ -21423,40 +19895,23 @@
               </a:solidFill>
               <a:prstDash val="solid"/>
               <a:miter lim="800000"/>
-              <a:headEnd/>
-              <a:tailEnd/>
-            </a:ln>
-            <a:extLst>
-              <a:ext uri="{909E8E84-426E-40DD-AFC4-6F175D3DCCD1}">
-                <a14:hiddenFill xmlns:a14="http://schemas.microsoft.com/office/drawing/2010/main">
-                  <a:solidFill>
-                    <a:srgbClr val="FFFFFF"/>
-                  </a:solidFill>
-                </a14:hiddenFill>
-              </a:ext>
-            </a:extLst>
-          </p:spPr>
-        </p:sp>
-        <p:sp>
-          <p:nvSpPr>
-            <p:cNvPr id="27" name="Freeform 22">
-              <a:extLst>
-                <a:ext uri="{FF2B5EF4-FFF2-40B4-BE49-F238E27FC236}">
-                  <a16:creationId xmlns:a16="http://schemas.microsoft.com/office/drawing/2014/main" id="{F85B3053-8D9F-410A-80C2-7960DDEA6A66}"/>
-                </a:ext>
-                <a:ext uri="{C183D7F6-B498-43B3-948B-1728B52AA6E4}">
-                  <adec:decorative xmlns:adec="http://schemas.microsoft.com/office/drawing/2017/decorative" val="1"/>
-                </a:ext>
-              </a:extLst>
-            </p:cNvPr>
-            <p:cNvSpPr/>
-            <p:nvPr>
-              <p:extLst>
-                <p:ext uri="{386F3935-93C4-4BCD-93E2-E3B085C9AB24}">
-                  <p16:designElem xmlns:p16="http://schemas.microsoft.com/office/powerpoint/2015/main" val="1"/>
-                </p:ext>
-              </p:extLst>
-            </p:nvPr>
+            </a:ln>
+            <a:extLst>
+              <a:ext uri="{909E8E84-426E-40DD-AFC4-6F175D3DCCD1}">
+                <a14:hiddenFill xmlns:a14="http://schemas.microsoft.com/office/drawing/2010/main">
+                  <a:solidFill>
+                    <a:srgbClr val="FFFFFF"/>
+                  </a:solidFill>
+                </a14:hiddenFill>
+              </a:ext>
+            </a:extLst>
+          </p:spPr>
+        </p:sp>
+        <p:sp>
+          <p:nvSpPr>
+            <p:cNvPr id="27" name="Freeform 22"/>
+            <p:cNvSpPr/>
+            <p:nvPr/>
           </p:nvSpPr>
           <p:spPr bwMode="auto">
             <a:xfrm>
@@ -21491,40 +19946,23 @@
               </a:solidFill>
               <a:prstDash val="dash"/>
               <a:miter lim="800000"/>
-              <a:headEnd/>
-              <a:tailEnd/>
-            </a:ln>
-            <a:extLst>
-              <a:ext uri="{909E8E84-426E-40DD-AFC4-6F175D3DCCD1}">
-                <a14:hiddenFill xmlns:a14="http://schemas.microsoft.com/office/drawing/2010/main">
-                  <a:solidFill>
-                    <a:srgbClr val="FFFFFF"/>
-                  </a:solidFill>
-                </a14:hiddenFill>
-              </a:ext>
-            </a:extLst>
-          </p:spPr>
-        </p:sp>
-        <p:sp>
-          <p:nvSpPr>
-            <p:cNvPr id="28" name="Freeform 23">
-              <a:extLst>
-                <a:ext uri="{FF2B5EF4-FFF2-40B4-BE49-F238E27FC236}">
-                  <a16:creationId xmlns:a16="http://schemas.microsoft.com/office/drawing/2014/main" id="{E8FF5DA7-6E72-41F1-A54C-EAF440A274F3}"/>
-                </a:ext>
-                <a:ext uri="{C183D7F6-B498-43B3-948B-1728B52AA6E4}">
-                  <adec:decorative xmlns:adec="http://schemas.microsoft.com/office/drawing/2017/decorative" val="1"/>
-                </a:ext>
-              </a:extLst>
-            </p:cNvPr>
-            <p:cNvSpPr/>
-            <p:nvPr>
-              <p:extLst>
-                <p:ext uri="{386F3935-93C4-4BCD-93E2-E3B085C9AB24}">
-                  <p16:designElem xmlns:p16="http://schemas.microsoft.com/office/powerpoint/2015/main" val="1"/>
-                </p:ext>
-              </p:extLst>
-            </p:nvPr>
+            </a:ln>
+            <a:extLst>
+              <a:ext uri="{909E8E84-426E-40DD-AFC4-6F175D3DCCD1}">
+                <a14:hiddenFill xmlns:a14="http://schemas.microsoft.com/office/drawing/2010/main">
+                  <a:solidFill>
+                    <a:srgbClr val="FFFFFF"/>
+                  </a:solidFill>
+                </a14:hiddenFill>
+              </a:ext>
+            </a:extLst>
+          </p:spPr>
+        </p:sp>
+        <p:sp>
+          <p:nvSpPr>
+            <p:cNvPr id="28" name="Freeform 23"/>
+            <p:cNvSpPr/>
+            <p:nvPr/>
           </p:nvSpPr>
           <p:spPr bwMode="auto">
             <a:xfrm>
@@ -21559,8 +19997,6 @@
               </a:solidFill>
               <a:prstDash val="solid"/>
               <a:miter lim="800000"/>
-              <a:headEnd/>
-              <a:tailEnd/>
             </a:ln>
             <a:extLst>
               <a:ext uri="{909E8E84-426E-40DD-AFC4-6F175D3DCCD1}">
@@ -21576,26 +20012,11 @@
       </p:grpSp>
       <p:grpSp>
         <p:nvGrpSpPr>
-          <p:cNvPr id="30" name="Group 29">
-            <a:extLst>
-              <a:ext uri="{FF2B5EF4-FFF2-40B4-BE49-F238E27FC236}">
-                <a16:creationId xmlns:a16="http://schemas.microsoft.com/office/drawing/2014/main" id="{A899734C-500F-4274-9854-8BFA14A1D7EE}"/>
-              </a:ext>
-              <a:ext uri="{C183D7F6-B498-43B3-948B-1728B52AA6E4}">
-                <adec:decorative xmlns:adec="http://schemas.microsoft.com/office/drawing/2017/decorative" val="1"/>
-              </a:ext>
-            </a:extLst>
-          </p:cNvPr>
+          <p:cNvPr id="30" name="Group 29"/>
           <p:cNvGrpSpPr>
-            <a:grpSpLocks noGrp="1" noUngrp="1" noRot="1" noChangeAspect="1" noMove="1" noResize="1"/>
+            <a:grpSpLocks noGrp="1" noRot="1" noChangeAspect="1" noMove="1" noResize="1" noUngrp="1"/>
           </p:cNvGrpSpPr>
-          <p:nvPr>
-            <p:extLst>
-              <p:ext uri="{386F3935-93C4-4BCD-93E2-E3B085C9AB24}">
-                <p16:designElem xmlns:p16="http://schemas.microsoft.com/office/powerpoint/2015/main" val="1"/>
-              </p:ext>
-            </p:extLst>
-          </p:nvPr>
+          <p:nvPr/>
         </p:nvGrpSpPr>
         <p:grpSpPr>
           <a:xfrm>
@@ -21607,24 +20028,9 @@
         </p:grpSpPr>
         <p:sp>
           <p:nvSpPr>
-            <p:cNvPr id="31" name="Rectangle 30">
-              <a:extLst>
-                <a:ext uri="{FF2B5EF4-FFF2-40B4-BE49-F238E27FC236}">
-                  <a16:creationId xmlns:a16="http://schemas.microsoft.com/office/drawing/2014/main" id="{FF07BF51-2934-47AD-A415-7400882F1477}"/>
-                </a:ext>
-                <a:ext uri="{C183D7F6-B498-43B3-948B-1728B52AA6E4}">
-                  <adec:decorative xmlns:adec="http://schemas.microsoft.com/office/drawing/2017/decorative" val="1"/>
-                </a:ext>
-              </a:extLst>
-            </p:cNvPr>
-            <p:cNvSpPr/>
-            <p:nvPr>
-              <p:extLst>
-                <p:ext uri="{386F3935-93C4-4BCD-93E2-E3B085C9AB24}">
-                  <p16:designElem xmlns:p16="http://schemas.microsoft.com/office/powerpoint/2015/main" val="1"/>
-                </p:ext>
-              </p:extLst>
-            </p:nvPr>
+            <p:cNvPr id="31" name="Rectangle 30"/>
+            <p:cNvSpPr/>
+            <p:nvPr/>
           </p:nvSpPr>
           <p:spPr>
             <a:xfrm>
@@ -21660,24 +20066,9 @@
         </p:sp>
         <p:sp>
           <p:nvSpPr>
-            <p:cNvPr id="32" name="Isosceles Triangle 31">
-              <a:extLst>
-                <a:ext uri="{FF2B5EF4-FFF2-40B4-BE49-F238E27FC236}">
-                  <a16:creationId xmlns:a16="http://schemas.microsoft.com/office/drawing/2014/main" id="{DD6E3DF0-EDC0-458B-9C5B-911814F0A681}"/>
-                </a:ext>
-                <a:ext uri="{C183D7F6-B498-43B3-948B-1728B52AA6E4}">
-                  <adec:decorative xmlns:adec="http://schemas.microsoft.com/office/drawing/2017/decorative" val="1"/>
-                </a:ext>
-              </a:extLst>
-            </p:cNvPr>
-            <p:cNvSpPr/>
-            <p:nvPr>
-              <p:extLst>
-                <p:ext uri="{386F3935-93C4-4BCD-93E2-E3B085C9AB24}">
-                  <p16:designElem xmlns:p16="http://schemas.microsoft.com/office/powerpoint/2015/main" val="1"/>
-                </p:ext>
-              </p:extLst>
-            </p:nvPr>
+            <p:cNvPr id="32" name="Isosceles Triangle 31"/>
+            <p:cNvSpPr/>
+            <p:nvPr/>
           </p:nvSpPr>
           <p:spPr>
             <a:xfrm rot="10800000">
@@ -21713,24 +20104,9 @@
         </p:sp>
         <p:sp>
           <p:nvSpPr>
-            <p:cNvPr id="33" name="Rectangle 32">
-              <a:extLst>
-                <a:ext uri="{FF2B5EF4-FFF2-40B4-BE49-F238E27FC236}">
-                  <a16:creationId xmlns:a16="http://schemas.microsoft.com/office/drawing/2014/main" id="{5D0824B1-47C9-4504-99FB-CB15051979CA}"/>
-                </a:ext>
-                <a:ext uri="{C183D7F6-B498-43B3-948B-1728B52AA6E4}">
-                  <adec:decorative xmlns:adec="http://schemas.microsoft.com/office/drawing/2017/decorative" val="1"/>
-                </a:ext>
-              </a:extLst>
-            </p:cNvPr>
-            <p:cNvSpPr/>
-            <p:nvPr>
-              <p:extLst>
-                <p:ext uri="{386F3935-93C4-4BCD-93E2-E3B085C9AB24}">
-                  <p16:designElem xmlns:p16="http://schemas.microsoft.com/office/powerpoint/2015/main" val="1"/>
-                </p:ext>
-              </p:extLst>
-            </p:nvPr>
+            <p:cNvPr id="33" name="Rectangle 32"/>
+            <p:cNvSpPr/>
+            <p:nvPr/>
           </p:nvSpPr>
           <p:spPr>
             <a:xfrm>
@@ -21767,26 +20143,11 @@
       </p:grpSp>
       <p:sp useBgFill="1">
         <p:nvSpPr>
-          <p:cNvPr id="35" name="Rectangle 34">
-            <a:extLst>
-              <a:ext uri="{FF2B5EF4-FFF2-40B4-BE49-F238E27FC236}">
-                <a16:creationId xmlns:a16="http://schemas.microsoft.com/office/drawing/2014/main" id="{34DD805B-2A7B-4ADA-9C4D-E0C9F192DBB3}"/>
-              </a:ext>
-              <a:ext uri="{C183D7F6-B498-43B3-948B-1728B52AA6E4}">
-                <adec:decorative xmlns:adec="http://schemas.microsoft.com/office/drawing/2017/decorative" val="1"/>
-              </a:ext>
-            </a:extLst>
-          </p:cNvPr>
+          <p:cNvPr id="35" name="Rectangle 34"/>
           <p:cNvSpPr>
             <a:spLocks noGrp="1" noRot="1" noChangeAspect="1" noMove="1" noResize="1" noEditPoints="1" noAdjustHandles="1" noChangeArrowheads="1" noChangeShapeType="1" noTextEdit="1"/>
           </p:cNvSpPr>
-          <p:nvPr>
-            <p:extLst>
-              <p:ext uri="{386F3935-93C4-4BCD-93E2-E3B085C9AB24}">
-                <p16:designElem xmlns:p16="http://schemas.microsoft.com/office/powerpoint/2015/main" val="1"/>
-              </p:ext>
-            </p:extLst>
-          </p:nvPr>
+          <p:nvPr/>
         </p:nvSpPr>
         <p:spPr>
           <a:xfrm>
@@ -21827,26 +20188,11 @@
       </p:sp>
       <p:grpSp>
         <p:nvGrpSpPr>
-          <p:cNvPr id="37" name="Group 36">
-            <a:extLst>
-              <a:ext uri="{FF2B5EF4-FFF2-40B4-BE49-F238E27FC236}">
-                <a16:creationId xmlns:a16="http://schemas.microsoft.com/office/drawing/2014/main" id="{C664A566-6D08-4E84-9708-4916A20016FF}"/>
-              </a:ext>
-              <a:ext uri="{C183D7F6-B498-43B3-948B-1728B52AA6E4}">
-                <adec:decorative xmlns:adec="http://schemas.microsoft.com/office/drawing/2017/decorative" val="1"/>
-              </a:ext>
-            </a:extLst>
-          </p:cNvPr>
+          <p:cNvPr id="37" name="Group 36"/>
           <p:cNvGrpSpPr>
-            <a:grpSpLocks noGrp="1" noUngrp="1" noRot="1" noChangeAspect="1" noMove="1" noResize="1"/>
+            <a:grpSpLocks noGrp="1" noRot="1" noChangeAspect="1" noMove="1" noResize="1" noUngrp="1"/>
           </p:cNvGrpSpPr>
-          <p:nvPr>
-            <p:extLst>
-              <p:ext uri="{386F3935-93C4-4BCD-93E2-E3B085C9AB24}">
-                <p16:designElem xmlns:p16="http://schemas.microsoft.com/office/powerpoint/2015/main" val="1"/>
-              </p:ext>
-            </p:extLst>
-          </p:nvPr>
+          <p:nvPr/>
         </p:nvGrpSpPr>
         <p:grpSpPr>
           <a:xfrm>
@@ -21858,26 +20204,9 @@
         </p:grpSpPr>
         <p:sp>
           <p:nvSpPr>
-            <p:cNvPr id="38" name="Freeform 5">
-              <a:extLst>
-                <a:ext uri="{FF2B5EF4-FFF2-40B4-BE49-F238E27FC236}">
-                  <a16:creationId xmlns:a16="http://schemas.microsoft.com/office/drawing/2014/main" id="{871B622B-6E58-4933-88EC-99F28705F76C}"/>
-                </a:ext>
-                <a:ext uri="{C183D7F6-B498-43B3-948B-1728B52AA6E4}">
-                  <adec:decorative xmlns:adec="http://schemas.microsoft.com/office/drawing/2017/decorative" val="1"/>
-                </a:ext>
-              </a:extLst>
-            </p:cNvPr>
-            <p:cNvSpPr>
-              <a:spLocks/>
-            </p:cNvSpPr>
-            <p:nvPr>
-              <p:extLst>
-                <p:ext uri="{386F3935-93C4-4BCD-93E2-E3B085C9AB24}">
-                  <p16:designElem xmlns:p16="http://schemas.microsoft.com/office/powerpoint/2015/main" val="1"/>
-                </p:ext>
-              </p:extLst>
-            </p:nvPr>
+            <p:cNvPr id="38" name="Freeform 5"/>
+            <p:cNvSpPr/>
+            <p:nvPr/>
           </p:nvSpPr>
           <p:spPr bwMode="auto">
             <a:xfrm>
@@ -21954,8 +20283,6 @@
               </a:solidFill>
               <a:prstDash val="solid"/>
               <a:miter lim="800000"/>
-              <a:headEnd/>
-              <a:tailEnd/>
             </a:ln>
             <a:extLst>
               <a:ext uri="{909E8E84-426E-40DD-AFC4-6F175D3DCCD1}">
@@ -21968,11 +20295,7 @@
             </a:extLst>
           </p:spPr>
           <p:txBody>
-            <a:bodyPr vert="horz" wrap="square" lIns="91440" tIns="45720" rIns="91440" bIns="45720" numCol="1" anchor="t" anchorCtr="0" compatLnSpc="1">
-              <a:prstTxWarp prst="textNoShape">
-                <a:avLst/>
-              </a:prstTxWarp>
-            </a:bodyPr>
+            <a:bodyPr vert="horz" wrap="square" lIns="91440" tIns="45720" rIns="91440" bIns="45720" numCol="1" anchor="t" anchorCtr="0" compatLnSpc="1"/>
             <a:lstStyle/>
             <a:p>
               <a:endParaRPr lang="en-US"/>
@@ -21981,26 +20304,9 @@
         </p:sp>
         <p:sp>
           <p:nvSpPr>
-            <p:cNvPr id="39" name="Freeform 6">
-              <a:extLst>
-                <a:ext uri="{FF2B5EF4-FFF2-40B4-BE49-F238E27FC236}">
-                  <a16:creationId xmlns:a16="http://schemas.microsoft.com/office/drawing/2014/main" id="{EE9A4681-AC1B-4ABC-9A1C-C7E7F08A003B}"/>
-                </a:ext>
-                <a:ext uri="{C183D7F6-B498-43B3-948B-1728B52AA6E4}">
-                  <adec:decorative xmlns:adec="http://schemas.microsoft.com/office/drawing/2017/decorative" val="1"/>
-                </a:ext>
-              </a:extLst>
-            </p:cNvPr>
-            <p:cNvSpPr>
-              <a:spLocks/>
-            </p:cNvSpPr>
-            <p:nvPr>
-              <p:extLst>
-                <p:ext uri="{386F3935-93C4-4BCD-93E2-E3B085C9AB24}">
-                  <p16:designElem xmlns:p16="http://schemas.microsoft.com/office/powerpoint/2015/main" val="1"/>
-                </p:ext>
-              </p:extLst>
-            </p:nvPr>
+            <p:cNvPr id="39" name="Freeform 6"/>
+            <p:cNvSpPr/>
+            <p:nvPr/>
           </p:nvSpPr>
           <p:spPr bwMode="auto">
             <a:xfrm>
@@ -22077,8 +20383,6 @@
               </a:solidFill>
               <a:prstDash val="solid"/>
               <a:miter lim="800000"/>
-              <a:headEnd/>
-              <a:tailEnd/>
             </a:ln>
             <a:extLst>
               <a:ext uri="{909E8E84-426E-40DD-AFC4-6F175D3DCCD1}">
@@ -22091,11 +20395,7 @@
             </a:extLst>
           </p:spPr>
           <p:txBody>
-            <a:bodyPr vert="horz" wrap="square" lIns="91440" tIns="45720" rIns="91440" bIns="45720" numCol="1" anchor="t" anchorCtr="0" compatLnSpc="1">
-              <a:prstTxWarp prst="textNoShape">
-                <a:avLst/>
-              </a:prstTxWarp>
-            </a:bodyPr>
+            <a:bodyPr vert="horz" wrap="square" lIns="91440" tIns="45720" rIns="91440" bIns="45720" numCol="1" anchor="t" anchorCtr="0" compatLnSpc="1"/>
             <a:lstStyle/>
             <a:p>
               <a:endParaRPr lang="en-US"/>
@@ -22104,26 +20404,9 @@
         </p:sp>
         <p:sp>
           <p:nvSpPr>
-            <p:cNvPr id="40" name="Freeform 7">
-              <a:extLst>
-                <a:ext uri="{FF2B5EF4-FFF2-40B4-BE49-F238E27FC236}">
-                  <a16:creationId xmlns:a16="http://schemas.microsoft.com/office/drawing/2014/main" id="{F1EEAF4B-DA1A-4CC9-9CE4-587A9E2E1735}"/>
-                </a:ext>
-                <a:ext uri="{C183D7F6-B498-43B3-948B-1728B52AA6E4}">
-                  <adec:decorative xmlns:adec="http://schemas.microsoft.com/office/drawing/2017/decorative" val="1"/>
-                </a:ext>
-              </a:extLst>
-            </p:cNvPr>
-            <p:cNvSpPr>
-              <a:spLocks/>
-            </p:cNvSpPr>
-            <p:nvPr>
-              <p:extLst>
-                <p:ext uri="{386F3935-93C4-4BCD-93E2-E3B085C9AB24}">
-                  <p16:designElem xmlns:p16="http://schemas.microsoft.com/office/powerpoint/2015/main" val="1"/>
-                </p:ext>
-              </p:extLst>
-            </p:nvPr>
+            <p:cNvPr id="40" name="Freeform 7"/>
+            <p:cNvSpPr/>
+            <p:nvPr/>
           </p:nvSpPr>
           <p:spPr bwMode="auto">
             <a:xfrm>
@@ -22210,8 +20493,6 @@
               </a:solidFill>
               <a:prstDash val="dash"/>
               <a:miter lim="800000"/>
-              <a:headEnd/>
-              <a:tailEnd/>
             </a:ln>
             <a:extLst>
               <a:ext uri="{909E8E84-426E-40DD-AFC4-6F175D3DCCD1}">
@@ -22224,11 +20505,7 @@
             </a:extLst>
           </p:spPr>
           <p:txBody>
-            <a:bodyPr vert="horz" wrap="square" lIns="91440" tIns="45720" rIns="91440" bIns="45720" numCol="1" anchor="t" anchorCtr="0" compatLnSpc="1">
-              <a:prstTxWarp prst="textNoShape">
-                <a:avLst/>
-              </a:prstTxWarp>
-            </a:bodyPr>
+            <a:bodyPr vert="horz" wrap="square" lIns="91440" tIns="45720" rIns="91440" bIns="45720" numCol="1" anchor="t" anchorCtr="0" compatLnSpc="1"/>
             <a:lstStyle/>
             <a:p>
               <a:endParaRPr lang="en-US"/>
@@ -22237,26 +20514,9 @@
         </p:sp>
         <p:sp>
           <p:nvSpPr>
-            <p:cNvPr id="41" name="Freeform 8">
-              <a:extLst>
-                <a:ext uri="{FF2B5EF4-FFF2-40B4-BE49-F238E27FC236}">
-                  <a16:creationId xmlns:a16="http://schemas.microsoft.com/office/drawing/2014/main" id="{4591EF24-12A6-499B-8074-7E3DFBE6E38F}"/>
-                </a:ext>
-                <a:ext uri="{C183D7F6-B498-43B3-948B-1728B52AA6E4}">
-                  <adec:decorative xmlns:adec="http://schemas.microsoft.com/office/drawing/2017/decorative" val="1"/>
-                </a:ext>
-              </a:extLst>
-            </p:cNvPr>
-            <p:cNvSpPr>
-              <a:spLocks/>
-            </p:cNvSpPr>
-            <p:nvPr>
-              <p:extLst>
-                <p:ext uri="{386F3935-93C4-4BCD-93E2-E3B085C9AB24}">
-                  <p16:designElem xmlns:p16="http://schemas.microsoft.com/office/powerpoint/2015/main" val="1"/>
-                </p:ext>
-              </p:extLst>
-            </p:nvPr>
+            <p:cNvPr id="41" name="Freeform 8"/>
+            <p:cNvSpPr/>
+            <p:nvPr/>
           </p:nvSpPr>
           <p:spPr bwMode="auto">
             <a:xfrm>
@@ -22323,8 +20583,6 @@
               </a:solidFill>
               <a:prstDash val="solid"/>
               <a:miter lim="800000"/>
-              <a:headEnd/>
-              <a:tailEnd/>
             </a:ln>
             <a:extLst>
               <a:ext uri="{909E8E84-426E-40DD-AFC4-6F175D3DCCD1}">
@@ -22337,11 +20595,7 @@
             </a:extLst>
           </p:spPr>
           <p:txBody>
-            <a:bodyPr vert="horz" wrap="square" lIns="91440" tIns="45720" rIns="91440" bIns="45720" numCol="1" anchor="t" anchorCtr="0" compatLnSpc="1">
-              <a:prstTxWarp prst="textNoShape">
-                <a:avLst/>
-              </a:prstTxWarp>
-            </a:bodyPr>
+            <a:bodyPr vert="horz" wrap="square" lIns="91440" tIns="45720" rIns="91440" bIns="45720" numCol="1" anchor="t" anchorCtr="0" compatLnSpc="1"/>
             <a:lstStyle/>
             <a:p>
               <a:endParaRPr lang="en-US"/>
@@ -22350,26 +20604,9 @@
         </p:sp>
         <p:sp>
           <p:nvSpPr>
-            <p:cNvPr id="42" name="Freeform 9">
-              <a:extLst>
-                <a:ext uri="{FF2B5EF4-FFF2-40B4-BE49-F238E27FC236}">
-                  <a16:creationId xmlns:a16="http://schemas.microsoft.com/office/drawing/2014/main" id="{66866784-2E4F-4C28-BE67-875B71B7C130}"/>
-                </a:ext>
-                <a:ext uri="{C183D7F6-B498-43B3-948B-1728B52AA6E4}">
-                  <adec:decorative xmlns:adec="http://schemas.microsoft.com/office/drawing/2017/decorative" val="1"/>
-                </a:ext>
-              </a:extLst>
-            </p:cNvPr>
-            <p:cNvSpPr>
-              <a:spLocks/>
-            </p:cNvSpPr>
-            <p:nvPr>
-              <p:extLst>
-                <p:ext uri="{386F3935-93C4-4BCD-93E2-E3B085C9AB24}">
-                  <p16:designElem xmlns:p16="http://schemas.microsoft.com/office/powerpoint/2015/main" val="1"/>
-                </p:ext>
-              </p:extLst>
-            </p:nvPr>
+            <p:cNvPr id="42" name="Freeform 9"/>
+            <p:cNvSpPr/>
+            <p:nvPr/>
           </p:nvSpPr>
           <p:spPr bwMode="auto">
             <a:xfrm>
@@ -22416,8 +20653,6 @@
               </a:solidFill>
               <a:prstDash val="solid"/>
               <a:miter lim="800000"/>
-              <a:headEnd/>
-              <a:tailEnd/>
             </a:ln>
             <a:extLst>
               <a:ext uri="{909E8E84-426E-40DD-AFC4-6F175D3DCCD1}">
@@ -22430,11 +20665,7 @@
             </a:extLst>
           </p:spPr>
           <p:txBody>
-            <a:bodyPr vert="horz" wrap="square" lIns="91440" tIns="45720" rIns="91440" bIns="45720" numCol="1" anchor="t" anchorCtr="0" compatLnSpc="1">
-              <a:prstTxWarp prst="textNoShape">
-                <a:avLst/>
-              </a:prstTxWarp>
-            </a:bodyPr>
+            <a:bodyPr vert="horz" wrap="square" lIns="91440" tIns="45720" rIns="91440" bIns="45720" numCol="1" anchor="t" anchorCtr="0" compatLnSpc="1"/>
             <a:lstStyle/>
             <a:p>
               <a:endParaRPr lang="en-US"/>
@@ -22443,26 +20674,9 @@
         </p:sp>
         <p:sp>
           <p:nvSpPr>
-            <p:cNvPr id="43" name="Freeform 10">
-              <a:extLst>
-                <a:ext uri="{FF2B5EF4-FFF2-40B4-BE49-F238E27FC236}">
-                  <a16:creationId xmlns:a16="http://schemas.microsoft.com/office/drawing/2014/main" id="{752279D8-59CC-4821-B591-79994164FFE5}"/>
-                </a:ext>
-                <a:ext uri="{C183D7F6-B498-43B3-948B-1728B52AA6E4}">
-                  <adec:decorative xmlns:adec="http://schemas.microsoft.com/office/drawing/2017/decorative" val="1"/>
-                </a:ext>
-              </a:extLst>
-            </p:cNvPr>
-            <p:cNvSpPr>
-              <a:spLocks/>
-            </p:cNvSpPr>
-            <p:nvPr>
-              <p:extLst>
-                <p:ext uri="{386F3935-93C4-4BCD-93E2-E3B085C9AB24}">
-                  <p16:designElem xmlns:p16="http://schemas.microsoft.com/office/powerpoint/2015/main" val="1"/>
-                </p:ext>
-              </p:extLst>
-            </p:nvPr>
+            <p:cNvPr id="43" name="Freeform 10"/>
+            <p:cNvSpPr/>
+            <p:nvPr/>
           </p:nvSpPr>
           <p:spPr bwMode="auto">
             <a:xfrm>
@@ -22529,8 +20743,6 @@
               </a:solidFill>
               <a:prstDash val="solid"/>
               <a:miter lim="800000"/>
-              <a:headEnd/>
-              <a:tailEnd/>
             </a:ln>
             <a:extLst>
               <a:ext uri="{909E8E84-426E-40DD-AFC4-6F175D3DCCD1}">
@@ -22543,11 +20755,7 @@
             </a:extLst>
           </p:spPr>
           <p:txBody>
-            <a:bodyPr vert="horz" wrap="square" lIns="91440" tIns="45720" rIns="91440" bIns="45720" numCol="1" anchor="t" anchorCtr="0" compatLnSpc="1">
-              <a:prstTxWarp prst="textNoShape">
-                <a:avLst/>
-              </a:prstTxWarp>
-            </a:bodyPr>
+            <a:bodyPr vert="horz" wrap="square" lIns="91440" tIns="45720" rIns="91440" bIns="45720" numCol="1" anchor="t" anchorCtr="0" compatLnSpc="1"/>
             <a:lstStyle/>
             <a:p>
               <a:endParaRPr lang="en-US"/>
@@ -22556,26 +20764,9 @@
         </p:sp>
         <p:sp>
           <p:nvSpPr>
-            <p:cNvPr id="44" name="Freeform 11">
-              <a:extLst>
-                <a:ext uri="{FF2B5EF4-FFF2-40B4-BE49-F238E27FC236}">
-                  <a16:creationId xmlns:a16="http://schemas.microsoft.com/office/drawing/2014/main" id="{FB4FBA9C-1D3E-4B35-8A79-25478153F55D}"/>
-                </a:ext>
-                <a:ext uri="{C183D7F6-B498-43B3-948B-1728B52AA6E4}">
-                  <adec:decorative xmlns:adec="http://schemas.microsoft.com/office/drawing/2017/decorative" val="1"/>
-                </a:ext>
-              </a:extLst>
-            </p:cNvPr>
-            <p:cNvSpPr>
-              <a:spLocks/>
-            </p:cNvSpPr>
-            <p:nvPr>
-              <p:extLst>
-                <p:ext uri="{386F3935-93C4-4BCD-93E2-E3B085C9AB24}">
-                  <p16:designElem xmlns:p16="http://schemas.microsoft.com/office/powerpoint/2015/main" val="1"/>
-                </p:ext>
-              </p:extLst>
-            </p:nvPr>
+            <p:cNvPr id="44" name="Freeform 11"/>
+            <p:cNvSpPr/>
+            <p:nvPr/>
           </p:nvSpPr>
           <p:spPr bwMode="auto">
             <a:xfrm>
@@ -22632,8 +20823,6 @@
               </a:solidFill>
               <a:prstDash val="solid"/>
               <a:miter lim="800000"/>
-              <a:headEnd/>
-              <a:tailEnd/>
             </a:ln>
             <a:extLst>
               <a:ext uri="{909E8E84-426E-40DD-AFC4-6F175D3DCCD1}">
@@ -22646,11 +20835,7 @@
             </a:extLst>
           </p:spPr>
           <p:txBody>
-            <a:bodyPr vert="horz" wrap="square" lIns="91440" tIns="45720" rIns="91440" bIns="45720" numCol="1" anchor="t" anchorCtr="0" compatLnSpc="1">
-              <a:prstTxWarp prst="textNoShape">
-                <a:avLst/>
-              </a:prstTxWarp>
-            </a:bodyPr>
+            <a:bodyPr vert="horz" wrap="square" lIns="91440" tIns="45720" rIns="91440" bIns="45720" numCol="1" anchor="t" anchorCtr="0" compatLnSpc="1"/>
             <a:lstStyle/>
             <a:p>
               <a:endParaRPr lang="en-US"/>
@@ -22659,26 +20844,9 @@
         </p:sp>
         <p:sp>
           <p:nvSpPr>
-            <p:cNvPr id="45" name="Freeform 12">
-              <a:extLst>
-                <a:ext uri="{FF2B5EF4-FFF2-40B4-BE49-F238E27FC236}">
-                  <a16:creationId xmlns:a16="http://schemas.microsoft.com/office/drawing/2014/main" id="{9428A193-740A-43D2-B875-80CB90AD911B}"/>
-                </a:ext>
-                <a:ext uri="{C183D7F6-B498-43B3-948B-1728B52AA6E4}">
-                  <adec:decorative xmlns:adec="http://schemas.microsoft.com/office/drawing/2017/decorative" val="1"/>
-                </a:ext>
-              </a:extLst>
-            </p:cNvPr>
-            <p:cNvSpPr>
-              <a:spLocks/>
-            </p:cNvSpPr>
-            <p:nvPr>
-              <p:extLst>
-                <p:ext uri="{386F3935-93C4-4BCD-93E2-E3B085C9AB24}">
-                  <p16:designElem xmlns:p16="http://schemas.microsoft.com/office/powerpoint/2015/main" val="1"/>
-                </p:ext>
-              </p:extLst>
-            </p:nvPr>
+            <p:cNvPr id="45" name="Freeform 12"/>
+            <p:cNvSpPr/>
+            <p:nvPr/>
           </p:nvSpPr>
           <p:spPr bwMode="auto">
             <a:xfrm>
@@ -22725,8 +20893,6 @@
               </a:solidFill>
               <a:prstDash val="solid"/>
               <a:miter lim="800000"/>
-              <a:headEnd/>
-              <a:tailEnd/>
             </a:ln>
             <a:extLst>
               <a:ext uri="{909E8E84-426E-40DD-AFC4-6F175D3DCCD1}">
@@ -22739,11 +20905,7 @@
             </a:extLst>
           </p:spPr>
           <p:txBody>
-            <a:bodyPr vert="horz" wrap="square" lIns="91440" tIns="45720" rIns="91440" bIns="45720" numCol="1" anchor="t" anchorCtr="0" compatLnSpc="1">
-              <a:prstTxWarp prst="textNoShape">
-                <a:avLst/>
-              </a:prstTxWarp>
-            </a:bodyPr>
+            <a:bodyPr vert="horz" wrap="square" lIns="91440" tIns="45720" rIns="91440" bIns="45720" numCol="1" anchor="t" anchorCtr="0" compatLnSpc="1"/>
             <a:lstStyle/>
             <a:p>
               <a:endParaRPr lang="en-US"/>
@@ -22752,26 +20914,9 @@
         </p:sp>
         <p:sp>
           <p:nvSpPr>
-            <p:cNvPr id="46" name="Freeform 13">
-              <a:extLst>
-                <a:ext uri="{FF2B5EF4-FFF2-40B4-BE49-F238E27FC236}">
-                  <a16:creationId xmlns:a16="http://schemas.microsoft.com/office/drawing/2014/main" id="{92B2EFF8-5790-427A-ABED-1680FD133D05}"/>
-                </a:ext>
-                <a:ext uri="{C183D7F6-B498-43B3-948B-1728B52AA6E4}">
-                  <adec:decorative xmlns:adec="http://schemas.microsoft.com/office/drawing/2017/decorative" val="1"/>
-                </a:ext>
-              </a:extLst>
-            </p:cNvPr>
-            <p:cNvSpPr>
-              <a:spLocks/>
-            </p:cNvSpPr>
-            <p:nvPr>
-              <p:extLst>
-                <p:ext uri="{386F3935-93C4-4BCD-93E2-E3B085C9AB24}">
-                  <p16:designElem xmlns:p16="http://schemas.microsoft.com/office/powerpoint/2015/main" val="1"/>
-                </p:ext>
-              </p:extLst>
-            </p:nvPr>
+            <p:cNvPr id="46" name="Freeform 13"/>
+            <p:cNvSpPr/>
+            <p:nvPr/>
           </p:nvSpPr>
           <p:spPr bwMode="auto">
             <a:xfrm>
@@ -22828,8 +20973,6 @@
               </a:solidFill>
               <a:prstDash val="dash"/>
               <a:miter lim="800000"/>
-              <a:headEnd/>
-              <a:tailEnd/>
             </a:ln>
             <a:extLst>
               <a:ext uri="{909E8E84-426E-40DD-AFC4-6F175D3DCCD1}">
@@ -22842,11 +20985,7 @@
             </a:extLst>
           </p:spPr>
           <p:txBody>
-            <a:bodyPr vert="horz" wrap="square" lIns="91440" tIns="45720" rIns="91440" bIns="45720" numCol="1" anchor="t" anchorCtr="0" compatLnSpc="1">
-              <a:prstTxWarp prst="textNoShape">
-                <a:avLst/>
-              </a:prstTxWarp>
-            </a:bodyPr>
+            <a:bodyPr vert="horz" wrap="square" lIns="91440" tIns="45720" rIns="91440" bIns="45720" numCol="1" anchor="t" anchorCtr="0" compatLnSpc="1"/>
             <a:lstStyle/>
             <a:p>
               <a:endParaRPr lang="en-US"/>
@@ -22855,26 +20994,9 @@
         </p:sp>
         <p:sp>
           <p:nvSpPr>
-            <p:cNvPr id="47" name="Freeform 14">
-              <a:extLst>
-                <a:ext uri="{FF2B5EF4-FFF2-40B4-BE49-F238E27FC236}">
-                  <a16:creationId xmlns:a16="http://schemas.microsoft.com/office/drawing/2014/main" id="{782C5932-1596-43AA-BD7E-0F94FB8A96B5}"/>
-                </a:ext>
-                <a:ext uri="{C183D7F6-B498-43B3-948B-1728B52AA6E4}">
-                  <adec:decorative xmlns:adec="http://schemas.microsoft.com/office/drawing/2017/decorative" val="1"/>
-                </a:ext>
-              </a:extLst>
-            </p:cNvPr>
-            <p:cNvSpPr>
-              <a:spLocks/>
-            </p:cNvSpPr>
-            <p:nvPr>
-              <p:extLst>
-                <p:ext uri="{386F3935-93C4-4BCD-93E2-E3B085C9AB24}">
-                  <p16:designElem xmlns:p16="http://schemas.microsoft.com/office/powerpoint/2015/main" val="1"/>
-                </p:ext>
-              </p:extLst>
-            </p:nvPr>
+            <p:cNvPr id="47" name="Freeform 14"/>
+            <p:cNvSpPr/>
+            <p:nvPr/>
           </p:nvSpPr>
           <p:spPr bwMode="auto">
             <a:xfrm>
@@ -22921,8 +21043,6 @@
               </a:solidFill>
               <a:prstDash val="dash"/>
               <a:miter lim="800000"/>
-              <a:headEnd/>
-              <a:tailEnd/>
             </a:ln>
             <a:extLst>
               <a:ext uri="{909E8E84-426E-40DD-AFC4-6F175D3DCCD1}">
@@ -22935,11 +21055,7 @@
             </a:extLst>
           </p:spPr>
           <p:txBody>
-            <a:bodyPr vert="horz" wrap="square" lIns="91440" tIns="45720" rIns="91440" bIns="45720" numCol="1" anchor="t" anchorCtr="0" compatLnSpc="1">
-              <a:prstTxWarp prst="textNoShape">
-                <a:avLst/>
-              </a:prstTxWarp>
-            </a:bodyPr>
+            <a:bodyPr vert="horz" wrap="square" lIns="91440" tIns="45720" rIns="91440" bIns="45720" numCol="1" anchor="t" anchorCtr="0" compatLnSpc="1"/>
             <a:lstStyle/>
             <a:p>
               <a:endParaRPr lang="en-US"/>
@@ -22948,26 +21064,9 @@
         </p:sp>
         <p:sp>
           <p:nvSpPr>
-            <p:cNvPr id="48" name="Freeform 15">
-              <a:extLst>
-                <a:ext uri="{FF2B5EF4-FFF2-40B4-BE49-F238E27FC236}">
-                  <a16:creationId xmlns:a16="http://schemas.microsoft.com/office/drawing/2014/main" id="{EFC81310-1590-4DBE-BF0B-DADBCF9F88CD}"/>
-                </a:ext>
-                <a:ext uri="{C183D7F6-B498-43B3-948B-1728B52AA6E4}">
-                  <adec:decorative xmlns:adec="http://schemas.microsoft.com/office/drawing/2017/decorative" val="1"/>
-                </a:ext>
-              </a:extLst>
-            </p:cNvPr>
-            <p:cNvSpPr>
-              <a:spLocks/>
-            </p:cNvSpPr>
-            <p:nvPr>
-              <p:extLst>
-                <p:ext uri="{386F3935-93C4-4BCD-93E2-E3B085C9AB24}">
-                  <p16:designElem xmlns:p16="http://schemas.microsoft.com/office/powerpoint/2015/main" val="1"/>
-                </p:ext>
-              </p:extLst>
-            </p:nvPr>
+            <p:cNvPr id="48" name="Freeform 15"/>
+            <p:cNvSpPr/>
+            <p:nvPr/>
           </p:nvSpPr>
           <p:spPr bwMode="auto">
             <a:xfrm>
@@ -23024,8 +21123,6 @@
               </a:solidFill>
               <a:prstDash val="dashDot"/>
               <a:miter lim="800000"/>
-              <a:headEnd/>
-              <a:tailEnd/>
             </a:ln>
             <a:extLst>
               <a:ext uri="{909E8E84-426E-40DD-AFC4-6F175D3DCCD1}">
@@ -23038,11 +21135,7 @@
             </a:extLst>
           </p:spPr>
           <p:txBody>
-            <a:bodyPr vert="horz" wrap="square" lIns="91440" tIns="45720" rIns="91440" bIns="45720" numCol="1" anchor="t" anchorCtr="0" compatLnSpc="1">
-              <a:prstTxWarp prst="textNoShape">
-                <a:avLst/>
-              </a:prstTxWarp>
-            </a:bodyPr>
+            <a:bodyPr vert="horz" wrap="square" lIns="91440" tIns="45720" rIns="91440" bIns="45720" numCol="1" anchor="t" anchorCtr="0" compatLnSpc="1"/>
             <a:lstStyle/>
             <a:p>
               <a:endParaRPr lang="en-US"/>
@@ -23051,26 +21144,9 @@
         </p:sp>
         <p:sp>
           <p:nvSpPr>
-            <p:cNvPr id="49" name="Freeform 16">
-              <a:extLst>
-                <a:ext uri="{FF2B5EF4-FFF2-40B4-BE49-F238E27FC236}">
-                  <a16:creationId xmlns:a16="http://schemas.microsoft.com/office/drawing/2014/main" id="{968BA84E-DD0E-4FCD-8EDA-76DF8E09FB1D}"/>
-                </a:ext>
-                <a:ext uri="{C183D7F6-B498-43B3-948B-1728B52AA6E4}">
-                  <adec:decorative xmlns:adec="http://schemas.microsoft.com/office/drawing/2017/decorative" val="1"/>
-                </a:ext>
-              </a:extLst>
-            </p:cNvPr>
-            <p:cNvSpPr>
-              <a:spLocks/>
-            </p:cNvSpPr>
-            <p:nvPr>
-              <p:extLst>
-                <p:ext uri="{386F3935-93C4-4BCD-93E2-E3B085C9AB24}">
-                  <p16:designElem xmlns:p16="http://schemas.microsoft.com/office/powerpoint/2015/main" val="1"/>
-                </p:ext>
-              </p:extLst>
-            </p:nvPr>
+            <p:cNvPr id="49" name="Freeform 16"/>
+            <p:cNvSpPr/>
+            <p:nvPr/>
           </p:nvSpPr>
           <p:spPr bwMode="auto">
             <a:xfrm>
@@ -23117,8 +21193,6 @@
               </a:solidFill>
               <a:prstDash val="dashDot"/>
               <a:miter lim="800000"/>
-              <a:headEnd/>
-              <a:tailEnd/>
             </a:ln>
             <a:extLst>
               <a:ext uri="{909E8E84-426E-40DD-AFC4-6F175D3DCCD1}">
@@ -23131,11 +21205,7 @@
             </a:extLst>
           </p:spPr>
           <p:txBody>
-            <a:bodyPr vert="horz" wrap="square" lIns="91440" tIns="45720" rIns="91440" bIns="45720" numCol="1" anchor="t" anchorCtr="0" compatLnSpc="1">
-              <a:prstTxWarp prst="textNoShape">
-                <a:avLst/>
-              </a:prstTxWarp>
-            </a:bodyPr>
+            <a:bodyPr vert="horz" wrap="square" lIns="91440" tIns="45720" rIns="91440" bIns="45720" numCol="1" anchor="t" anchorCtr="0" compatLnSpc="1"/>
             <a:lstStyle/>
             <a:p>
               <a:endParaRPr lang="en-US"/>
@@ -23144,26 +21214,9 @@
         </p:sp>
         <p:sp>
           <p:nvSpPr>
-            <p:cNvPr id="50" name="Freeform 17">
-              <a:extLst>
-                <a:ext uri="{FF2B5EF4-FFF2-40B4-BE49-F238E27FC236}">
-                  <a16:creationId xmlns:a16="http://schemas.microsoft.com/office/drawing/2014/main" id="{1D3D7541-A0D9-4993-B691-D2D5B8B3EF6A}"/>
-                </a:ext>
-                <a:ext uri="{C183D7F6-B498-43B3-948B-1728B52AA6E4}">
-                  <adec:decorative xmlns:adec="http://schemas.microsoft.com/office/drawing/2017/decorative" val="1"/>
-                </a:ext>
-              </a:extLst>
-            </p:cNvPr>
-            <p:cNvSpPr>
-              <a:spLocks/>
-            </p:cNvSpPr>
-            <p:nvPr>
-              <p:extLst>
-                <p:ext uri="{386F3935-93C4-4BCD-93E2-E3B085C9AB24}">
-                  <p16:designElem xmlns:p16="http://schemas.microsoft.com/office/powerpoint/2015/main" val="1"/>
-                </p:ext>
-              </p:extLst>
-            </p:nvPr>
+            <p:cNvPr id="50" name="Freeform 17"/>
+            <p:cNvSpPr/>
+            <p:nvPr/>
           </p:nvSpPr>
           <p:spPr bwMode="auto">
             <a:xfrm>
@@ -23220,8 +21273,6 @@
               </a:solidFill>
               <a:prstDash val="solid"/>
               <a:miter lim="800000"/>
-              <a:headEnd/>
-              <a:tailEnd/>
             </a:ln>
             <a:extLst>
               <a:ext uri="{909E8E84-426E-40DD-AFC4-6F175D3DCCD1}">
@@ -23234,11 +21285,7 @@
             </a:extLst>
           </p:spPr>
           <p:txBody>
-            <a:bodyPr vert="horz" wrap="square" lIns="91440" tIns="45720" rIns="91440" bIns="45720" numCol="1" anchor="t" anchorCtr="0" compatLnSpc="1">
-              <a:prstTxWarp prst="textNoShape">
-                <a:avLst/>
-              </a:prstTxWarp>
-            </a:bodyPr>
+            <a:bodyPr vert="horz" wrap="square" lIns="91440" tIns="45720" rIns="91440" bIns="45720" numCol="1" anchor="t" anchorCtr="0" compatLnSpc="1"/>
             <a:lstStyle/>
             <a:p>
               <a:endParaRPr lang="en-US"/>
@@ -23247,26 +21294,9 @@
         </p:sp>
         <p:sp>
           <p:nvSpPr>
-            <p:cNvPr id="51" name="Freeform 18">
-              <a:extLst>
-                <a:ext uri="{FF2B5EF4-FFF2-40B4-BE49-F238E27FC236}">
-                  <a16:creationId xmlns:a16="http://schemas.microsoft.com/office/drawing/2014/main" id="{9FB31D01-8168-4494-8C2F-727E555AAF38}"/>
-                </a:ext>
-                <a:ext uri="{C183D7F6-B498-43B3-948B-1728B52AA6E4}">
-                  <adec:decorative xmlns:adec="http://schemas.microsoft.com/office/drawing/2017/decorative" val="1"/>
-                </a:ext>
-              </a:extLst>
-            </p:cNvPr>
-            <p:cNvSpPr>
-              <a:spLocks/>
-            </p:cNvSpPr>
-            <p:nvPr>
-              <p:extLst>
-                <p:ext uri="{386F3935-93C4-4BCD-93E2-E3B085C9AB24}">
-                  <p16:designElem xmlns:p16="http://schemas.microsoft.com/office/powerpoint/2015/main" val="1"/>
-                </p:ext>
-              </p:extLst>
-            </p:nvPr>
+            <p:cNvPr id="51" name="Freeform 18"/>
+            <p:cNvSpPr/>
+            <p:nvPr/>
           </p:nvSpPr>
           <p:spPr bwMode="auto">
             <a:xfrm>
@@ -23323,8 +21353,6 @@
               </a:solidFill>
               <a:prstDash val="solid"/>
               <a:miter lim="800000"/>
-              <a:headEnd/>
-              <a:tailEnd/>
             </a:ln>
             <a:extLst>
               <a:ext uri="{909E8E84-426E-40DD-AFC4-6F175D3DCCD1}">
@@ -23337,11 +21365,7 @@
             </a:extLst>
           </p:spPr>
           <p:txBody>
-            <a:bodyPr vert="horz" wrap="square" lIns="91440" tIns="45720" rIns="91440" bIns="45720" numCol="1" anchor="t" anchorCtr="0" compatLnSpc="1">
-              <a:prstTxWarp prst="textNoShape">
-                <a:avLst/>
-              </a:prstTxWarp>
-            </a:bodyPr>
+            <a:bodyPr vert="horz" wrap="square" lIns="91440" tIns="45720" rIns="91440" bIns="45720" numCol="1" anchor="t" anchorCtr="0" compatLnSpc="1"/>
             <a:lstStyle/>
             <a:p>
               <a:endParaRPr lang="en-US"/>
@@ -23350,26 +21374,9 @@
         </p:sp>
         <p:sp>
           <p:nvSpPr>
-            <p:cNvPr id="52" name="Freeform 19">
-              <a:extLst>
-                <a:ext uri="{FF2B5EF4-FFF2-40B4-BE49-F238E27FC236}">
-                  <a16:creationId xmlns:a16="http://schemas.microsoft.com/office/drawing/2014/main" id="{8C455EEB-FD40-414D-A542-FB35DEB73C1B}"/>
-                </a:ext>
-                <a:ext uri="{C183D7F6-B498-43B3-948B-1728B52AA6E4}">
-                  <adec:decorative xmlns:adec="http://schemas.microsoft.com/office/drawing/2017/decorative" val="1"/>
-                </a:ext>
-              </a:extLst>
-            </p:cNvPr>
-            <p:cNvSpPr>
-              <a:spLocks/>
-            </p:cNvSpPr>
-            <p:nvPr>
-              <p:extLst>
-                <p:ext uri="{386F3935-93C4-4BCD-93E2-E3B085C9AB24}">
-                  <p16:designElem xmlns:p16="http://schemas.microsoft.com/office/powerpoint/2015/main" val="1"/>
-                </p:ext>
-              </p:extLst>
-            </p:nvPr>
+            <p:cNvPr id="52" name="Freeform 19"/>
+            <p:cNvSpPr/>
+            <p:nvPr/>
           </p:nvSpPr>
           <p:spPr bwMode="auto">
             <a:xfrm>
@@ -23426,8 +21433,6 @@
               </a:solidFill>
               <a:prstDash val="solid"/>
               <a:miter lim="800000"/>
-              <a:headEnd/>
-              <a:tailEnd/>
             </a:ln>
             <a:extLst>
               <a:ext uri="{909E8E84-426E-40DD-AFC4-6F175D3DCCD1}">
@@ -23440,11 +21445,7 @@
             </a:extLst>
           </p:spPr>
           <p:txBody>
-            <a:bodyPr vert="horz" wrap="square" lIns="91440" tIns="45720" rIns="91440" bIns="45720" numCol="1" anchor="t" anchorCtr="0" compatLnSpc="1">
-              <a:prstTxWarp prst="textNoShape">
-                <a:avLst/>
-              </a:prstTxWarp>
-            </a:bodyPr>
+            <a:bodyPr vert="horz" wrap="square" lIns="91440" tIns="45720" rIns="91440" bIns="45720" numCol="1" anchor="t" anchorCtr="0" compatLnSpc="1"/>
             <a:lstStyle/>
             <a:p>
               <a:endParaRPr lang="en-US"/>
@@ -23453,26 +21454,9 @@
         </p:sp>
         <p:sp>
           <p:nvSpPr>
-            <p:cNvPr id="53" name="Freeform 20">
-              <a:extLst>
-                <a:ext uri="{FF2B5EF4-FFF2-40B4-BE49-F238E27FC236}">
-                  <a16:creationId xmlns:a16="http://schemas.microsoft.com/office/drawing/2014/main" id="{F08F1FC1-956F-4494-BAFD-D504E93070F3}"/>
-                </a:ext>
-                <a:ext uri="{C183D7F6-B498-43B3-948B-1728B52AA6E4}">
-                  <adec:decorative xmlns:adec="http://schemas.microsoft.com/office/drawing/2017/decorative" val="1"/>
-                </a:ext>
-              </a:extLst>
-            </p:cNvPr>
-            <p:cNvSpPr>
-              <a:spLocks/>
-            </p:cNvSpPr>
-            <p:nvPr>
-              <p:extLst>
-                <p:ext uri="{386F3935-93C4-4BCD-93E2-E3B085C9AB24}">
-                  <p16:designElem xmlns:p16="http://schemas.microsoft.com/office/powerpoint/2015/main" val="1"/>
-                </p:ext>
-              </p:extLst>
-            </p:nvPr>
+            <p:cNvPr id="53" name="Freeform 20"/>
+            <p:cNvSpPr/>
+            <p:nvPr/>
           </p:nvSpPr>
           <p:spPr bwMode="auto">
             <a:xfrm>
@@ -23519,8 +21503,6 @@
               </a:solidFill>
               <a:prstDash val="solid"/>
               <a:miter lim="800000"/>
-              <a:headEnd/>
-              <a:tailEnd/>
             </a:ln>
             <a:extLst>
               <a:ext uri="{909E8E84-426E-40DD-AFC4-6F175D3DCCD1}">
@@ -23533,11 +21515,7 @@
             </a:extLst>
           </p:spPr>
           <p:txBody>
-            <a:bodyPr vert="horz" wrap="square" lIns="91440" tIns="45720" rIns="91440" bIns="45720" numCol="1" anchor="t" anchorCtr="0" compatLnSpc="1">
-              <a:prstTxWarp prst="textNoShape">
-                <a:avLst/>
-              </a:prstTxWarp>
-            </a:bodyPr>
+            <a:bodyPr vert="horz" wrap="square" lIns="91440" tIns="45720" rIns="91440" bIns="45720" numCol="1" anchor="t" anchorCtr="0" compatLnSpc="1"/>
             <a:lstStyle/>
             <a:p>
               <a:endParaRPr lang="en-US"/>
@@ -23546,26 +21524,9 @@
         </p:sp>
         <p:sp>
           <p:nvSpPr>
-            <p:cNvPr id="54" name="Freeform 21">
-              <a:extLst>
-                <a:ext uri="{FF2B5EF4-FFF2-40B4-BE49-F238E27FC236}">
-                  <a16:creationId xmlns:a16="http://schemas.microsoft.com/office/drawing/2014/main" id="{BEEDE1AA-8DCD-43D3-BC15-574840314873}"/>
-                </a:ext>
-                <a:ext uri="{C183D7F6-B498-43B3-948B-1728B52AA6E4}">
-                  <adec:decorative xmlns:adec="http://schemas.microsoft.com/office/drawing/2017/decorative" val="1"/>
-                </a:ext>
-              </a:extLst>
-            </p:cNvPr>
-            <p:cNvSpPr>
-              <a:spLocks/>
-            </p:cNvSpPr>
-            <p:nvPr>
-              <p:extLst>
-                <p:ext uri="{386F3935-93C4-4BCD-93E2-E3B085C9AB24}">
-                  <p16:designElem xmlns:p16="http://schemas.microsoft.com/office/powerpoint/2015/main" val="1"/>
-                </p:ext>
-              </p:extLst>
-            </p:nvPr>
+            <p:cNvPr id="54" name="Freeform 21"/>
+            <p:cNvSpPr/>
+            <p:nvPr/>
           </p:nvSpPr>
           <p:spPr bwMode="auto">
             <a:xfrm>
@@ -23612,8 +21573,6 @@
               </a:solidFill>
               <a:prstDash val="solid"/>
               <a:miter lim="800000"/>
-              <a:headEnd/>
-              <a:tailEnd/>
             </a:ln>
             <a:extLst>
               <a:ext uri="{909E8E84-426E-40DD-AFC4-6F175D3DCCD1}">
@@ -23626,11 +21585,7 @@
             </a:extLst>
           </p:spPr>
           <p:txBody>
-            <a:bodyPr vert="horz" wrap="square" lIns="91440" tIns="45720" rIns="91440" bIns="45720" numCol="1" anchor="t" anchorCtr="0" compatLnSpc="1">
-              <a:prstTxWarp prst="textNoShape">
-                <a:avLst/>
-              </a:prstTxWarp>
-            </a:bodyPr>
+            <a:bodyPr vert="horz" wrap="square" lIns="91440" tIns="45720" rIns="91440" bIns="45720" numCol="1" anchor="t" anchorCtr="0" compatLnSpc="1"/>
             <a:lstStyle/>
             <a:p>
               <a:endParaRPr lang="en-US"/>
@@ -23639,26 +21594,9 @@
         </p:sp>
         <p:sp>
           <p:nvSpPr>
-            <p:cNvPr id="55" name="Freeform 22">
-              <a:extLst>
-                <a:ext uri="{FF2B5EF4-FFF2-40B4-BE49-F238E27FC236}">
-                  <a16:creationId xmlns:a16="http://schemas.microsoft.com/office/drawing/2014/main" id="{E36CDA69-ED79-4DCF-9761-0B6134FA6382}"/>
-                </a:ext>
-                <a:ext uri="{C183D7F6-B498-43B3-948B-1728B52AA6E4}">
-                  <adec:decorative xmlns:adec="http://schemas.microsoft.com/office/drawing/2017/decorative" val="1"/>
-                </a:ext>
-              </a:extLst>
-            </p:cNvPr>
-            <p:cNvSpPr>
-              <a:spLocks/>
-            </p:cNvSpPr>
-            <p:nvPr>
-              <p:extLst>
-                <p:ext uri="{386F3935-93C4-4BCD-93E2-E3B085C9AB24}">
-                  <p16:designElem xmlns:p16="http://schemas.microsoft.com/office/powerpoint/2015/main" val="1"/>
-                </p:ext>
-              </p:extLst>
-            </p:nvPr>
+            <p:cNvPr id="55" name="Freeform 22"/>
+            <p:cNvSpPr/>
+            <p:nvPr/>
           </p:nvSpPr>
           <p:spPr bwMode="auto">
             <a:xfrm>
@@ -23705,8 +21643,6 @@
               </a:solidFill>
               <a:prstDash val="dash"/>
               <a:miter lim="800000"/>
-              <a:headEnd/>
-              <a:tailEnd/>
             </a:ln>
             <a:extLst>
               <a:ext uri="{909E8E84-426E-40DD-AFC4-6F175D3DCCD1}">
@@ -23719,11 +21655,7 @@
             </a:extLst>
           </p:spPr>
           <p:txBody>
-            <a:bodyPr vert="horz" wrap="square" lIns="91440" tIns="45720" rIns="91440" bIns="45720" numCol="1" anchor="t" anchorCtr="0" compatLnSpc="1">
-              <a:prstTxWarp prst="textNoShape">
-                <a:avLst/>
-              </a:prstTxWarp>
-            </a:bodyPr>
+            <a:bodyPr vert="horz" wrap="square" lIns="91440" tIns="45720" rIns="91440" bIns="45720" numCol="1" anchor="t" anchorCtr="0" compatLnSpc="1"/>
             <a:lstStyle/>
             <a:p>
               <a:endParaRPr lang="en-US"/>
@@ -23732,26 +21664,9 @@
         </p:sp>
         <p:sp>
           <p:nvSpPr>
-            <p:cNvPr id="56" name="Freeform 23">
-              <a:extLst>
-                <a:ext uri="{FF2B5EF4-FFF2-40B4-BE49-F238E27FC236}">
-                  <a16:creationId xmlns:a16="http://schemas.microsoft.com/office/drawing/2014/main" id="{5F812C02-CFCB-47F4-B493-7753519FCADA}"/>
-                </a:ext>
-                <a:ext uri="{C183D7F6-B498-43B3-948B-1728B52AA6E4}">
-                  <adec:decorative xmlns:adec="http://schemas.microsoft.com/office/drawing/2017/decorative" val="1"/>
-                </a:ext>
-              </a:extLst>
-            </p:cNvPr>
-            <p:cNvSpPr>
-              <a:spLocks/>
-            </p:cNvSpPr>
-            <p:nvPr>
-              <p:extLst>
-                <p:ext uri="{386F3935-93C4-4BCD-93E2-E3B085C9AB24}">
-                  <p16:designElem xmlns:p16="http://schemas.microsoft.com/office/powerpoint/2015/main" val="1"/>
-                </p:ext>
-              </p:extLst>
-            </p:nvPr>
+            <p:cNvPr id="56" name="Freeform 23"/>
+            <p:cNvSpPr/>
+            <p:nvPr/>
           </p:nvSpPr>
           <p:spPr bwMode="auto">
             <a:xfrm>
@@ -23798,8 +21713,6 @@
               </a:solidFill>
               <a:prstDash val="solid"/>
               <a:miter lim="800000"/>
-              <a:headEnd/>
-              <a:tailEnd/>
             </a:ln>
             <a:extLst>
               <a:ext uri="{909E8E84-426E-40DD-AFC4-6F175D3DCCD1}">
@@ -23812,11 +21725,7 @@
             </a:extLst>
           </p:spPr>
           <p:txBody>
-            <a:bodyPr vert="horz" wrap="square" lIns="91440" tIns="45720" rIns="91440" bIns="45720" numCol="1" anchor="t" anchorCtr="0" compatLnSpc="1">
-              <a:prstTxWarp prst="textNoShape">
-                <a:avLst/>
-              </a:prstTxWarp>
-            </a:bodyPr>
+            <a:bodyPr vert="horz" wrap="square" lIns="91440" tIns="45720" rIns="91440" bIns="45720" numCol="1" anchor="t" anchorCtr="0" compatLnSpc="1"/>
             <a:lstStyle/>
             <a:p>
               <a:endParaRPr lang="en-US"/>
@@ -23826,26 +21735,11 @@
       </p:grpSp>
       <p:grpSp>
         <p:nvGrpSpPr>
-          <p:cNvPr id="58" name="Group 57">
-            <a:extLst>
-              <a:ext uri="{FF2B5EF4-FFF2-40B4-BE49-F238E27FC236}">
-                <a16:creationId xmlns:a16="http://schemas.microsoft.com/office/drawing/2014/main" id="{B83678BA-0A50-4D51-9E9E-08BB66F83C37}"/>
-              </a:ext>
-              <a:ext uri="{C183D7F6-B498-43B3-948B-1728B52AA6E4}">
-                <adec:decorative xmlns:adec="http://schemas.microsoft.com/office/drawing/2017/decorative" val="1"/>
-              </a:ext>
-            </a:extLst>
-          </p:cNvPr>
+          <p:cNvPr id="58" name="Group 57"/>
           <p:cNvGrpSpPr>
-            <a:grpSpLocks noGrp="1" noUngrp="1" noRot="1" noChangeAspect="1" noMove="1" noResize="1"/>
+            <a:grpSpLocks noGrp="1" noRot="1" noChangeAspect="1" noMove="1" noResize="1" noUngrp="1"/>
           </p:cNvGrpSpPr>
-          <p:nvPr>
-            <p:extLst>
-              <p:ext uri="{386F3935-93C4-4BCD-93E2-E3B085C9AB24}">
-                <p16:designElem xmlns:p16="http://schemas.microsoft.com/office/powerpoint/2015/main" val="1"/>
-              </p:ext>
-            </p:extLst>
-          </p:nvPr>
+          <p:nvPr/>
         </p:nvGrpSpPr>
         <p:grpSpPr>
           <a:xfrm>
@@ -23857,24 +21751,9 @@
         </p:grpSpPr>
         <p:sp>
           <p:nvSpPr>
-            <p:cNvPr id="59" name="Rectangle 58">
-              <a:extLst>
-                <a:ext uri="{FF2B5EF4-FFF2-40B4-BE49-F238E27FC236}">
-                  <a16:creationId xmlns:a16="http://schemas.microsoft.com/office/drawing/2014/main" id="{F1A8F65D-5E8F-4CA5-9240-1357120F9310}"/>
-                </a:ext>
-                <a:ext uri="{C183D7F6-B498-43B3-948B-1728B52AA6E4}">
-                  <adec:decorative xmlns:adec="http://schemas.microsoft.com/office/drawing/2017/decorative" val="1"/>
-                </a:ext>
-              </a:extLst>
-            </p:cNvPr>
-            <p:cNvSpPr/>
-            <p:nvPr>
-              <p:extLst>
-                <p:ext uri="{386F3935-93C4-4BCD-93E2-E3B085C9AB24}">
-                  <p16:designElem xmlns:p16="http://schemas.microsoft.com/office/powerpoint/2015/main" val="1"/>
-                </p:ext>
-              </p:extLst>
-            </p:nvPr>
+            <p:cNvPr id="59" name="Rectangle 58"/>
+            <p:cNvSpPr/>
+            <p:nvPr/>
           </p:nvSpPr>
           <p:spPr>
             <a:xfrm>
@@ -23918,24 +21797,9 @@
         </p:sp>
         <p:sp>
           <p:nvSpPr>
-            <p:cNvPr id="60" name="Isosceles Triangle 39">
-              <a:extLst>
-                <a:ext uri="{FF2B5EF4-FFF2-40B4-BE49-F238E27FC236}">
-                  <a16:creationId xmlns:a16="http://schemas.microsoft.com/office/drawing/2014/main" id="{2A4731E5-DE5F-4215-9525-99426B3909A0}"/>
-                </a:ext>
-                <a:ext uri="{C183D7F6-B498-43B3-948B-1728B52AA6E4}">
-                  <adec:decorative xmlns:adec="http://schemas.microsoft.com/office/drawing/2017/decorative" val="1"/>
-                </a:ext>
-              </a:extLst>
-            </p:cNvPr>
-            <p:cNvSpPr/>
-            <p:nvPr>
-              <p:extLst>
-                <p:ext uri="{386F3935-93C4-4BCD-93E2-E3B085C9AB24}">
-                  <p16:designElem xmlns:p16="http://schemas.microsoft.com/office/powerpoint/2015/main" val="1"/>
-                </p:ext>
-              </p:extLst>
-            </p:nvPr>
+            <p:cNvPr id="60" name="Isosceles Triangle 39"/>
+            <p:cNvSpPr/>
+            <p:nvPr/>
           </p:nvSpPr>
           <p:spPr>
             <a:xfrm rot="10800000">
@@ -23979,24 +21843,9 @@
         </p:sp>
         <p:sp>
           <p:nvSpPr>
-            <p:cNvPr id="61" name="Rectangle 60">
-              <a:extLst>
-                <a:ext uri="{FF2B5EF4-FFF2-40B4-BE49-F238E27FC236}">
-                  <a16:creationId xmlns:a16="http://schemas.microsoft.com/office/drawing/2014/main" id="{3478866D-C5E9-4968-BEF7-B1F030808956}"/>
-                </a:ext>
-                <a:ext uri="{C183D7F6-B498-43B3-948B-1728B52AA6E4}">
-                  <adec:decorative xmlns:adec="http://schemas.microsoft.com/office/drawing/2017/decorative" val="1"/>
-                </a:ext>
-              </a:extLst>
-            </p:cNvPr>
-            <p:cNvSpPr/>
-            <p:nvPr>
-              <p:extLst>
-                <p:ext uri="{386F3935-93C4-4BCD-93E2-E3B085C9AB24}">
-                  <p16:designElem xmlns:p16="http://schemas.microsoft.com/office/powerpoint/2015/main" val="1"/>
-                </p:ext>
-              </p:extLst>
-            </p:nvPr>
+            <p:cNvPr id="61" name="Rectangle 60"/>
+            <p:cNvSpPr/>
+            <p:nvPr/>
           </p:nvSpPr>
           <p:spPr>
             <a:xfrm>
@@ -24041,13 +21890,7 @@
       </p:grpSp>
       <p:sp>
         <p:nvSpPr>
-          <p:cNvPr id="2" name="Title 1">
-            <a:extLst>
-              <a:ext uri="{FF2B5EF4-FFF2-40B4-BE49-F238E27FC236}">
-                <a16:creationId xmlns:a16="http://schemas.microsoft.com/office/drawing/2014/main" id="{7496ACB3-0098-1AAD-0BFB-1913DDFB5951}"/>
-              </a:ext>
-            </a:extLst>
-          </p:cNvPr>
+          <p:cNvPr id="2" name="Title 1"/>
           <p:cNvSpPr>
             <a:spLocks noGrp="1"/>
           </p:cNvSpPr>
@@ -24076,31 +21919,17 @@
               <a:rPr lang="en-US" sz="4600"/>
               <a:t>Let's move on to our project!</a:t>
             </a:r>
+            <a:endParaRPr lang="en-US" sz="4600"/>
           </a:p>
         </p:txBody>
       </p:sp>
       <p:sp>
         <p:nvSpPr>
-          <p:cNvPr id="63" name="Rectangle 62">
-            <a:extLst>
-              <a:ext uri="{FF2B5EF4-FFF2-40B4-BE49-F238E27FC236}">
-                <a16:creationId xmlns:a16="http://schemas.microsoft.com/office/drawing/2014/main" id="{9BF6EDB4-B4ED-4900-9E38-A7AE0EEEEA1F}"/>
-              </a:ext>
-              <a:ext uri="{C183D7F6-B498-43B3-948B-1728B52AA6E4}">
-                <adec:decorative xmlns:adec="http://schemas.microsoft.com/office/drawing/2017/decorative" val="1"/>
-              </a:ext>
-            </a:extLst>
-          </p:cNvPr>
+          <p:cNvPr id="63" name="Rectangle 62"/>
           <p:cNvSpPr>
             <a:spLocks noGrp="1" noRot="1" noChangeAspect="1" noMove="1" noResize="1" noEditPoints="1" noAdjustHandles="1" noChangeArrowheads="1" noChangeShapeType="1" noTextEdit="1"/>
           </p:cNvSpPr>
-          <p:nvPr>
-            <p:extLst>
-              <p:ext uri="{386F3935-93C4-4BCD-93E2-E3B085C9AB24}">
-                <p16:designElem xmlns:p16="http://schemas.microsoft.com/office/powerpoint/2015/main" val="1"/>
-              </p:ext>
-            </p:extLst>
-          </p:nvPr>
+          <p:nvPr/>
         </p:nvSpPr>
         <p:spPr>
           <a:xfrm>
@@ -24148,13 +21977,7 @@
       </p:sp>
       <p:pic>
         <p:nvPicPr>
-          <p:cNvPr id="4" name="Content Placeholder 3" descr="Картина, която съдържа графична колекция&#10;&#10;Генерирано от ИИ съдържание може да е неправилно.">
-            <a:extLst>
-              <a:ext uri="{FF2B5EF4-FFF2-40B4-BE49-F238E27FC236}">
-                <a16:creationId xmlns:a16="http://schemas.microsoft.com/office/drawing/2014/main" id="{2C65C0B3-D6D9-4F80-CC77-92F7C1DA05D5}"/>
-              </a:ext>
-            </a:extLst>
-          </p:cNvPr>
+          <p:cNvPr id="4" name="Content Placeholder 3" descr="Картина, която съдържа графична колекция&#10;&#10;Генерирано от ИИ съдържание може да е неправилно."/>
           <p:cNvPicPr>
             <a:picLocks noGrp="1" noChangeAspect="1"/>
           </p:cNvPicPr>
@@ -24163,7 +21986,7 @@
           </p:nvPr>
         </p:nvPicPr>
         <p:blipFill>
-          <a:blip r:embed="rId2"/>
+          <a:blip r:embed="rId1"/>
           <a:stretch>
             <a:fillRect/>
           </a:stretch>
@@ -24189,11 +22012,6 @@
         </p:spPr>
       </p:pic>
     </p:spTree>
-    <p:extLst>
-      <p:ext uri="{BB962C8B-B14F-4D97-AF65-F5344CB8AC3E}">
-        <p14:creationId xmlns:p14="http://schemas.microsoft.com/office/powerpoint/2010/main" val="1553716739"/>
-      </p:ext>
-    </p:extLst>
   </p:cSld>
   <p:clrMapOvr>
     <a:masterClrMapping/>
@@ -24244,7 +22062,7 @@
     </a:clrScheme>
     <a:fontScheme name="Atlas">
       <a:majorFont>
-        <a:latin typeface="Calibri Light" panose="020F0302020204030204"/>
+        <a:latin typeface="Calibri Light"/>
         <a:ea typeface=""/>
         <a:cs typeface=""/>
         <a:font script="Jpan" typeface="ＭＳ Ｐゴシック"/>
@@ -24279,7 +22097,7 @@
         <a:font script="Geor" typeface="Sylfaen"/>
       </a:majorFont>
       <a:minorFont>
-        <a:latin typeface="Rockwell" panose="02060603020205020403"/>
+        <a:latin typeface="Rockwell"/>
         <a:ea typeface=""/>
         <a:cs typeface=""/>
         <a:font script="Jpan" typeface="ＭＳ Ｐゴシック"/>
@@ -24448,11 +22266,9 @@
       </a:bgFillStyleLst>
     </a:fmtScheme>
   </a:themeElements>
-  <a:objectDefaults/>
-  <a:extraClrSchemeLst/>
   <a:extLst>
     <a:ext uri="{05A4C25C-085E-4340-85A3-A5531E510DB2}">
-      <thm15:themeFamily xmlns:thm15="http://schemas.microsoft.com/office/thememl/2012/main" name="Atlas" id="{5156B0E4-0EB1-49FE-A26B-15F6F698AEC6}" vid="{508F7963-D0B5-43F7-BB2C-FCE3009C08EC}"/>
+      <thm15:themeFamily xmlns:thm15="http://schemas.microsoft.com/office/thememl/2012/main" name="Office Theme" id="{62F939B6-93AF-4DB8-9C6B-D6C7DFDC589F}" vid="{4A3C46E8-61CC-4603-A589-7422A47A8E4A}"/>
     </a:ext>
   </a:extLst>
 </a:theme>
